--- a/COVIDwinners 12.22.pptx
+++ b/COVIDwinners 12.22.pptx
@@ -11,10 +11,10 @@
     <p:sldId id="262" r:id="rId2"/>
     <p:sldId id="257" r:id="rId3"/>
     <p:sldId id="278" r:id="rId4"/>
-    <p:sldId id="275" r:id="rId5"/>
+    <p:sldId id="279" r:id="rId5"/>
     <p:sldId id="267" r:id="rId6"/>
-    <p:sldId id="268" r:id="rId7"/>
-    <p:sldId id="276" r:id="rId8"/>
+    <p:sldId id="276" r:id="rId7"/>
+    <p:sldId id="275" r:id="rId8"/>
     <p:sldId id="269" r:id="rId9"/>
     <p:sldId id="271" r:id="rId10"/>
     <p:sldId id="265" r:id="rId11"/>
@@ -214,7 +214,7 @@
           <a:p>
             <a:fld id="{14625D34-5020-4488-A537-3B8C95453081}" type="datetimeFigureOut">
               <a:rPr lang="en-US" smtClean="0"/>
-              <a:t>12/22/2020</a:t>
+              <a:t>12/23/2020</a:t>
             </a:fld>
             <a:endParaRPr lang="en-US"/>
           </a:p>
@@ -527,7 +527,7 @@
           <a:p>
             <a:r>
               <a:rPr lang="en-US" dirty="0"/>
-              <a:t>Jon, will you please add in the code for the previous slide, or you could point it out and I can also add it early morning.</a:t>
+              <a:t>Jon</a:t>
             </a:r>
           </a:p>
         </p:txBody>
@@ -549,7 +549,7 @@
           <a:p>
             <a:fld id="{E67F7631-9C71-488C-B96B-1BE7E371F4EF}" type="slidenum">
               <a:rPr lang="en-US" smtClean="0"/>
-              <a:t>7</a:t>
+              <a:t>3</a:t>
             </a:fld>
             <a:endParaRPr lang="en-US"/>
           </a:p>
@@ -558,7 +558,7 @@
     </p:spTree>
     <p:extLst>
       <p:ext uri="{BB962C8B-B14F-4D97-AF65-F5344CB8AC3E}">
-        <p14:creationId xmlns:p14="http://schemas.microsoft.com/office/powerpoint/2010/main" val="2896192765"/>
+        <p14:creationId xmlns:p14="http://schemas.microsoft.com/office/powerpoint/2010/main" val="334937445"/>
       </p:ext>
     </p:extLst>
   </p:cSld>
@@ -614,7 +614,7 @@
           <a:p>
             <a:r>
               <a:rPr lang="en-US" dirty="0"/>
-              <a:t>You guys can ignore this slide. Mercan will delete it once 3 company slides are complete.</a:t>
+              <a:t>Jon</a:t>
             </a:r>
           </a:p>
         </p:txBody>
@@ -636,6 +636,441 @@
           <a:p>
             <a:fld id="{E67F7631-9C71-488C-B96B-1BE7E371F4EF}" type="slidenum">
               <a:rPr lang="en-US" smtClean="0"/>
+              <a:t>4</a:t>
+            </a:fld>
+            <a:endParaRPr lang="en-US"/>
+          </a:p>
+        </p:txBody>
+      </p:sp>
+    </p:spTree>
+    <p:extLst>
+      <p:ext uri="{BB962C8B-B14F-4D97-AF65-F5344CB8AC3E}">
+        <p14:creationId xmlns:p14="http://schemas.microsoft.com/office/powerpoint/2010/main" val="815320500"/>
+      </p:ext>
+    </p:extLst>
+  </p:cSld>
+  <p:clrMapOvr>
+    <a:masterClrMapping/>
+  </p:clrMapOvr>
+</p:notes>
+</file>
+
+<file path=ppt/notesSlides/notesSlide3.xml><?xml version="1.0" encoding="utf-8"?>
+<p:notes xmlns:a="http://schemas.openxmlformats.org/drawingml/2006/main" xmlns:r="http://schemas.openxmlformats.org/officeDocument/2006/relationships" xmlns:p="http://schemas.openxmlformats.org/presentationml/2006/main">
+  <p:cSld>
+    <p:spTree>
+      <p:nvGrpSpPr>
+        <p:cNvPr id="1" name=""/>
+        <p:cNvGrpSpPr/>
+        <p:nvPr/>
+      </p:nvGrpSpPr>
+      <p:grpSpPr>
+        <a:xfrm>
+          <a:off x="0" y="0"/>
+          <a:ext cx="0" cy="0"/>
+          <a:chOff x="0" y="0"/>
+          <a:chExt cx="0" cy="0"/>
+        </a:xfrm>
+      </p:grpSpPr>
+      <p:sp>
+        <p:nvSpPr>
+          <p:cNvPr id="2" name="Slide Image Placeholder 1"/>
+          <p:cNvSpPr>
+            <a:spLocks noGrp="1" noRot="1" noChangeAspect="1"/>
+          </p:cNvSpPr>
+          <p:nvPr>
+            <p:ph type="sldImg"/>
+          </p:nvPr>
+        </p:nvSpPr>
+        <p:spPr/>
+      </p:sp>
+      <p:sp>
+        <p:nvSpPr>
+          <p:cNvPr id="3" name="Notes Placeholder 2"/>
+          <p:cNvSpPr>
+            <a:spLocks noGrp="1"/>
+          </p:cNvSpPr>
+          <p:nvPr>
+            <p:ph type="body" idx="1"/>
+          </p:nvPr>
+        </p:nvSpPr>
+        <p:spPr/>
+        <p:txBody>
+          <a:bodyPr/>
+          <a:lstStyle/>
+          <a:p>
+            <a:r>
+              <a:rPr lang="en-US" dirty="0"/>
+              <a:t>Jon</a:t>
+            </a:r>
+          </a:p>
+        </p:txBody>
+      </p:sp>
+      <p:sp>
+        <p:nvSpPr>
+          <p:cNvPr id="4" name="Slide Number Placeholder 3"/>
+          <p:cNvSpPr>
+            <a:spLocks noGrp="1"/>
+          </p:cNvSpPr>
+          <p:nvPr>
+            <p:ph type="sldNum" sz="quarter" idx="5"/>
+          </p:nvPr>
+        </p:nvSpPr>
+        <p:spPr/>
+        <p:txBody>
+          <a:bodyPr/>
+          <a:lstStyle/>
+          <a:p>
+            <a:fld id="{E67F7631-9C71-488C-B96B-1BE7E371F4EF}" type="slidenum">
+              <a:rPr lang="en-US" smtClean="0"/>
+              <a:t>5</a:t>
+            </a:fld>
+            <a:endParaRPr lang="en-US"/>
+          </a:p>
+        </p:txBody>
+      </p:sp>
+    </p:spTree>
+    <p:extLst>
+      <p:ext uri="{BB962C8B-B14F-4D97-AF65-F5344CB8AC3E}">
+        <p14:creationId xmlns:p14="http://schemas.microsoft.com/office/powerpoint/2010/main" val="1861257026"/>
+      </p:ext>
+    </p:extLst>
+  </p:cSld>
+  <p:clrMapOvr>
+    <a:masterClrMapping/>
+  </p:clrMapOvr>
+</p:notes>
+</file>
+
+<file path=ppt/notesSlides/notesSlide4.xml><?xml version="1.0" encoding="utf-8"?>
+<p:notes xmlns:a="http://schemas.openxmlformats.org/drawingml/2006/main" xmlns:r="http://schemas.openxmlformats.org/officeDocument/2006/relationships" xmlns:p="http://schemas.openxmlformats.org/presentationml/2006/main">
+  <p:cSld>
+    <p:spTree>
+      <p:nvGrpSpPr>
+        <p:cNvPr id="1" name=""/>
+        <p:cNvGrpSpPr/>
+        <p:nvPr/>
+      </p:nvGrpSpPr>
+      <p:grpSpPr>
+        <a:xfrm>
+          <a:off x="0" y="0"/>
+          <a:ext cx="0" cy="0"/>
+          <a:chOff x="0" y="0"/>
+          <a:chExt cx="0" cy="0"/>
+        </a:xfrm>
+      </p:grpSpPr>
+      <p:sp>
+        <p:nvSpPr>
+          <p:cNvPr id="2" name="Slide Image Placeholder 1"/>
+          <p:cNvSpPr>
+            <a:spLocks noGrp="1" noRot="1" noChangeAspect="1"/>
+          </p:cNvSpPr>
+          <p:nvPr>
+            <p:ph type="sldImg"/>
+          </p:nvPr>
+        </p:nvSpPr>
+        <p:spPr/>
+      </p:sp>
+      <p:sp>
+        <p:nvSpPr>
+          <p:cNvPr id="3" name="Notes Placeholder 2"/>
+          <p:cNvSpPr>
+            <a:spLocks noGrp="1"/>
+          </p:cNvSpPr>
+          <p:nvPr>
+            <p:ph type="body" idx="1"/>
+          </p:nvPr>
+        </p:nvSpPr>
+        <p:spPr/>
+        <p:txBody>
+          <a:bodyPr/>
+          <a:lstStyle/>
+          <a:p>
+            <a:r>
+              <a:rPr lang="en-US" dirty="0"/>
+              <a:t>Jon</a:t>
+            </a:r>
+          </a:p>
+        </p:txBody>
+      </p:sp>
+      <p:sp>
+        <p:nvSpPr>
+          <p:cNvPr id="4" name="Slide Number Placeholder 3"/>
+          <p:cNvSpPr>
+            <a:spLocks noGrp="1"/>
+          </p:cNvSpPr>
+          <p:nvPr>
+            <p:ph type="sldNum" sz="quarter" idx="5"/>
+          </p:nvPr>
+        </p:nvSpPr>
+        <p:spPr/>
+        <p:txBody>
+          <a:bodyPr/>
+          <a:lstStyle/>
+          <a:p>
+            <a:fld id="{E67F7631-9C71-488C-B96B-1BE7E371F4EF}" type="slidenum">
+              <a:rPr lang="en-US" smtClean="0"/>
+              <a:t>6</a:t>
+            </a:fld>
+            <a:endParaRPr lang="en-US"/>
+          </a:p>
+        </p:txBody>
+      </p:sp>
+    </p:spTree>
+    <p:extLst>
+      <p:ext uri="{BB962C8B-B14F-4D97-AF65-F5344CB8AC3E}">
+        <p14:creationId xmlns:p14="http://schemas.microsoft.com/office/powerpoint/2010/main" val="2896192765"/>
+      </p:ext>
+    </p:extLst>
+  </p:cSld>
+  <p:clrMapOvr>
+    <a:masterClrMapping/>
+  </p:clrMapOvr>
+</p:notes>
+</file>
+
+<file path=ppt/notesSlides/notesSlide5.xml><?xml version="1.0" encoding="utf-8"?>
+<p:notes xmlns:a="http://schemas.openxmlformats.org/drawingml/2006/main" xmlns:r="http://schemas.openxmlformats.org/officeDocument/2006/relationships" xmlns:p="http://schemas.openxmlformats.org/presentationml/2006/main">
+  <p:cSld>
+    <p:spTree>
+      <p:nvGrpSpPr>
+        <p:cNvPr id="1" name=""/>
+        <p:cNvGrpSpPr/>
+        <p:nvPr/>
+      </p:nvGrpSpPr>
+      <p:grpSpPr>
+        <a:xfrm>
+          <a:off x="0" y="0"/>
+          <a:ext cx="0" cy="0"/>
+          <a:chOff x="0" y="0"/>
+          <a:chExt cx="0" cy="0"/>
+        </a:xfrm>
+      </p:grpSpPr>
+      <p:sp>
+        <p:nvSpPr>
+          <p:cNvPr id="2" name="Slide Image Placeholder 1"/>
+          <p:cNvSpPr>
+            <a:spLocks noGrp="1" noRot="1" noChangeAspect="1"/>
+          </p:cNvSpPr>
+          <p:nvPr>
+            <p:ph type="sldImg"/>
+          </p:nvPr>
+        </p:nvSpPr>
+        <p:spPr/>
+      </p:sp>
+      <p:sp>
+        <p:nvSpPr>
+          <p:cNvPr id="3" name="Notes Placeholder 2"/>
+          <p:cNvSpPr>
+            <a:spLocks noGrp="1"/>
+          </p:cNvSpPr>
+          <p:nvPr>
+            <p:ph type="body" idx="1"/>
+          </p:nvPr>
+        </p:nvSpPr>
+        <p:spPr/>
+        <p:txBody>
+          <a:bodyPr/>
+          <a:lstStyle/>
+          <a:p>
+            <a:r>
+              <a:rPr lang="en-US" dirty="0"/>
+              <a:t>Jon</a:t>
+            </a:r>
+          </a:p>
+        </p:txBody>
+      </p:sp>
+      <p:sp>
+        <p:nvSpPr>
+          <p:cNvPr id="4" name="Slide Number Placeholder 3"/>
+          <p:cNvSpPr>
+            <a:spLocks noGrp="1"/>
+          </p:cNvSpPr>
+          <p:nvPr>
+            <p:ph type="sldNum" sz="quarter" idx="5"/>
+          </p:nvPr>
+        </p:nvSpPr>
+        <p:spPr/>
+        <p:txBody>
+          <a:bodyPr/>
+          <a:lstStyle/>
+          <a:p>
+            <a:fld id="{E67F7631-9C71-488C-B96B-1BE7E371F4EF}" type="slidenum">
+              <a:rPr lang="en-US" smtClean="0"/>
+              <a:t>7</a:t>
+            </a:fld>
+            <a:endParaRPr lang="en-US"/>
+          </a:p>
+        </p:txBody>
+      </p:sp>
+    </p:spTree>
+    <p:extLst>
+      <p:ext uri="{BB962C8B-B14F-4D97-AF65-F5344CB8AC3E}">
+        <p14:creationId xmlns:p14="http://schemas.microsoft.com/office/powerpoint/2010/main" val="1522938704"/>
+      </p:ext>
+    </p:extLst>
+  </p:cSld>
+  <p:clrMapOvr>
+    <a:masterClrMapping/>
+  </p:clrMapOvr>
+</p:notes>
+</file>
+
+<file path=ppt/notesSlides/notesSlide6.xml><?xml version="1.0" encoding="utf-8"?>
+<p:notes xmlns:a="http://schemas.openxmlformats.org/drawingml/2006/main" xmlns:r="http://schemas.openxmlformats.org/officeDocument/2006/relationships" xmlns:p="http://schemas.openxmlformats.org/presentationml/2006/main">
+  <p:cSld>
+    <p:spTree>
+      <p:nvGrpSpPr>
+        <p:cNvPr id="1" name=""/>
+        <p:cNvGrpSpPr/>
+        <p:nvPr/>
+      </p:nvGrpSpPr>
+      <p:grpSpPr>
+        <a:xfrm>
+          <a:off x="0" y="0"/>
+          <a:ext cx="0" cy="0"/>
+          <a:chOff x="0" y="0"/>
+          <a:chExt cx="0" cy="0"/>
+        </a:xfrm>
+      </p:grpSpPr>
+      <p:sp>
+        <p:nvSpPr>
+          <p:cNvPr id="2" name="Slide Image Placeholder 1"/>
+          <p:cNvSpPr>
+            <a:spLocks noGrp="1" noRot="1" noChangeAspect="1"/>
+          </p:cNvSpPr>
+          <p:nvPr>
+            <p:ph type="sldImg"/>
+          </p:nvPr>
+        </p:nvSpPr>
+        <p:spPr/>
+      </p:sp>
+      <p:sp>
+        <p:nvSpPr>
+          <p:cNvPr id="3" name="Notes Placeholder 2"/>
+          <p:cNvSpPr>
+            <a:spLocks noGrp="1"/>
+          </p:cNvSpPr>
+          <p:nvPr>
+            <p:ph type="body" idx="1"/>
+          </p:nvPr>
+        </p:nvSpPr>
+        <p:spPr/>
+        <p:txBody>
+          <a:bodyPr/>
+          <a:lstStyle/>
+          <a:p>
+            <a:r>
+              <a:rPr lang="en-US" dirty="0"/>
+              <a:t>Jon</a:t>
+            </a:r>
+          </a:p>
+        </p:txBody>
+      </p:sp>
+      <p:sp>
+        <p:nvSpPr>
+          <p:cNvPr id="4" name="Slide Number Placeholder 3"/>
+          <p:cNvSpPr>
+            <a:spLocks noGrp="1"/>
+          </p:cNvSpPr>
+          <p:nvPr>
+            <p:ph type="sldNum" sz="quarter" idx="5"/>
+          </p:nvPr>
+        </p:nvSpPr>
+        <p:spPr/>
+        <p:txBody>
+          <a:bodyPr/>
+          <a:lstStyle/>
+          <a:p>
+            <a:fld id="{E67F7631-9C71-488C-B96B-1BE7E371F4EF}" type="slidenum">
+              <a:rPr lang="en-US" smtClean="0"/>
+              <a:t>8</a:t>
+            </a:fld>
+            <a:endParaRPr lang="en-US"/>
+          </a:p>
+        </p:txBody>
+      </p:sp>
+    </p:spTree>
+    <p:extLst>
+      <p:ext uri="{BB962C8B-B14F-4D97-AF65-F5344CB8AC3E}">
+        <p14:creationId xmlns:p14="http://schemas.microsoft.com/office/powerpoint/2010/main" val="2429730336"/>
+      </p:ext>
+    </p:extLst>
+  </p:cSld>
+  <p:clrMapOvr>
+    <a:masterClrMapping/>
+  </p:clrMapOvr>
+</p:notes>
+</file>
+
+<file path=ppt/notesSlides/notesSlide7.xml><?xml version="1.0" encoding="utf-8"?>
+<p:notes xmlns:a="http://schemas.openxmlformats.org/drawingml/2006/main" xmlns:r="http://schemas.openxmlformats.org/officeDocument/2006/relationships" xmlns:p="http://schemas.openxmlformats.org/presentationml/2006/main">
+  <p:cSld>
+    <p:spTree>
+      <p:nvGrpSpPr>
+        <p:cNvPr id="1" name=""/>
+        <p:cNvGrpSpPr/>
+        <p:nvPr/>
+      </p:nvGrpSpPr>
+      <p:grpSpPr>
+        <a:xfrm>
+          <a:off x="0" y="0"/>
+          <a:ext cx="0" cy="0"/>
+          <a:chOff x="0" y="0"/>
+          <a:chExt cx="0" cy="0"/>
+        </a:xfrm>
+      </p:grpSpPr>
+      <p:sp>
+        <p:nvSpPr>
+          <p:cNvPr id="2" name="Slide Image Placeholder 1"/>
+          <p:cNvSpPr>
+            <a:spLocks noGrp="1" noRot="1" noChangeAspect="1"/>
+          </p:cNvSpPr>
+          <p:nvPr>
+            <p:ph type="sldImg"/>
+          </p:nvPr>
+        </p:nvSpPr>
+        <p:spPr/>
+      </p:sp>
+      <p:sp>
+        <p:nvSpPr>
+          <p:cNvPr id="3" name="Notes Placeholder 2"/>
+          <p:cNvSpPr>
+            <a:spLocks noGrp="1"/>
+          </p:cNvSpPr>
+          <p:nvPr>
+            <p:ph type="body" idx="1"/>
+          </p:nvPr>
+        </p:nvSpPr>
+        <p:spPr/>
+        <p:txBody>
+          <a:bodyPr/>
+          <a:lstStyle/>
+          <a:p>
+            <a:r>
+              <a:rPr lang="en-US" dirty="0"/>
+              <a:t>You guys can ignore this slide. Mercan will delete it once 3 company slides are complete.</a:t>
+            </a:r>
+          </a:p>
+        </p:txBody>
+      </p:sp>
+      <p:sp>
+        <p:nvSpPr>
+          <p:cNvPr id="4" name="Slide Number Placeholder 3"/>
+          <p:cNvSpPr>
+            <a:spLocks noGrp="1"/>
+          </p:cNvSpPr>
+          <p:nvPr>
+            <p:ph type="sldNum" sz="quarter" idx="5"/>
+          </p:nvPr>
+        </p:nvSpPr>
+        <p:spPr/>
+        <p:txBody>
+          <a:bodyPr/>
+          <a:lstStyle/>
+          <a:p>
+            <a:fld id="{E67F7631-9C71-488C-B96B-1BE7E371F4EF}" type="slidenum">
+              <a:rPr lang="en-US" smtClean="0"/>
               <a:t>15</a:t>
             </a:fld>
             <a:endParaRPr lang="en-US"/>
@@ -655,7 +1090,7 @@
 </p:notes>
 </file>
 
-<file path=ppt/notesSlides/notesSlide3.xml><?xml version="1.0" encoding="utf-8"?>
+<file path=ppt/notesSlides/notesSlide8.xml><?xml version="1.0" encoding="utf-8"?>
 <p:notes xmlns:a="http://schemas.openxmlformats.org/drawingml/2006/main" xmlns:r="http://schemas.openxmlformats.org/officeDocument/2006/relationships" xmlns:p="http://schemas.openxmlformats.org/presentationml/2006/main">
   <p:cSld>
     <p:spTree>
@@ -893,7 +1328,7 @@
           <a:p>
             <a:fld id="{71471413-A5E7-4E47-8FBC-F85F1AAD0987}" type="datetimeFigureOut">
               <a:rPr lang="en-US" smtClean="0"/>
-              <a:t>12/22/2020</a:t>
+              <a:t>12/23/2020</a:t>
             </a:fld>
             <a:endParaRPr lang="en-US"/>
           </a:p>
@@ -1091,7 +1526,7 @@
           <a:p>
             <a:fld id="{71471413-A5E7-4E47-8FBC-F85F1AAD0987}" type="datetimeFigureOut">
               <a:rPr lang="en-US" smtClean="0"/>
-              <a:t>12/22/2020</a:t>
+              <a:t>12/23/2020</a:t>
             </a:fld>
             <a:endParaRPr lang="en-US"/>
           </a:p>
@@ -1299,7 +1734,7 @@
           <a:p>
             <a:fld id="{71471413-A5E7-4E47-8FBC-F85F1AAD0987}" type="datetimeFigureOut">
               <a:rPr lang="en-US" smtClean="0"/>
-              <a:t>12/22/2020</a:t>
+              <a:t>12/23/2020</a:t>
             </a:fld>
             <a:endParaRPr lang="en-US"/>
           </a:p>
@@ -1497,7 +1932,7 @@
           <a:p>
             <a:fld id="{71471413-A5E7-4E47-8FBC-F85F1AAD0987}" type="datetimeFigureOut">
               <a:rPr lang="en-US" smtClean="0"/>
-              <a:t>12/22/2020</a:t>
+              <a:t>12/23/2020</a:t>
             </a:fld>
             <a:endParaRPr lang="en-US"/>
           </a:p>
@@ -1772,7 +2207,7 @@
           <a:p>
             <a:fld id="{71471413-A5E7-4E47-8FBC-F85F1AAD0987}" type="datetimeFigureOut">
               <a:rPr lang="en-US" smtClean="0"/>
-              <a:t>12/22/2020</a:t>
+              <a:t>12/23/2020</a:t>
             </a:fld>
             <a:endParaRPr lang="en-US"/>
           </a:p>
@@ -2037,7 +2472,7 @@
           <a:p>
             <a:fld id="{71471413-A5E7-4E47-8FBC-F85F1AAD0987}" type="datetimeFigureOut">
               <a:rPr lang="en-US" smtClean="0"/>
-              <a:t>12/22/2020</a:t>
+              <a:t>12/23/2020</a:t>
             </a:fld>
             <a:endParaRPr lang="en-US"/>
           </a:p>
@@ -2449,7 +2884,7 @@
           <a:p>
             <a:fld id="{71471413-A5E7-4E47-8FBC-F85F1AAD0987}" type="datetimeFigureOut">
               <a:rPr lang="en-US" smtClean="0"/>
-              <a:t>12/22/2020</a:t>
+              <a:t>12/23/2020</a:t>
             </a:fld>
             <a:endParaRPr lang="en-US"/>
           </a:p>
@@ -2590,7 +3025,7 @@
           <a:p>
             <a:fld id="{71471413-A5E7-4E47-8FBC-F85F1AAD0987}" type="datetimeFigureOut">
               <a:rPr lang="en-US" smtClean="0"/>
-              <a:t>12/22/2020</a:t>
+              <a:t>12/23/2020</a:t>
             </a:fld>
             <a:endParaRPr lang="en-US"/>
           </a:p>
@@ -2703,7 +3138,7 @@
           <a:p>
             <a:fld id="{71471413-A5E7-4E47-8FBC-F85F1AAD0987}" type="datetimeFigureOut">
               <a:rPr lang="en-US" smtClean="0"/>
-              <a:t>12/22/2020</a:t>
+              <a:t>12/23/2020</a:t>
             </a:fld>
             <a:endParaRPr lang="en-US"/>
           </a:p>
@@ -3014,7 +3449,7 @@
           <a:p>
             <a:fld id="{71471413-A5E7-4E47-8FBC-F85F1AAD0987}" type="datetimeFigureOut">
               <a:rPr lang="en-US" smtClean="0"/>
-              <a:t>12/22/2020</a:t>
+              <a:t>12/23/2020</a:t>
             </a:fld>
             <a:endParaRPr lang="en-US"/>
           </a:p>
@@ -3302,7 +3737,7 @@
           <a:p>
             <a:fld id="{71471413-A5E7-4E47-8FBC-F85F1AAD0987}" type="datetimeFigureOut">
               <a:rPr lang="en-US" smtClean="0"/>
-              <a:t>12/22/2020</a:t>
+              <a:t>12/23/2020</a:t>
             </a:fld>
             <a:endParaRPr lang="en-US"/>
           </a:p>
@@ -3548,7 +3983,7 @@
           <a:p>
             <a:fld id="{71471413-A5E7-4E47-8FBC-F85F1AAD0987}" type="datetimeFigureOut">
               <a:rPr lang="en-US" smtClean="0"/>
-              <a:t>12/22/2020</a:t>
+              <a:t>12/23/2020</a:t>
             </a:fld>
             <a:endParaRPr lang="en-US"/>
           </a:p>
@@ -9200,14 +9635,6 @@
 <file path=ppt/slides/slide3.xml><?xml version="1.0" encoding="utf-8"?>
 <p:sld xmlns:a="http://schemas.openxmlformats.org/drawingml/2006/main" xmlns:r="http://schemas.openxmlformats.org/officeDocument/2006/relationships" xmlns:p="http://schemas.openxmlformats.org/presentationml/2006/main">
   <p:cSld>
-    <p:bg>
-      <p:bgPr>
-        <a:solidFill>
-          <a:srgbClr val="515153"/>
-        </a:solidFill>
-        <a:effectLst/>
-      </p:bgPr>
-    </p:bg>
     <p:spTree>
       <p:nvGrpSpPr>
         <p:cNvPr id="1" name=""/>
@@ -9224,76 +9651,6 @@
       </p:grpSpPr>
       <p:pic>
         <p:nvPicPr>
-          <p:cNvPr id="4" name="Picture 3" descr="Text&#10;&#10;Description automatically generated">
-            <a:extLst>
-              <a:ext uri="{FF2B5EF4-FFF2-40B4-BE49-F238E27FC236}">
-                <a16:creationId xmlns:a16="http://schemas.microsoft.com/office/drawing/2014/main" id="{27683E17-E5F0-4A63-81D1-46975CEEE217}"/>
-              </a:ext>
-            </a:extLst>
-          </p:cNvPr>
-          <p:cNvPicPr>
-            <a:picLocks noChangeAspect="1"/>
-          </p:cNvPicPr>
-          <p:nvPr/>
-        </p:nvPicPr>
-        <p:blipFill rotWithShape="1">
-          <a:blip r:embed="rId2">
-            <a:extLst>
-              <a:ext uri="{28A0092B-C50C-407E-A947-70E740481C1C}">
-                <a14:useLocalDpi xmlns:a14="http://schemas.microsoft.com/office/drawing/2010/main" val="0"/>
-              </a:ext>
-            </a:extLst>
-          </a:blip>
-          <a:srcRect l="11089" r="13152"/>
-          <a:stretch/>
-        </p:blipFill>
-        <p:spPr>
-          <a:xfrm>
-            <a:off x="311239" y="1036415"/>
-            <a:ext cx="6462324" cy="3753268"/>
-          </a:xfrm>
-          <a:prstGeom prst="rect">
-            <a:avLst/>
-          </a:prstGeom>
-        </p:spPr>
-      </p:pic>
-      <p:pic>
-        <p:nvPicPr>
-          <p:cNvPr id="6" name="Picture 5" descr="Text&#10;&#10;Description automatically generated with medium confidence">
-            <a:extLst>
-              <a:ext uri="{FF2B5EF4-FFF2-40B4-BE49-F238E27FC236}">
-                <a16:creationId xmlns:a16="http://schemas.microsoft.com/office/drawing/2014/main" id="{7555E0F4-5D10-444D-A2AB-A45F08563F77}"/>
-              </a:ext>
-            </a:extLst>
-          </p:cNvPr>
-          <p:cNvPicPr>
-            <a:picLocks noChangeAspect="1"/>
-          </p:cNvPicPr>
-          <p:nvPr/>
-        </p:nvPicPr>
-        <p:blipFill rotWithShape="1">
-          <a:blip r:embed="rId3">
-            <a:extLst>
-              <a:ext uri="{28A0092B-C50C-407E-A947-70E740481C1C}">
-                <a14:useLocalDpi xmlns:a14="http://schemas.microsoft.com/office/drawing/2010/main" val="0"/>
-              </a:ext>
-            </a:extLst>
-          </a:blip>
-          <a:srcRect l="12269" r="3984" b="50050"/>
-          <a:stretch/>
-        </p:blipFill>
-        <p:spPr>
-          <a:xfrm>
-            <a:off x="5019473" y="2552785"/>
-            <a:ext cx="6725688" cy="4305216"/>
-          </a:xfrm>
-          <a:prstGeom prst="rect">
-            <a:avLst/>
-          </a:prstGeom>
-        </p:spPr>
-      </p:pic>
-      <p:pic>
-        <p:nvPicPr>
           <p:cNvPr id="7" name="Picture 6">
             <a:extLst>
               <a:ext uri="{FF2B5EF4-FFF2-40B4-BE49-F238E27FC236}">
@@ -9307,7 +9664,7 @@
           <p:nvPr/>
         </p:nvPicPr>
         <p:blipFill>
-          <a:blip r:embed="rId4">
+          <a:blip r:embed="rId3">
             <a:extLst>
               <a:ext uri="{28A0092B-C50C-407E-A947-70E740481C1C}">
                 <a14:useLocalDpi xmlns:a14="http://schemas.microsoft.com/office/drawing/2010/main" val="0"/>
@@ -9320,7 +9677,7 @@
         </p:blipFill>
         <p:spPr>
           <a:xfrm>
-            <a:off x="311239" y="5414930"/>
+            <a:off x="4051443" y="5842128"/>
             <a:ext cx="4089113" cy="817823"/>
           </a:xfrm>
           <a:prstGeom prst="rect">
@@ -9479,7 +9836,7 @@
           <a:p>
             <a:pPr algn="ctr"/>
             <a:r>
-              <a:rPr lang="en-US" sz="3600" b="1" dirty="0">
+              <a:rPr lang="en-US" sz="3200" b="1" dirty="0">
                 <a:solidFill>
                   <a:srgbClr val="FFFF00"/>
                 </a:solidFill>
@@ -9491,17 +9848,1549 @@
                   </a:outerShdw>
                 </a:effectLst>
               </a:rPr>
-              <a:t>Something called an API</a:t>
+              <a:t>Gathering Data – </a:t>
+            </a:r>
+            <a:r>
+              <a:rPr lang="en-US" sz="3200" b="1" dirty="0" err="1">
+                <a:solidFill>
+                  <a:srgbClr val="FFFF00"/>
+                </a:solidFill>
+                <a:effectLst>
+                  <a:outerShdw blurRad="38100" dist="38100" dir="2700000" algn="tl">
+                    <a:srgbClr val="000000">
+                      <a:alpha val="43137"/>
+                    </a:srgbClr>
+                  </a:outerShdw>
+                </a:effectLst>
+              </a:rPr>
+              <a:t>AlphaVantage</a:t>
+            </a:r>
+            <a:r>
+              <a:rPr lang="en-US" sz="3200" b="1" dirty="0">
+                <a:solidFill>
+                  <a:srgbClr val="FFFF00"/>
+                </a:solidFill>
+                <a:effectLst>
+                  <a:outerShdw blurRad="38100" dist="38100" dir="2700000" algn="tl">
+                    <a:srgbClr val="000000">
+                      <a:alpha val="43137"/>
+                    </a:srgbClr>
+                  </a:outerShdw>
+                </a:effectLst>
+              </a:rPr>
+              <a:t> API</a:t>
             </a:r>
           </a:p>
         </p:txBody>
       </p:sp>
       <p:sp>
         <p:nvSpPr>
-          <p:cNvPr id="9" name="Arrow: Right 8">
+          <p:cNvPr id="10" name="TextBox 9">
             <a:extLst>
               <a:ext uri="{FF2B5EF4-FFF2-40B4-BE49-F238E27FC236}">
-                <a16:creationId xmlns:a16="http://schemas.microsoft.com/office/drawing/2014/main" id="{2001AA2D-5DD4-4DE6-B8A4-2F119D5DEF09}"/>
+                <a16:creationId xmlns:a16="http://schemas.microsoft.com/office/drawing/2014/main" id="{FC75EAF3-4301-4EB3-B608-45DCE7FA2192}"/>
+              </a:ext>
+            </a:extLst>
+          </p:cNvPr>
+          <p:cNvSpPr txBox="1"/>
+          <p:nvPr/>
+        </p:nvSpPr>
+        <p:spPr>
+          <a:xfrm>
+            <a:off x="3456966" y="1250132"/>
+            <a:ext cx="5420258" cy="646331"/>
+          </a:xfrm>
+          <a:prstGeom prst="rect">
+            <a:avLst/>
+          </a:prstGeom>
+          <a:solidFill>
+            <a:schemeClr val="bg1">
+              <a:lumMod val="95000"/>
+            </a:schemeClr>
+          </a:solidFill>
+        </p:spPr>
+        <p:txBody>
+          <a:bodyPr wrap="square">
+            <a:spAutoFit/>
+          </a:bodyPr>
+          <a:lstStyle/>
+          <a:p>
+            <a:r>
+              <a:rPr lang="en-US" sz="1200" b="0" dirty="0">
+                <a:solidFill>
+                  <a:srgbClr val="9872A2"/>
+                </a:solidFill>
+                <a:effectLst/>
+                <a:latin typeface="Consolas" panose="020B0609020204030204" pitchFamily="49" charset="0"/>
+              </a:rPr>
+              <a:t>from</a:t>
+            </a:r>
+            <a:r>
+              <a:rPr lang="en-US" sz="1200" b="0" dirty="0">
+                <a:solidFill>
+                  <a:srgbClr val="000000"/>
+                </a:solidFill>
+                <a:effectLst/>
+                <a:latin typeface="Consolas" panose="020B0609020204030204" pitchFamily="49" charset="0"/>
+              </a:rPr>
+              <a:t> </a:t>
+            </a:r>
+            <a:r>
+              <a:rPr lang="en-US" sz="1200" b="0" dirty="0" err="1">
+                <a:solidFill>
+                  <a:srgbClr val="000000"/>
+                </a:solidFill>
+                <a:effectLst/>
+                <a:latin typeface="Consolas" panose="020B0609020204030204" pitchFamily="49" charset="0"/>
+              </a:rPr>
+              <a:t>alpha_vantage.timeseries</a:t>
+            </a:r>
+            <a:r>
+              <a:rPr lang="en-US" sz="1200" b="0" dirty="0">
+                <a:solidFill>
+                  <a:srgbClr val="000000"/>
+                </a:solidFill>
+                <a:effectLst/>
+                <a:latin typeface="Consolas" panose="020B0609020204030204" pitchFamily="49" charset="0"/>
+              </a:rPr>
+              <a:t> </a:t>
+            </a:r>
+            <a:r>
+              <a:rPr lang="en-US" sz="1200" b="0" dirty="0">
+                <a:solidFill>
+                  <a:srgbClr val="9872A2"/>
+                </a:solidFill>
+                <a:effectLst/>
+                <a:latin typeface="Consolas" panose="020B0609020204030204" pitchFamily="49" charset="0"/>
+              </a:rPr>
+              <a:t>import</a:t>
+            </a:r>
+            <a:r>
+              <a:rPr lang="en-US" sz="1200" b="0" dirty="0">
+                <a:solidFill>
+                  <a:srgbClr val="000000"/>
+                </a:solidFill>
+                <a:effectLst/>
+                <a:latin typeface="Consolas" panose="020B0609020204030204" pitchFamily="49" charset="0"/>
+              </a:rPr>
+              <a:t> </a:t>
+            </a:r>
+            <a:r>
+              <a:rPr lang="en-US" sz="1200" b="0" dirty="0" err="1">
+                <a:solidFill>
+                  <a:srgbClr val="000000"/>
+                </a:solidFill>
+                <a:effectLst/>
+                <a:latin typeface="Consolas" panose="020B0609020204030204" pitchFamily="49" charset="0"/>
+              </a:rPr>
+              <a:t>TimeSeries</a:t>
+            </a:r>
+            <a:endParaRPr lang="en-US" sz="1200" b="0" dirty="0">
+              <a:solidFill>
+                <a:srgbClr val="000000"/>
+              </a:solidFill>
+              <a:effectLst/>
+              <a:latin typeface="Consolas" panose="020B0609020204030204" pitchFamily="49" charset="0"/>
+            </a:endParaRPr>
+          </a:p>
+          <a:p>
+            <a:r>
+              <a:rPr lang="en-US" sz="1200" b="0" dirty="0">
+                <a:solidFill>
+                  <a:srgbClr val="9872A2"/>
+                </a:solidFill>
+                <a:effectLst/>
+                <a:latin typeface="Consolas" panose="020B0609020204030204" pitchFamily="49" charset="0"/>
+              </a:rPr>
+              <a:t>from</a:t>
+            </a:r>
+            <a:r>
+              <a:rPr lang="en-US" sz="1200" b="0" dirty="0">
+                <a:solidFill>
+                  <a:srgbClr val="000000"/>
+                </a:solidFill>
+                <a:effectLst/>
+                <a:latin typeface="Consolas" panose="020B0609020204030204" pitchFamily="49" charset="0"/>
+              </a:rPr>
+              <a:t> </a:t>
+            </a:r>
+            <a:r>
+              <a:rPr lang="en-US" sz="1200" b="0" dirty="0" err="1">
+                <a:solidFill>
+                  <a:srgbClr val="000000"/>
+                </a:solidFill>
+                <a:effectLst/>
+                <a:latin typeface="Consolas" panose="020B0609020204030204" pitchFamily="49" charset="0"/>
+              </a:rPr>
+              <a:t>alpha_vantage.sectorperformance</a:t>
+            </a:r>
+            <a:r>
+              <a:rPr lang="en-US" sz="1200" b="0" dirty="0">
+                <a:solidFill>
+                  <a:srgbClr val="000000"/>
+                </a:solidFill>
+                <a:effectLst/>
+                <a:latin typeface="Consolas" panose="020B0609020204030204" pitchFamily="49" charset="0"/>
+              </a:rPr>
+              <a:t> </a:t>
+            </a:r>
+            <a:r>
+              <a:rPr lang="en-US" sz="1200" b="0" dirty="0">
+                <a:solidFill>
+                  <a:srgbClr val="9872A2"/>
+                </a:solidFill>
+                <a:effectLst/>
+                <a:latin typeface="Consolas" panose="020B0609020204030204" pitchFamily="49" charset="0"/>
+              </a:rPr>
+              <a:t>import</a:t>
+            </a:r>
+            <a:r>
+              <a:rPr lang="en-US" sz="1200" b="0" dirty="0">
+                <a:solidFill>
+                  <a:srgbClr val="000000"/>
+                </a:solidFill>
+                <a:effectLst/>
+                <a:latin typeface="Consolas" panose="020B0609020204030204" pitchFamily="49" charset="0"/>
+              </a:rPr>
+              <a:t> </a:t>
+            </a:r>
+            <a:r>
+              <a:rPr lang="en-US" sz="1200" b="0" dirty="0" err="1">
+                <a:solidFill>
+                  <a:srgbClr val="000000"/>
+                </a:solidFill>
+                <a:effectLst/>
+                <a:latin typeface="Consolas" panose="020B0609020204030204" pitchFamily="49" charset="0"/>
+              </a:rPr>
+              <a:t>SectorPerformances</a:t>
+            </a:r>
+            <a:endParaRPr lang="en-US" sz="1200" b="0" dirty="0">
+              <a:solidFill>
+                <a:srgbClr val="000000"/>
+              </a:solidFill>
+              <a:effectLst/>
+              <a:latin typeface="Consolas" panose="020B0609020204030204" pitchFamily="49" charset="0"/>
+            </a:endParaRPr>
+          </a:p>
+          <a:p>
+            <a:r>
+              <a:rPr lang="en-US" sz="1200" b="0" dirty="0">
+                <a:solidFill>
+                  <a:srgbClr val="9872A2"/>
+                </a:solidFill>
+                <a:effectLst/>
+                <a:latin typeface="Consolas" panose="020B0609020204030204" pitchFamily="49" charset="0"/>
+              </a:rPr>
+              <a:t>from</a:t>
+            </a:r>
+            <a:r>
+              <a:rPr lang="en-US" sz="1200" b="0" dirty="0">
+                <a:solidFill>
+                  <a:srgbClr val="000000"/>
+                </a:solidFill>
+                <a:effectLst/>
+                <a:latin typeface="Consolas" panose="020B0609020204030204" pitchFamily="49" charset="0"/>
+              </a:rPr>
+              <a:t> config </a:t>
+            </a:r>
+            <a:r>
+              <a:rPr lang="en-US" sz="1200" b="0" dirty="0">
+                <a:solidFill>
+                  <a:srgbClr val="9872A2"/>
+                </a:solidFill>
+                <a:effectLst/>
+                <a:latin typeface="Consolas" panose="020B0609020204030204" pitchFamily="49" charset="0"/>
+              </a:rPr>
+              <a:t>import</a:t>
+            </a:r>
+            <a:r>
+              <a:rPr lang="en-US" sz="1200" b="0" dirty="0">
+                <a:solidFill>
+                  <a:srgbClr val="000000"/>
+                </a:solidFill>
+                <a:effectLst/>
+                <a:latin typeface="Consolas" panose="020B0609020204030204" pitchFamily="49" charset="0"/>
+              </a:rPr>
+              <a:t> </a:t>
+            </a:r>
+            <a:r>
+              <a:rPr lang="en-US" sz="1200" b="0" dirty="0" err="1">
+                <a:solidFill>
+                  <a:srgbClr val="000000"/>
+                </a:solidFill>
+                <a:effectLst/>
+                <a:latin typeface="Consolas" panose="020B0609020204030204" pitchFamily="49" charset="0"/>
+              </a:rPr>
+              <a:t>akey</a:t>
+            </a:r>
+            <a:endParaRPr lang="en-US" sz="1200" b="0" dirty="0">
+              <a:solidFill>
+                <a:srgbClr val="000000"/>
+              </a:solidFill>
+              <a:effectLst/>
+              <a:latin typeface="Consolas" panose="020B0609020204030204" pitchFamily="49" charset="0"/>
+            </a:endParaRPr>
+          </a:p>
+        </p:txBody>
+      </p:sp>
+      <p:sp>
+        <p:nvSpPr>
+          <p:cNvPr id="11" name="TextBox 10">
+            <a:extLst>
+              <a:ext uri="{FF2B5EF4-FFF2-40B4-BE49-F238E27FC236}">
+                <a16:creationId xmlns:a16="http://schemas.microsoft.com/office/drawing/2014/main" id="{7BBF6EEE-A983-48F3-AC6D-09E4F6B35AFE}"/>
+              </a:ext>
+            </a:extLst>
+          </p:cNvPr>
+          <p:cNvSpPr txBox="1"/>
+          <p:nvPr/>
+        </p:nvSpPr>
+        <p:spPr>
+          <a:xfrm>
+            <a:off x="0" y="2425404"/>
+            <a:ext cx="5598086" cy="3231654"/>
+          </a:xfrm>
+          <a:prstGeom prst="rect">
+            <a:avLst/>
+          </a:prstGeom>
+          <a:solidFill>
+            <a:schemeClr val="bg1">
+              <a:lumMod val="95000"/>
+            </a:schemeClr>
+          </a:solidFill>
+        </p:spPr>
+        <p:txBody>
+          <a:bodyPr wrap="square">
+            <a:spAutoFit/>
+          </a:bodyPr>
+          <a:lstStyle/>
+          <a:p>
+            <a:r>
+              <a:rPr lang="en-US" sz="1200" b="0" dirty="0" err="1">
+                <a:solidFill>
+                  <a:srgbClr val="000000"/>
+                </a:solidFill>
+                <a:effectLst/>
+                <a:latin typeface="Consolas" panose="020B0609020204030204" pitchFamily="49" charset="0"/>
+              </a:rPr>
+              <a:t>ts</a:t>
+            </a:r>
+            <a:r>
+              <a:rPr lang="en-US" sz="1200" b="0" dirty="0">
+                <a:solidFill>
+                  <a:srgbClr val="000000"/>
+                </a:solidFill>
+                <a:effectLst/>
+                <a:latin typeface="Consolas" panose="020B0609020204030204" pitchFamily="49" charset="0"/>
+              </a:rPr>
+              <a:t> </a:t>
+            </a:r>
+            <a:r>
+              <a:rPr lang="en-US" sz="1200" b="0" dirty="0">
+                <a:solidFill>
+                  <a:srgbClr val="6089B4"/>
+                </a:solidFill>
+                <a:effectLst/>
+                <a:latin typeface="Consolas" panose="020B0609020204030204" pitchFamily="49" charset="0"/>
+              </a:rPr>
+              <a:t>=</a:t>
+            </a:r>
+            <a:r>
+              <a:rPr lang="en-US" sz="1200" b="0" dirty="0">
+                <a:solidFill>
+                  <a:srgbClr val="000000"/>
+                </a:solidFill>
+                <a:effectLst/>
+                <a:latin typeface="Consolas" panose="020B0609020204030204" pitchFamily="49" charset="0"/>
+              </a:rPr>
+              <a:t> </a:t>
+            </a:r>
+            <a:r>
+              <a:rPr lang="en-US" sz="1200" b="0" dirty="0" err="1">
+                <a:solidFill>
+                  <a:srgbClr val="000000"/>
+                </a:solidFill>
+                <a:effectLst/>
+                <a:latin typeface="Consolas" panose="020B0609020204030204" pitchFamily="49" charset="0"/>
+              </a:rPr>
+              <a:t>TimeSeries</a:t>
+            </a:r>
+            <a:r>
+              <a:rPr lang="en-US" sz="1200" b="0" dirty="0">
+                <a:solidFill>
+                  <a:srgbClr val="000000"/>
+                </a:solidFill>
+                <a:effectLst/>
+                <a:latin typeface="Consolas" panose="020B0609020204030204" pitchFamily="49" charset="0"/>
+              </a:rPr>
+              <a:t>(</a:t>
+            </a:r>
+            <a:r>
+              <a:rPr lang="en-US" sz="1200" b="0" dirty="0">
+                <a:solidFill>
+                  <a:srgbClr val="6089B4"/>
+                </a:solidFill>
+                <a:effectLst/>
+                <a:latin typeface="Consolas" panose="020B0609020204030204" pitchFamily="49" charset="0"/>
+              </a:rPr>
+              <a:t>key=</a:t>
+            </a:r>
+            <a:r>
+              <a:rPr lang="en-US" sz="1200" b="0" dirty="0" err="1">
+                <a:solidFill>
+                  <a:srgbClr val="000000"/>
+                </a:solidFill>
+                <a:effectLst/>
+                <a:latin typeface="Consolas" panose="020B0609020204030204" pitchFamily="49" charset="0"/>
+              </a:rPr>
+              <a:t>akey</a:t>
+            </a:r>
+            <a:r>
+              <a:rPr lang="en-US" sz="1200" b="0" dirty="0">
+                <a:solidFill>
+                  <a:srgbClr val="000000"/>
+                </a:solidFill>
+                <a:effectLst/>
+                <a:latin typeface="Consolas" panose="020B0609020204030204" pitchFamily="49" charset="0"/>
+              </a:rPr>
+              <a:t>, </a:t>
+            </a:r>
+            <a:r>
+              <a:rPr lang="en-US" sz="1200" b="0" dirty="0" err="1">
+                <a:solidFill>
+                  <a:srgbClr val="6089B4"/>
+                </a:solidFill>
+                <a:effectLst/>
+                <a:latin typeface="Consolas" panose="020B0609020204030204" pitchFamily="49" charset="0"/>
+              </a:rPr>
+              <a:t>output_format</a:t>
+            </a:r>
+            <a:r>
+              <a:rPr lang="en-US" sz="1200" b="0" dirty="0">
+                <a:solidFill>
+                  <a:srgbClr val="6089B4"/>
+                </a:solidFill>
+                <a:effectLst/>
+                <a:latin typeface="Consolas" panose="020B0609020204030204" pitchFamily="49" charset="0"/>
+              </a:rPr>
+              <a:t>=</a:t>
+            </a:r>
+            <a:r>
+              <a:rPr lang="en-US" sz="1200" b="0" dirty="0">
+                <a:solidFill>
+                  <a:srgbClr val="9AA83A"/>
+                </a:solidFill>
+                <a:effectLst/>
+                <a:latin typeface="Consolas" panose="020B0609020204030204" pitchFamily="49" charset="0"/>
+              </a:rPr>
+              <a:t>'pandas'</a:t>
+            </a:r>
+            <a:r>
+              <a:rPr lang="en-US" sz="1200" b="0" dirty="0">
+                <a:solidFill>
+                  <a:srgbClr val="000000"/>
+                </a:solidFill>
+                <a:effectLst/>
+                <a:latin typeface="Consolas" panose="020B0609020204030204" pitchFamily="49" charset="0"/>
+              </a:rPr>
+              <a:t>, </a:t>
+            </a:r>
+            <a:r>
+              <a:rPr lang="en-US" sz="1200" b="0" dirty="0" err="1">
+                <a:solidFill>
+                  <a:srgbClr val="6089B4"/>
+                </a:solidFill>
+                <a:effectLst/>
+                <a:latin typeface="Consolas" panose="020B0609020204030204" pitchFamily="49" charset="0"/>
+              </a:rPr>
+              <a:t>indexing_type</a:t>
+            </a:r>
+            <a:r>
+              <a:rPr lang="en-US" sz="1200" b="0" dirty="0">
+                <a:solidFill>
+                  <a:srgbClr val="6089B4"/>
+                </a:solidFill>
+                <a:effectLst/>
+                <a:latin typeface="Consolas" panose="020B0609020204030204" pitchFamily="49" charset="0"/>
+              </a:rPr>
+              <a:t>=</a:t>
+            </a:r>
+            <a:r>
+              <a:rPr lang="en-US" sz="1200" b="0" dirty="0">
+                <a:solidFill>
+                  <a:srgbClr val="9AA83A"/>
+                </a:solidFill>
+                <a:effectLst/>
+                <a:latin typeface="Consolas" panose="020B0609020204030204" pitchFamily="49" charset="0"/>
+              </a:rPr>
+              <a:t>'integer'</a:t>
+            </a:r>
+            <a:r>
+              <a:rPr lang="en-US" sz="1200" b="0" dirty="0">
+                <a:solidFill>
+                  <a:srgbClr val="000000"/>
+                </a:solidFill>
+                <a:effectLst/>
+                <a:latin typeface="Consolas" panose="020B0609020204030204" pitchFamily="49" charset="0"/>
+              </a:rPr>
+              <a:t>)</a:t>
+            </a:r>
+          </a:p>
+          <a:p>
+            <a:r>
+              <a:rPr lang="en-US" sz="1200" b="0" dirty="0">
+                <a:solidFill>
+                  <a:srgbClr val="000000"/>
+                </a:solidFill>
+                <a:effectLst/>
+                <a:latin typeface="Consolas" panose="020B0609020204030204" pitchFamily="49" charset="0"/>
+              </a:rPr>
+              <a:t>data, </a:t>
+            </a:r>
+            <a:r>
+              <a:rPr lang="en-US" sz="1200" b="0" dirty="0" err="1">
+                <a:solidFill>
+                  <a:srgbClr val="000000"/>
+                </a:solidFill>
+                <a:effectLst/>
+                <a:latin typeface="Consolas" panose="020B0609020204030204" pitchFamily="49" charset="0"/>
+              </a:rPr>
+              <a:t>meta_data</a:t>
+            </a:r>
+            <a:r>
+              <a:rPr lang="en-US" sz="1200" b="0" dirty="0">
+                <a:solidFill>
+                  <a:srgbClr val="000000"/>
+                </a:solidFill>
+                <a:effectLst/>
+                <a:latin typeface="Consolas" panose="020B0609020204030204" pitchFamily="49" charset="0"/>
+              </a:rPr>
+              <a:t> </a:t>
+            </a:r>
+            <a:r>
+              <a:rPr lang="en-US" sz="1200" b="0" dirty="0">
+                <a:solidFill>
+                  <a:srgbClr val="6089B4"/>
+                </a:solidFill>
+                <a:effectLst/>
+                <a:latin typeface="Consolas" panose="020B0609020204030204" pitchFamily="49" charset="0"/>
+              </a:rPr>
+              <a:t>=</a:t>
+            </a:r>
+            <a:r>
+              <a:rPr lang="en-US" sz="1200" b="0" dirty="0">
+                <a:solidFill>
+                  <a:srgbClr val="000000"/>
+                </a:solidFill>
+                <a:effectLst/>
+                <a:latin typeface="Consolas" panose="020B0609020204030204" pitchFamily="49" charset="0"/>
+              </a:rPr>
+              <a:t> </a:t>
+            </a:r>
+            <a:r>
+              <a:rPr lang="en-US" sz="1200" b="0" dirty="0" err="1">
+                <a:solidFill>
+                  <a:srgbClr val="000000"/>
+                </a:solidFill>
+                <a:effectLst/>
+                <a:latin typeface="Consolas" panose="020B0609020204030204" pitchFamily="49" charset="0"/>
+              </a:rPr>
+              <a:t>ts.get_monthly</a:t>
+            </a:r>
+            <a:r>
+              <a:rPr lang="en-US" sz="1200" b="0" dirty="0">
+                <a:solidFill>
+                  <a:srgbClr val="000000"/>
+                </a:solidFill>
+                <a:effectLst/>
+                <a:latin typeface="Consolas" panose="020B0609020204030204" pitchFamily="49" charset="0"/>
+              </a:rPr>
+              <a:t>(</a:t>
+            </a:r>
+            <a:r>
+              <a:rPr lang="en-US" sz="1200" b="0" dirty="0">
+                <a:solidFill>
+                  <a:srgbClr val="9AA83A"/>
+                </a:solidFill>
+                <a:effectLst/>
+                <a:latin typeface="Consolas" panose="020B0609020204030204" pitchFamily="49" charset="0"/>
+              </a:rPr>
+              <a:t>'AAN'</a:t>
+            </a:r>
+            <a:r>
+              <a:rPr lang="en-US" sz="1200" b="0" dirty="0">
+                <a:solidFill>
+                  <a:srgbClr val="000000"/>
+                </a:solidFill>
+                <a:effectLst/>
+                <a:latin typeface="Consolas" panose="020B0609020204030204" pitchFamily="49" charset="0"/>
+              </a:rPr>
+              <a:t>)</a:t>
+            </a:r>
+          </a:p>
+          <a:p>
+            <a:r>
+              <a:rPr lang="en-US" sz="1200" b="0" dirty="0">
+                <a:solidFill>
+                  <a:srgbClr val="000000"/>
+                </a:solidFill>
+                <a:effectLst/>
+                <a:latin typeface="Consolas" panose="020B0609020204030204" pitchFamily="49" charset="0"/>
+              </a:rPr>
+              <a:t>data[</a:t>
+            </a:r>
+            <a:r>
+              <a:rPr lang="en-US" sz="1200" b="0" dirty="0">
+                <a:solidFill>
+                  <a:srgbClr val="9AA83A"/>
+                </a:solidFill>
+                <a:effectLst/>
+                <a:latin typeface="Consolas" panose="020B0609020204030204" pitchFamily="49" charset="0"/>
+              </a:rPr>
+              <a:t>'Ticker'</a:t>
+            </a:r>
+            <a:r>
+              <a:rPr lang="en-US" sz="1200" b="0" dirty="0">
+                <a:solidFill>
+                  <a:srgbClr val="000000"/>
+                </a:solidFill>
+                <a:effectLst/>
+                <a:latin typeface="Consolas" panose="020B0609020204030204" pitchFamily="49" charset="0"/>
+              </a:rPr>
+              <a:t>] </a:t>
+            </a:r>
+            <a:r>
+              <a:rPr lang="en-US" sz="1200" b="0" dirty="0">
+                <a:solidFill>
+                  <a:srgbClr val="6089B4"/>
+                </a:solidFill>
+                <a:effectLst/>
+                <a:latin typeface="Consolas" panose="020B0609020204030204" pitchFamily="49" charset="0"/>
+              </a:rPr>
+              <a:t>=</a:t>
+            </a:r>
+            <a:r>
+              <a:rPr lang="en-US" sz="1200" b="0" dirty="0">
+                <a:solidFill>
+                  <a:srgbClr val="000000"/>
+                </a:solidFill>
+                <a:effectLst/>
+                <a:latin typeface="Consolas" panose="020B0609020204030204" pitchFamily="49" charset="0"/>
+              </a:rPr>
+              <a:t> </a:t>
+            </a:r>
+            <a:r>
+              <a:rPr lang="en-US" sz="1200" b="0" dirty="0">
+                <a:solidFill>
+                  <a:srgbClr val="9AA83A"/>
+                </a:solidFill>
+                <a:effectLst/>
+                <a:latin typeface="Consolas" panose="020B0609020204030204" pitchFamily="49" charset="0"/>
+              </a:rPr>
+              <a:t>'AAN'</a:t>
+            </a:r>
+            <a:endParaRPr lang="en-US" sz="1200" b="0" dirty="0">
+              <a:solidFill>
+                <a:srgbClr val="000000"/>
+              </a:solidFill>
+              <a:effectLst/>
+              <a:latin typeface="Consolas" panose="020B0609020204030204" pitchFamily="49" charset="0"/>
+            </a:endParaRPr>
+          </a:p>
+          <a:p>
+            <a:r>
+              <a:rPr lang="en-US" sz="1200" b="0" dirty="0" err="1">
+                <a:solidFill>
+                  <a:srgbClr val="000000"/>
+                </a:solidFill>
+                <a:effectLst/>
+                <a:latin typeface="Consolas" panose="020B0609020204030204" pitchFamily="49" charset="0"/>
+              </a:rPr>
+              <a:t>data.to_csv</a:t>
+            </a:r>
+            <a:r>
+              <a:rPr lang="en-US" sz="1200" b="0" dirty="0">
+                <a:solidFill>
+                  <a:srgbClr val="000000"/>
+                </a:solidFill>
+                <a:effectLst/>
+                <a:latin typeface="Consolas" panose="020B0609020204030204" pitchFamily="49" charset="0"/>
+              </a:rPr>
+              <a:t>(</a:t>
+            </a:r>
+            <a:r>
+              <a:rPr lang="en-US" sz="1200" b="0" dirty="0">
+                <a:solidFill>
+                  <a:srgbClr val="9AA83A"/>
+                </a:solidFill>
+                <a:effectLst/>
+                <a:latin typeface="Consolas" panose="020B0609020204030204" pitchFamily="49" charset="0"/>
+              </a:rPr>
+              <a:t>'</a:t>
+            </a:r>
+            <a:r>
+              <a:rPr lang="en-US" sz="1200" b="0" dirty="0" err="1">
+                <a:solidFill>
+                  <a:srgbClr val="9AA83A"/>
+                </a:solidFill>
+                <a:effectLst/>
+                <a:latin typeface="Consolas" panose="020B0609020204030204" pitchFamily="49" charset="0"/>
+              </a:rPr>
+              <a:t>api</a:t>
+            </a:r>
+            <a:r>
+              <a:rPr lang="en-US" sz="1200" b="0" dirty="0">
+                <a:solidFill>
+                  <a:srgbClr val="9AA83A"/>
+                </a:solidFill>
+                <a:effectLst/>
+                <a:latin typeface="Consolas" panose="020B0609020204030204" pitchFamily="49" charset="0"/>
+              </a:rPr>
+              <a:t>-data/stock_prices.csv'</a:t>
+            </a:r>
+            <a:r>
+              <a:rPr lang="en-US" sz="1200" b="0" dirty="0">
+                <a:solidFill>
+                  <a:srgbClr val="000000"/>
+                </a:solidFill>
+                <a:effectLst/>
+                <a:latin typeface="Consolas" panose="020B0609020204030204" pitchFamily="49" charset="0"/>
+              </a:rPr>
+              <a:t>)</a:t>
+            </a:r>
+          </a:p>
+          <a:p>
+            <a:r>
+              <a:rPr lang="en-US" sz="1200" b="0" dirty="0">
+                <a:solidFill>
+                  <a:srgbClr val="9872A2"/>
+                </a:solidFill>
+                <a:effectLst/>
+                <a:latin typeface="Consolas" panose="020B0609020204030204" pitchFamily="49" charset="0"/>
+              </a:rPr>
+              <a:t>for</a:t>
+            </a:r>
+            <a:r>
+              <a:rPr lang="en-US" sz="1200" b="0" dirty="0">
+                <a:solidFill>
+                  <a:srgbClr val="000000"/>
+                </a:solidFill>
+                <a:effectLst/>
+                <a:latin typeface="Consolas" panose="020B0609020204030204" pitchFamily="49" charset="0"/>
+              </a:rPr>
+              <a:t> stock </a:t>
+            </a:r>
+            <a:r>
+              <a:rPr lang="en-US" sz="1200" b="0" dirty="0">
+                <a:solidFill>
+                  <a:srgbClr val="9872A2"/>
+                </a:solidFill>
+                <a:effectLst/>
+                <a:latin typeface="Consolas" panose="020B0609020204030204" pitchFamily="49" charset="0"/>
+              </a:rPr>
+              <a:t>in</a:t>
+            </a:r>
+            <a:r>
+              <a:rPr lang="en-US" sz="1200" b="0" dirty="0">
+                <a:solidFill>
+                  <a:srgbClr val="000000"/>
+                </a:solidFill>
+                <a:effectLst/>
+                <a:latin typeface="Consolas" panose="020B0609020204030204" pitchFamily="49" charset="0"/>
+              </a:rPr>
+              <a:t> stocks:</a:t>
+            </a:r>
+          </a:p>
+          <a:p>
+            <a:r>
+              <a:rPr lang="en-US" sz="1200" b="0" dirty="0">
+                <a:solidFill>
+                  <a:srgbClr val="000000"/>
+                </a:solidFill>
+                <a:effectLst/>
+                <a:latin typeface="Consolas" panose="020B0609020204030204" pitchFamily="49" charset="0"/>
+              </a:rPr>
+              <a:t>    </a:t>
+            </a:r>
+            <a:r>
+              <a:rPr lang="en-US" sz="1200" b="0" dirty="0">
+                <a:solidFill>
+                  <a:srgbClr val="9872A2"/>
+                </a:solidFill>
+                <a:effectLst/>
+                <a:latin typeface="Consolas" panose="020B0609020204030204" pitchFamily="49" charset="0"/>
+              </a:rPr>
+              <a:t>try</a:t>
+            </a:r>
+            <a:r>
+              <a:rPr lang="en-US" sz="1200" b="0" dirty="0">
+                <a:solidFill>
+                  <a:srgbClr val="000000"/>
+                </a:solidFill>
+                <a:effectLst/>
+                <a:latin typeface="Consolas" panose="020B0609020204030204" pitchFamily="49" charset="0"/>
+              </a:rPr>
+              <a:t>:</a:t>
+            </a:r>
+          </a:p>
+          <a:p>
+            <a:r>
+              <a:rPr lang="en-US" sz="1200" b="0" dirty="0">
+                <a:solidFill>
+                  <a:srgbClr val="000000"/>
+                </a:solidFill>
+                <a:effectLst/>
+                <a:latin typeface="Consolas" panose="020B0609020204030204" pitchFamily="49" charset="0"/>
+              </a:rPr>
+              <a:t>        data, </a:t>
+            </a:r>
+            <a:r>
+              <a:rPr lang="en-US" sz="1200" b="0" dirty="0" err="1">
+                <a:solidFill>
+                  <a:srgbClr val="000000"/>
+                </a:solidFill>
+                <a:effectLst/>
+                <a:latin typeface="Consolas" panose="020B0609020204030204" pitchFamily="49" charset="0"/>
+              </a:rPr>
+              <a:t>meta_data</a:t>
+            </a:r>
+            <a:r>
+              <a:rPr lang="en-US" sz="1200" b="0" dirty="0">
+                <a:solidFill>
+                  <a:srgbClr val="000000"/>
+                </a:solidFill>
+                <a:effectLst/>
+                <a:latin typeface="Consolas" panose="020B0609020204030204" pitchFamily="49" charset="0"/>
+              </a:rPr>
+              <a:t> </a:t>
+            </a:r>
+            <a:r>
+              <a:rPr lang="en-US" sz="1200" b="0" dirty="0">
+                <a:solidFill>
+                  <a:srgbClr val="6089B4"/>
+                </a:solidFill>
+                <a:effectLst/>
+                <a:latin typeface="Consolas" panose="020B0609020204030204" pitchFamily="49" charset="0"/>
+              </a:rPr>
+              <a:t>=</a:t>
+            </a:r>
+            <a:r>
+              <a:rPr lang="en-US" sz="1200" b="0" dirty="0">
+                <a:solidFill>
+                  <a:srgbClr val="000000"/>
+                </a:solidFill>
+                <a:effectLst/>
+                <a:latin typeface="Consolas" panose="020B0609020204030204" pitchFamily="49" charset="0"/>
+              </a:rPr>
+              <a:t> </a:t>
+            </a:r>
+            <a:r>
+              <a:rPr lang="en-US" sz="1200" b="0" dirty="0" err="1">
+                <a:solidFill>
+                  <a:srgbClr val="000000"/>
+                </a:solidFill>
+                <a:effectLst/>
+                <a:latin typeface="Consolas" panose="020B0609020204030204" pitchFamily="49" charset="0"/>
+              </a:rPr>
+              <a:t>ts.get_monthly</a:t>
+            </a:r>
+            <a:r>
+              <a:rPr lang="en-US" sz="1200" b="0" dirty="0">
+                <a:solidFill>
+                  <a:srgbClr val="000000"/>
+                </a:solidFill>
+                <a:effectLst/>
+                <a:latin typeface="Consolas" panose="020B0609020204030204" pitchFamily="49" charset="0"/>
+              </a:rPr>
+              <a:t>(stock)</a:t>
+            </a:r>
+          </a:p>
+          <a:p>
+            <a:r>
+              <a:rPr lang="en-US" sz="1200" b="0" dirty="0">
+                <a:solidFill>
+                  <a:srgbClr val="000000"/>
+                </a:solidFill>
+                <a:effectLst/>
+                <a:latin typeface="Consolas" panose="020B0609020204030204" pitchFamily="49" charset="0"/>
+              </a:rPr>
+              <a:t>        data[</a:t>
+            </a:r>
+            <a:r>
+              <a:rPr lang="en-US" sz="1200" b="0" dirty="0">
+                <a:solidFill>
+                  <a:srgbClr val="9AA83A"/>
+                </a:solidFill>
+                <a:effectLst/>
+                <a:latin typeface="Consolas" panose="020B0609020204030204" pitchFamily="49" charset="0"/>
+              </a:rPr>
+              <a:t>'Ticker'</a:t>
+            </a:r>
+            <a:r>
+              <a:rPr lang="en-US" sz="1200" b="0" dirty="0">
+                <a:solidFill>
+                  <a:srgbClr val="000000"/>
+                </a:solidFill>
+                <a:effectLst/>
+                <a:latin typeface="Consolas" panose="020B0609020204030204" pitchFamily="49" charset="0"/>
+              </a:rPr>
+              <a:t>] </a:t>
+            </a:r>
+            <a:r>
+              <a:rPr lang="en-US" sz="1200" b="0" dirty="0">
+                <a:solidFill>
+                  <a:srgbClr val="6089B4"/>
+                </a:solidFill>
+                <a:effectLst/>
+                <a:latin typeface="Consolas" panose="020B0609020204030204" pitchFamily="49" charset="0"/>
+              </a:rPr>
+              <a:t>=</a:t>
+            </a:r>
+            <a:r>
+              <a:rPr lang="en-US" sz="1200" b="0" dirty="0">
+                <a:solidFill>
+                  <a:srgbClr val="000000"/>
+                </a:solidFill>
+                <a:effectLst/>
+                <a:latin typeface="Consolas" panose="020B0609020204030204" pitchFamily="49" charset="0"/>
+              </a:rPr>
+              <a:t> stock</a:t>
+            </a:r>
+          </a:p>
+          <a:p>
+            <a:r>
+              <a:rPr lang="en-US" sz="1200" b="0" dirty="0">
+                <a:solidFill>
+                  <a:srgbClr val="000000"/>
+                </a:solidFill>
+                <a:effectLst/>
+                <a:latin typeface="Consolas" panose="020B0609020204030204" pitchFamily="49" charset="0"/>
+              </a:rPr>
+              <a:t>        </a:t>
+            </a:r>
+            <a:r>
+              <a:rPr lang="en-US" sz="1200" b="0" dirty="0" err="1">
+                <a:solidFill>
+                  <a:srgbClr val="000000"/>
+                </a:solidFill>
+                <a:effectLst/>
+                <a:latin typeface="Consolas" panose="020B0609020204030204" pitchFamily="49" charset="0"/>
+              </a:rPr>
+              <a:t>data.to_csv</a:t>
+            </a:r>
+            <a:r>
+              <a:rPr lang="en-US" sz="1200" b="0" dirty="0">
+                <a:solidFill>
+                  <a:srgbClr val="000000"/>
+                </a:solidFill>
+                <a:effectLst/>
+                <a:latin typeface="Consolas" panose="020B0609020204030204" pitchFamily="49" charset="0"/>
+              </a:rPr>
+              <a:t>(</a:t>
+            </a:r>
+            <a:r>
+              <a:rPr lang="en-US" sz="1200" b="0" dirty="0">
+                <a:solidFill>
+                  <a:srgbClr val="9AA83A"/>
+                </a:solidFill>
+                <a:effectLst/>
+                <a:latin typeface="Consolas" panose="020B0609020204030204" pitchFamily="49" charset="0"/>
+              </a:rPr>
+              <a:t>'</a:t>
+            </a:r>
+            <a:r>
+              <a:rPr lang="en-US" sz="1200" b="0" dirty="0" err="1">
+                <a:solidFill>
+                  <a:srgbClr val="9AA83A"/>
+                </a:solidFill>
+                <a:effectLst/>
+                <a:latin typeface="Consolas" panose="020B0609020204030204" pitchFamily="49" charset="0"/>
+              </a:rPr>
+              <a:t>api</a:t>
+            </a:r>
+            <a:r>
+              <a:rPr lang="en-US" sz="1200" b="0" dirty="0">
+                <a:solidFill>
+                  <a:srgbClr val="9AA83A"/>
+                </a:solidFill>
+                <a:effectLst/>
+                <a:latin typeface="Consolas" panose="020B0609020204030204" pitchFamily="49" charset="0"/>
+              </a:rPr>
+              <a:t>- 	data/stock_prices.csv'</a:t>
+            </a:r>
+            <a:r>
+              <a:rPr lang="en-US" sz="1200" b="0" dirty="0">
+                <a:solidFill>
+                  <a:srgbClr val="000000"/>
+                </a:solidFill>
+                <a:effectLst/>
+                <a:latin typeface="Consolas" panose="020B0609020204030204" pitchFamily="49" charset="0"/>
+              </a:rPr>
+              <a:t>, </a:t>
+            </a:r>
+            <a:r>
+              <a:rPr lang="en-US" sz="1200" b="0" dirty="0">
+                <a:solidFill>
+                  <a:srgbClr val="6089B4"/>
+                </a:solidFill>
+                <a:effectLst/>
+                <a:latin typeface="Consolas" panose="020B0609020204030204" pitchFamily="49" charset="0"/>
+              </a:rPr>
+              <a:t>mode=</a:t>
+            </a:r>
+            <a:r>
+              <a:rPr lang="en-US" sz="1200" b="0" dirty="0">
+                <a:solidFill>
+                  <a:srgbClr val="9AA83A"/>
+                </a:solidFill>
+                <a:effectLst/>
+                <a:latin typeface="Consolas" panose="020B0609020204030204" pitchFamily="49" charset="0"/>
+              </a:rPr>
+              <a:t>'a'</a:t>
+            </a:r>
+            <a:r>
+              <a:rPr lang="en-US" sz="1200" b="0" dirty="0">
+                <a:solidFill>
+                  <a:srgbClr val="000000"/>
+                </a:solidFill>
+                <a:effectLst/>
+                <a:latin typeface="Consolas" panose="020B0609020204030204" pitchFamily="49" charset="0"/>
+              </a:rPr>
+              <a:t>, </a:t>
+            </a:r>
+            <a:r>
+              <a:rPr lang="en-US" sz="1200" b="0" dirty="0">
+                <a:solidFill>
+                  <a:srgbClr val="6089B4"/>
+                </a:solidFill>
+                <a:effectLst/>
+                <a:latin typeface="Consolas" panose="020B0609020204030204" pitchFamily="49" charset="0"/>
+              </a:rPr>
+              <a:t>header=</a:t>
+            </a:r>
+            <a:r>
+              <a:rPr lang="en-US" sz="1200" b="0" dirty="0">
+                <a:solidFill>
+                  <a:srgbClr val="408080"/>
+                </a:solidFill>
+                <a:effectLst/>
+                <a:latin typeface="Consolas" panose="020B0609020204030204" pitchFamily="49" charset="0"/>
+              </a:rPr>
+              <a:t>False</a:t>
+            </a:r>
+            <a:r>
+              <a:rPr lang="en-US" sz="1200" b="0" dirty="0">
+                <a:solidFill>
+                  <a:srgbClr val="000000"/>
+                </a:solidFill>
+                <a:effectLst/>
+                <a:latin typeface="Consolas" panose="020B0609020204030204" pitchFamily="49" charset="0"/>
+              </a:rPr>
+              <a:t>)</a:t>
+            </a:r>
+          </a:p>
+          <a:p>
+            <a:r>
+              <a:rPr lang="en-US" sz="1200" b="0" dirty="0">
+                <a:solidFill>
+                  <a:srgbClr val="000000"/>
+                </a:solidFill>
+                <a:effectLst/>
+                <a:latin typeface="Consolas" panose="020B0609020204030204" pitchFamily="49" charset="0"/>
+              </a:rPr>
+              <a:t>        </a:t>
+            </a:r>
+            <a:r>
+              <a:rPr lang="en-US" sz="1200" b="0" dirty="0" err="1">
+                <a:solidFill>
+                  <a:srgbClr val="000000"/>
+                </a:solidFill>
+                <a:effectLst/>
+                <a:latin typeface="Consolas" panose="020B0609020204030204" pitchFamily="49" charset="0"/>
+              </a:rPr>
+              <a:t>time.sleep</a:t>
+            </a:r>
+            <a:r>
+              <a:rPr lang="en-US" sz="1200" b="0" dirty="0">
+                <a:solidFill>
+                  <a:srgbClr val="000000"/>
+                </a:solidFill>
+                <a:effectLst/>
+                <a:latin typeface="Consolas" panose="020B0609020204030204" pitchFamily="49" charset="0"/>
+              </a:rPr>
+              <a:t>(</a:t>
+            </a:r>
+            <a:r>
+              <a:rPr lang="en-US" sz="1200" b="0" dirty="0">
+                <a:solidFill>
+                  <a:srgbClr val="6089B4"/>
+                </a:solidFill>
+                <a:effectLst/>
+                <a:latin typeface="Consolas" panose="020B0609020204030204" pitchFamily="49" charset="0"/>
+              </a:rPr>
+              <a:t>2.5</a:t>
+            </a:r>
+            <a:r>
+              <a:rPr lang="en-US" sz="1200" b="0" dirty="0">
+                <a:solidFill>
+                  <a:srgbClr val="000000"/>
+                </a:solidFill>
+                <a:effectLst/>
+                <a:latin typeface="Consolas" panose="020B0609020204030204" pitchFamily="49" charset="0"/>
+              </a:rPr>
+              <a:t>)</a:t>
+            </a:r>
+          </a:p>
+          <a:p>
+            <a:r>
+              <a:rPr lang="en-US" sz="1200" b="0" dirty="0">
+                <a:solidFill>
+                  <a:srgbClr val="000000"/>
+                </a:solidFill>
+                <a:effectLst/>
+                <a:latin typeface="Consolas" panose="020B0609020204030204" pitchFamily="49" charset="0"/>
+              </a:rPr>
+              <a:t>        </a:t>
+            </a:r>
+            <a:r>
+              <a:rPr lang="en-US" sz="1200" b="0" dirty="0">
+                <a:solidFill>
+                  <a:srgbClr val="9872A2"/>
+                </a:solidFill>
+                <a:effectLst/>
+                <a:latin typeface="Consolas" panose="020B0609020204030204" pitchFamily="49" charset="0"/>
+              </a:rPr>
+              <a:t>print</a:t>
+            </a:r>
+            <a:r>
+              <a:rPr lang="en-US" sz="1200" b="0" dirty="0">
+                <a:solidFill>
+                  <a:srgbClr val="000000"/>
+                </a:solidFill>
+                <a:effectLst/>
+                <a:latin typeface="Consolas" panose="020B0609020204030204" pitchFamily="49" charset="0"/>
+              </a:rPr>
+              <a:t>(</a:t>
+            </a:r>
+            <a:r>
+              <a:rPr lang="en-US" sz="1200" b="0" dirty="0">
+                <a:solidFill>
+                  <a:srgbClr val="9872A2"/>
+                </a:solidFill>
+                <a:effectLst/>
+                <a:latin typeface="Consolas" panose="020B0609020204030204" pitchFamily="49" charset="0"/>
+              </a:rPr>
+              <a:t>f</a:t>
+            </a:r>
+            <a:r>
+              <a:rPr lang="en-US" sz="1200" b="0" dirty="0">
+                <a:solidFill>
+                  <a:srgbClr val="9AA83A"/>
+                </a:solidFill>
+                <a:effectLst/>
+                <a:latin typeface="Consolas" panose="020B0609020204030204" pitchFamily="49" charset="0"/>
+              </a:rPr>
+              <a:t>'</a:t>
+            </a:r>
+            <a:r>
+              <a:rPr lang="en-US" sz="1200" b="0" dirty="0">
+                <a:solidFill>
+                  <a:srgbClr val="8080FF"/>
+                </a:solidFill>
+                <a:effectLst/>
+                <a:latin typeface="Consolas" panose="020B0609020204030204" pitchFamily="49" charset="0"/>
+              </a:rPr>
+              <a:t>{</a:t>
+            </a:r>
+            <a:r>
+              <a:rPr lang="en-US" sz="1200" b="0" dirty="0">
+                <a:solidFill>
+                  <a:srgbClr val="000000"/>
+                </a:solidFill>
+                <a:effectLst/>
+                <a:latin typeface="Consolas" panose="020B0609020204030204" pitchFamily="49" charset="0"/>
+              </a:rPr>
+              <a:t>stock</a:t>
+            </a:r>
+            <a:r>
+              <a:rPr lang="en-US" sz="1200" b="0" dirty="0">
+                <a:solidFill>
+                  <a:srgbClr val="8080FF"/>
+                </a:solidFill>
+                <a:effectLst/>
+                <a:latin typeface="Consolas" panose="020B0609020204030204" pitchFamily="49" charset="0"/>
+              </a:rPr>
+              <a:t>}</a:t>
+            </a:r>
+            <a:r>
+              <a:rPr lang="en-US" sz="1200" b="0" dirty="0">
+                <a:solidFill>
+                  <a:srgbClr val="9AA83A"/>
+                </a:solidFill>
+                <a:effectLst/>
+                <a:latin typeface="Consolas" panose="020B0609020204030204" pitchFamily="49" charset="0"/>
+              </a:rPr>
+              <a:t> data found. Appending to CSV'</a:t>
+            </a:r>
+            <a:r>
+              <a:rPr lang="en-US" sz="1200" b="0" dirty="0">
+                <a:solidFill>
+                  <a:srgbClr val="000000"/>
+                </a:solidFill>
+                <a:effectLst/>
+                <a:latin typeface="Consolas" panose="020B0609020204030204" pitchFamily="49" charset="0"/>
+              </a:rPr>
+              <a:t>)</a:t>
+            </a:r>
+          </a:p>
+          <a:p>
+            <a:r>
+              <a:rPr lang="en-US" sz="1200" b="0" dirty="0">
+                <a:solidFill>
+                  <a:srgbClr val="000000"/>
+                </a:solidFill>
+                <a:effectLst/>
+                <a:latin typeface="Consolas" panose="020B0609020204030204" pitchFamily="49" charset="0"/>
+              </a:rPr>
+              <a:t>    </a:t>
+            </a:r>
+            <a:r>
+              <a:rPr lang="en-US" sz="1200" b="0" dirty="0">
+                <a:solidFill>
+                  <a:srgbClr val="9872A2"/>
+                </a:solidFill>
+                <a:effectLst/>
+                <a:latin typeface="Consolas" panose="020B0609020204030204" pitchFamily="49" charset="0"/>
+              </a:rPr>
+              <a:t>except</a:t>
+            </a:r>
+            <a:r>
+              <a:rPr lang="en-US" sz="1200" b="0" dirty="0">
+                <a:solidFill>
+                  <a:srgbClr val="000000"/>
+                </a:solidFill>
+                <a:effectLst/>
+                <a:latin typeface="Consolas" panose="020B0609020204030204" pitchFamily="49" charset="0"/>
+              </a:rPr>
+              <a:t>:</a:t>
+            </a:r>
+          </a:p>
+          <a:p>
+            <a:r>
+              <a:rPr lang="en-US" sz="1200" b="0" dirty="0">
+                <a:solidFill>
+                  <a:srgbClr val="000000"/>
+                </a:solidFill>
+                <a:effectLst/>
+                <a:latin typeface="Consolas" panose="020B0609020204030204" pitchFamily="49" charset="0"/>
+              </a:rPr>
+              <a:t>        </a:t>
+            </a:r>
+            <a:r>
+              <a:rPr lang="en-US" sz="1200" b="0" dirty="0">
+                <a:solidFill>
+                  <a:srgbClr val="9872A2"/>
+                </a:solidFill>
+                <a:effectLst/>
+                <a:latin typeface="Consolas" panose="020B0609020204030204" pitchFamily="49" charset="0"/>
+              </a:rPr>
+              <a:t>print</a:t>
+            </a:r>
+            <a:r>
+              <a:rPr lang="en-US" sz="1200" b="0" dirty="0">
+                <a:solidFill>
+                  <a:srgbClr val="000000"/>
+                </a:solidFill>
+                <a:effectLst/>
+                <a:latin typeface="Consolas" panose="020B0609020204030204" pitchFamily="49" charset="0"/>
+              </a:rPr>
+              <a:t>(</a:t>
+            </a:r>
+            <a:r>
+              <a:rPr lang="en-US" sz="1200" b="0" dirty="0">
+                <a:solidFill>
+                  <a:srgbClr val="9872A2"/>
+                </a:solidFill>
+                <a:effectLst/>
+                <a:latin typeface="Consolas" panose="020B0609020204030204" pitchFamily="49" charset="0"/>
+              </a:rPr>
+              <a:t>f</a:t>
+            </a:r>
+            <a:r>
+              <a:rPr lang="en-US" sz="1200" b="0" dirty="0">
+                <a:solidFill>
+                  <a:srgbClr val="9AA83A"/>
+                </a:solidFill>
+                <a:effectLst/>
+                <a:latin typeface="Consolas" panose="020B0609020204030204" pitchFamily="49" charset="0"/>
+              </a:rPr>
+              <a:t>'</a:t>
+            </a:r>
+            <a:r>
+              <a:rPr lang="en-US" sz="1200" b="0" dirty="0">
+                <a:solidFill>
+                  <a:srgbClr val="8080FF"/>
+                </a:solidFill>
+                <a:effectLst/>
+                <a:latin typeface="Consolas" panose="020B0609020204030204" pitchFamily="49" charset="0"/>
+              </a:rPr>
+              <a:t>{</a:t>
+            </a:r>
+            <a:r>
+              <a:rPr lang="en-US" sz="1200" b="0" dirty="0">
+                <a:solidFill>
+                  <a:srgbClr val="000000"/>
+                </a:solidFill>
+                <a:effectLst/>
+                <a:latin typeface="Consolas" panose="020B0609020204030204" pitchFamily="49" charset="0"/>
+              </a:rPr>
+              <a:t>stock</a:t>
+            </a:r>
+            <a:r>
+              <a:rPr lang="en-US" sz="1200" b="0" dirty="0">
+                <a:solidFill>
+                  <a:srgbClr val="8080FF"/>
+                </a:solidFill>
+                <a:effectLst/>
+                <a:latin typeface="Consolas" panose="020B0609020204030204" pitchFamily="49" charset="0"/>
+              </a:rPr>
+              <a:t>}</a:t>
+            </a:r>
+            <a:r>
+              <a:rPr lang="en-US" sz="1200" b="0" dirty="0">
+                <a:solidFill>
+                  <a:srgbClr val="9AA83A"/>
+                </a:solidFill>
+                <a:effectLst/>
+                <a:latin typeface="Consolas" panose="020B0609020204030204" pitchFamily="49" charset="0"/>
+              </a:rPr>
+              <a:t> not available. No data added.'</a:t>
+            </a:r>
+            <a:r>
+              <a:rPr lang="en-US" sz="1200" b="0" dirty="0">
+                <a:solidFill>
+                  <a:srgbClr val="000000"/>
+                </a:solidFill>
+                <a:effectLst/>
+                <a:latin typeface="Consolas" panose="020B0609020204030204" pitchFamily="49" charset="0"/>
+              </a:rPr>
+              <a:t>)</a:t>
+            </a:r>
+          </a:p>
+          <a:p>
+            <a:r>
+              <a:rPr lang="en-US" sz="1200" b="0" dirty="0">
+                <a:solidFill>
+                  <a:srgbClr val="000000"/>
+                </a:solidFill>
+                <a:effectLst/>
+                <a:latin typeface="Consolas" panose="020B0609020204030204" pitchFamily="49" charset="0"/>
+              </a:rPr>
+              <a:t>        </a:t>
+            </a:r>
+            <a:r>
+              <a:rPr lang="en-US" sz="1200" b="0" dirty="0">
+                <a:solidFill>
+                  <a:srgbClr val="9872A2"/>
+                </a:solidFill>
+                <a:effectLst/>
+                <a:latin typeface="Consolas" panose="020B0609020204030204" pitchFamily="49" charset="0"/>
+              </a:rPr>
+              <a:t>pass</a:t>
+            </a:r>
+            <a:endParaRPr lang="en-US" sz="1200" b="0" dirty="0">
+              <a:solidFill>
+                <a:srgbClr val="000000"/>
+              </a:solidFill>
+              <a:effectLst/>
+              <a:latin typeface="Consolas" panose="020B0609020204030204" pitchFamily="49" charset="0"/>
+            </a:endParaRPr>
+          </a:p>
+          <a:p>
+            <a:r>
+              <a:rPr lang="en-US" sz="1200" b="0" dirty="0">
+                <a:solidFill>
+                  <a:srgbClr val="9872A2"/>
+                </a:solidFill>
+                <a:effectLst/>
+                <a:latin typeface="Consolas" panose="020B0609020204030204" pitchFamily="49" charset="0"/>
+              </a:rPr>
+              <a:t>print</a:t>
+            </a:r>
+            <a:r>
+              <a:rPr lang="en-US" sz="1200" b="0" dirty="0">
+                <a:solidFill>
+                  <a:srgbClr val="000000"/>
+                </a:solidFill>
+                <a:effectLst/>
+                <a:latin typeface="Consolas" panose="020B0609020204030204" pitchFamily="49" charset="0"/>
+              </a:rPr>
+              <a:t>(</a:t>
+            </a:r>
+            <a:r>
+              <a:rPr lang="en-US" sz="1200" b="0" dirty="0" err="1">
+                <a:solidFill>
+                  <a:srgbClr val="9872A2"/>
+                </a:solidFill>
+                <a:effectLst/>
+                <a:latin typeface="Consolas" panose="020B0609020204030204" pitchFamily="49" charset="0"/>
+              </a:rPr>
+              <a:t>f</a:t>
+            </a:r>
+            <a:r>
+              <a:rPr lang="en-US" sz="1200" b="0" dirty="0" err="1">
+                <a:solidFill>
+                  <a:srgbClr val="9AA83A"/>
+                </a:solidFill>
+                <a:effectLst/>
+                <a:latin typeface="Consolas" panose="020B0609020204030204" pitchFamily="49" charset="0"/>
+              </a:rPr>
+              <a:t>'Data</a:t>
+            </a:r>
+            <a:r>
+              <a:rPr lang="en-US" sz="1200" b="0" dirty="0">
+                <a:solidFill>
+                  <a:srgbClr val="9AA83A"/>
+                </a:solidFill>
+                <a:effectLst/>
+                <a:latin typeface="Consolas" panose="020B0609020204030204" pitchFamily="49" charset="0"/>
+              </a:rPr>
+              <a:t> Done'</a:t>
+            </a:r>
+            <a:r>
+              <a:rPr lang="en-US" sz="1200" b="0" dirty="0">
+                <a:solidFill>
+                  <a:srgbClr val="000000"/>
+                </a:solidFill>
+                <a:effectLst/>
+                <a:latin typeface="Consolas" panose="020B0609020204030204" pitchFamily="49" charset="0"/>
+              </a:rPr>
+              <a:t>)</a:t>
+            </a:r>
+          </a:p>
+        </p:txBody>
+      </p:sp>
+      <p:sp>
+        <p:nvSpPr>
+          <p:cNvPr id="13" name="TextBox 12">
+            <a:extLst>
+              <a:ext uri="{FF2B5EF4-FFF2-40B4-BE49-F238E27FC236}">
+                <a16:creationId xmlns:a16="http://schemas.microsoft.com/office/drawing/2014/main" id="{0DCD7D24-DD3F-4953-B053-A843A33354B9}"/>
+              </a:ext>
+            </a:extLst>
+          </p:cNvPr>
+          <p:cNvSpPr txBox="1"/>
+          <p:nvPr/>
+        </p:nvSpPr>
+        <p:spPr>
+          <a:xfrm>
+            <a:off x="4051443" y="886691"/>
+            <a:ext cx="3762521" cy="369332"/>
+          </a:xfrm>
+          <a:prstGeom prst="rect">
+            <a:avLst/>
+          </a:prstGeom>
+          <a:noFill/>
+        </p:spPr>
+        <p:txBody>
+          <a:bodyPr wrap="square" rtlCol="0">
+            <a:spAutoFit/>
+          </a:bodyPr>
+          <a:lstStyle/>
+          <a:p>
+            <a:pPr algn="ctr"/>
+            <a:r>
+              <a:rPr lang="en-US" dirty="0">
+                <a:solidFill>
+                  <a:schemeClr val="bg1"/>
+                </a:solidFill>
+              </a:rPr>
+              <a:t>Installing Package</a:t>
+            </a:r>
+          </a:p>
+        </p:txBody>
+      </p:sp>
+      <p:sp>
+        <p:nvSpPr>
+          <p:cNvPr id="15" name="TextBox 14">
+            <a:extLst>
+              <a:ext uri="{FF2B5EF4-FFF2-40B4-BE49-F238E27FC236}">
+                <a16:creationId xmlns:a16="http://schemas.microsoft.com/office/drawing/2014/main" id="{12A770DF-4AE6-4131-9911-BC825D592F49}"/>
+              </a:ext>
+            </a:extLst>
+          </p:cNvPr>
+          <p:cNvSpPr txBox="1"/>
+          <p:nvPr/>
+        </p:nvSpPr>
+        <p:spPr>
+          <a:xfrm>
+            <a:off x="583320" y="2058393"/>
+            <a:ext cx="3762521" cy="369332"/>
+          </a:xfrm>
+          <a:prstGeom prst="rect">
+            <a:avLst/>
+          </a:prstGeom>
+          <a:noFill/>
+        </p:spPr>
+        <p:txBody>
+          <a:bodyPr wrap="square" rtlCol="0">
+            <a:spAutoFit/>
+          </a:bodyPr>
+          <a:lstStyle/>
+          <a:p>
+            <a:pPr algn="ctr"/>
+            <a:r>
+              <a:rPr lang="en-US" dirty="0">
+                <a:solidFill>
+                  <a:schemeClr val="bg1"/>
+                </a:solidFill>
+              </a:rPr>
+              <a:t>Gathering Stock Prices</a:t>
+            </a:r>
+          </a:p>
+        </p:txBody>
+      </p:sp>
+      <p:pic>
+        <p:nvPicPr>
+          <p:cNvPr id="18" name="Picture 17">
+            <a:extLst>
+              <a:ext uri="{FF2B5EF4-FFF2-40B4-BE49-F238E27FC236}">
+                <a16:creationId xmlns:a16="http://schemas.microsoft.com/office/drawing/2014/main" id="{B6BC22FE-25B8-4120-B3A4-DD8E9D61B6D7}"/>
+              </a:ext>
+            </a:extLst>
+          </p:cNvPr>
+          <p:cNvPicPr>
+            <a:picLocks noChangeAspect="1"/>
+          </p:cNvPicPr>
+          <p:nvPr/>
+        </p:nvPicPr>
+        <p:blipFill>
+          <a:blip r:embed="rId4"/>
+          <a:stretch>
+            <a:fillRect/>
+          </a:stretch>
+        </p:blipFill>
+        <p:spPr>
+          <a:xfrm>
+            <a:off x="6829080" y="2018508"/>
+            <a:ext cx="5000625" cy="3638550"/>
+          </a:xfrm>
+          <a:prstGeom prst="rect">
+            <a:avLst/>
+          </a:prstGeom>
+          <a:solidFill>
+            <a:schemeClr val="bg1">
+              <a:lumMod val="95000"/>
+            </a:schemeClr>
+          </a:solidFill>
+        </p:spPr>
+      </p:pic>
+      <p:sp>
+        <p:nvSpPr>
+          <p:cNvPr id="19" name="Arrow: Right 18">
+            <a:extLst>
+              <a:ext uri="{FF2B5EF4-FFF2-40B4-BE49-F238E27FC236}">
+                <a16:creationId xmlns:a16="http://schemas.microsoft.com/office/drawing/2014/main" id="{6DE5B43C-8890-4719-97D1-250ADFAC549C}"/>
               </a:ext>
             </a:extLst>
           </p:cNvPr>
@@ -9509,9 +11398,9 @@
           <p:nvPr/>
         </p:nvSpPr>
         <p:spPr>
-          <a:xfrm rot="5400000">
-            <a:off x="7900992" y="1204255"/>
-            <a:ext cx="1284388" cy="948709"/>
+          <a:xfrm>
+            <a:off x="5769231" y="3497541"/>
+            <a:ext cx="444352" cy="340242"/>
           </a:xfrm>
           <a:prstGeom prst="rightArrow">
             <a:avLst/>
@@ -9573,12 +11462,49 @@
           <a:chExt cx="0" cy="0"/>
         </a:xfrm>
       </p:grpSpPr>
+      <p:pic>
+        <p:nvPicPr>
+          <p:cNvPr id="7" name="Picture 6">
+            <a:extLst>
+              <a:ext uri="{FF2B5EF4-FFF2-40B4-BE49-F238E27FC236}">
+                <a16:creationId xmlns:a16="http://schemas.microsoft.com/office/drawing/2014/main" id="{72CFFBD1-D232-4C0C-91CB-6901EC754CEE}"/>
+              </a:ext>
+            </a:extLst>
+          </p:cNvPr>
+          <p:cNvPicPr>
+            <a:picLocks noChangeAspect="1"/>
+          </p:cNvPicPr>
+          <p:nvPr/>
+        </p:nvPicPr>
+        <p:blipFill>
+          <a:blip r:embed="rId3">
+            <a:extLst>
+              <a:ext uri="{28A0092B-C50C-407E-A947-70E740481C1C}">
+                <a14:useLocalDpi xmlns:a14="http://schemas.microsoft.com/office/drawing/2010/main" val="0"/>
+              </a:ext>
+            </a:extLst>
+          </a:blip>
+          <a:stretch>
+            <a:fillRect/>
+          </a:stretch>
+        </p:blipFill>
+        <p:spPr>
+          <a:xfrm>
+            <a:off x="4051443" y="5842128"/>
+            <a:ext cx="4089113" cy="817823"/>
+          </a:xfrm>
+          <a:prstGeom prst="rect">
+            <a:avLst/>
+          </a:prstGeom>
+          <a:noFill/>
+        </p:spPr>
+      </p:pic>
       <p:sp>
         <p:nvSpPr>
-          <p:cNvPr id="3" name="Title 3">
+          <p:cNvPr id="8" name="Title 3">
             <a:extLst>
               <a:ext uri="{FF2B5EF4-FFF2-40B4-BE49-F238E27FC236}">
-                <a16:creationId xmlns:a16="http://schemas.microsoft.com/office/drawing/2014/main" id="{80B9D18A-462C-483F-9FBB-602613068FBC}"/>
+                <a16:creationId xmlns:a16="http://schemas.microsoft.com/office/drawing/2014/main" id="{D81E5107-072C-4D29-8C8E-A051D05733FB}"/>
               </a:ext>
             </a:extLst>
           </p:cNvPr>
@@ -9724,7 +11650,7 @@
           <a:p>
             <a:pPr algn="ctr"/>
             <a:r>
-              <a:rPr lang="en-US" sz="3600" b="1" dirty="0">
+              <a:rPr lang="en-US" sz="3200" b="1" dirty="0">
                 <a:solidFill>
                   <a:srgbClr val="FFFF00"/>
                 </a:solidFill>
@@ -9736,17 +11662,476 @@
                   </a:outerShdw>
                 </a:effectLst>
               </a:rPr>
-              <a:t>Statistical Analysis on Monthly Sector Performance for 2020</a:t>
+              <a:t>Gathering Data – </a:t>
+            </a:r>
+            <a:r>
+              <a:rPr lang="en-US" sz="3200" b="1" dirty="0" err="1">
+                <a:solidFill>
+                  <a:srgbClr val="FFFF00"/>
+                </a:solidFill>
+                <a:effectLst>
+                  <a:outerShdw blurRad="38100" dist="38100" dir="2700000" algn="tl">
+                    <a:srgbClr val="000000">
+                      <a:alpha val="43137"/>
+                    </a:srgbClr>
+                  </a:outerShdw>
+                </a:effectLst>
+              </a:rPr>
+              <a:t>AlphaVantage</a:t>
+            </a:r>
+            <a:r>
+              <a:rPr lang="en-US" sz="3200" b="1" dirty="0">
+                <a:solidFill>
+                  <a:srgbClr val="FFFF00"/>
+                </a:solidFill>
+                <a:effectLst>
+                  <a:outerShdw blurRad="38100" dist="38100" dir="2700000" algn="tl">
+                    <a:srgbClr val="000000">
+                      <a:alpha val="43137"/>
+                    </a:srgbClr>
+                  </a:outerShdw>
+                </a:effectLst>
+              </a:rPr>
+              <a:t> API</a:t>
+            </a:r>
+          </a:p>
+        </p:txBody>
+      </p:sp>
+      <p:sp>
+        <p:nvSpPr>
+          <p:cNvPr id="10" name="TextBox 9">
+            <a:extLst>
+              <a:ext uri="{FF2B5EF4-FFF2-40B4-BE49-F238E27FC236}">
+                <a16:creationId xmlns:a16="http://schemas.microsoft.com/office/drawing/2014/main" id="{FC75EAF3-4301-4EB3-B608-45DCE7FA2192}"/>
+              </a:ext>
+            </a:extLst>
+          </p:cNvPr>
+          <p:cNvSpPr txBox="1"/>
+          <p:nvPr/>
+        </p:nvSpPr>
+        <p:spPr>
+          <a:xfrm>
+            <a:off x="3456966" y="1250132"/>
+            <a:ext cx="5420258" cy="646331"/>
+          </a:xfrm>
+          <a:prstGeom prst="rect">
+            <a:avLst/>
+          </a:prstGeom>
+          <a:solidFill>
+            <a:schemeClr val="bg1">
+              <a:lumMod val="95000"/>
+            </a:schemeClr>
+          </a:solidFill>
+        </p:spPr>
+        <p:txBody>
+          <a:bodyPr wrap="square">
+            <a:spAutoFit/>
+          </a:bodyPr>
+          <a:lstStyle>
+            <a:defPPr>
+              <a:defRPr lang="en-US"/>
+            </a:defPPr>
+            <a:lvl1pPr>
+              <a:defRPr sz="1200" b="0">
+                <a:solidFill>
+                  <a:srgbClr val="000000"/>
+                </a:solidFill>
+                <a:effectLst/>
+                <a:latin typeface="Consolas" panose="020B0609020204030204" pitchFamily="49" charset="0"/>
+              </a:defRPr>
+            </a:lvl1pPr>
+          </a:lstStyle>
+          <a:p>
+            <a:r>
+              <a:rPr lang="en-US" dirty="0"/>
+              <a:t>from </a:t>
+            </a:r>
+            <a:r>
+              <a:rPr lang="en-US" dirty="0" err="1"/>
+              <a:t>alpha_vantage.timeseries</a:t>
+            </a:r>
+            <a:r>
+              <a:rPr lang="en-US" dirty="0"/>
+              <a:t> import </a:t>
+            </a:r>
+            <a:r>
+              <a:rPr lang="en-US" dirty="0" err="1"/>
+              <a:t>TimeSeries</a:t>
+            </a:r>
+            <a:endParaRPr lang="en-US" dirty="0"/>
+          </a:p>
+          <a:p>
+            <a:r>
+              <a:rPr lang="en-US" dirty="0"/>
+              <a:t>from </a:t>
+            </a:r>
+            <a:r>
+              <a:rPr lang="en-US" dirty="0" err="1"/>
+              <a:t>alpha_vantage.sectorperformance</a:t>
+            </a:r>
+            <a:r>
+              <a:rPr lang="en-US" dirty="0"/>
+              <a:t> import </a:t>
+            </a:r>
+            <a:r>
+              <a:rPr lang="en-US" dirty="0" err="1"/>
+              <a:t>SectorPerformances</a:t>
+            </a:r>
+            <a:endParaRPr lang="en-US" dirty="0"/>
+          </a:p>
+          <a:p>
+            <a:r>
+              <a:rPr lang="en-US" dirty="0"/>
+              <a:t>from config import </a:t>
+            </a:r>
+            <a:r>
+              <a:rPr lang="en-US" dirty="0" err="1"/>
+              <a:t>akey</a:t>
+            </a:r>
+            <a:endParaRPr lang="en-US" dirty="0"/>
+          </a:p>
+        </p:txBody>
+      </p:sp>
+      <p:sp>
+        <p:nvSpPr>
+          <p:cNvPr id="12" name="TextBox 11">
+            <a:extLst>
+              <a:ext uri="{FF2B5EF4-FFF2-40B4-BE49-F238E27FC236}">
+                <a16:creationId xmlns:a16="http://schemas.microsoft.com/office/drawing/2014/main" id="{F1ED62A9-0C81-4CC6-ABCA-6EDBE5506EF3}"/>
+              </a:ext>
+            </a:extLst>
+          </p:cNvPr>
+          <p:cNvSpPr txBox="1"/>
+          <p:nvPr/>
+        </p:nvSpPr>
+        <p:spPr>
+          <a:xfrm>
+            <a:off x="311239" y="2214562"/>
+            <a:ext cx="5855856" cy="3416320"/>
+          </a:xfrm>
+          <a:prstGeom prst="rect">
+            <a:avLst/>
+          </a:prstGeom>
+          <a:solidFill>
+            <a:schemeClr val="bg1">
+              <a:lumMod val="95000"/>
+            </a:schemeClr>
+          </a:solidFill>
+        </p:spPr>
+        <p:txBody>
+          <a:bodyPr wrap="square">
+            <a:spAutoFit/>
+          </a:bodyPr>
+          <a:lstStyle>
+            <a:defPPr>
+              <a:defRPr lang="en-US"/>
+            </a:defPPr>
+            <a:lvl1pPr>
+              <a:defRPr sz="1200" b="0">
+                <a:solidFill>
+                  <a:srgbClr val="000000"/>
+                </a:solidFill>
+                <a:effectLst/>
+                <a:latin typeface="Consolas" panose="020B0609020204030204" pitchFamily="49" charset="0"/>
+              </a:defRPr>
+            </a:lvl1pPr>
+          </a:lstStyle>
+          <a:p>
+            <a:r>
+              <a:rPr lang="en-US" dirty="0" err="1"/>
+              <a:t>query_url</a:t>
+            </a:r>
+            <a:r>
+              <a:rPr lang="en-US" dirty="0"/>
+              <a:t> = </a:t>
+            </a:r>
+            <a:r>
+              <a:rPr lang="en-US" dirty="0" err="1"/>
+              <a:t>f'https</a:t>
+            </a:r>
+            <a:r>
+              <a:rPr lang="en-US" dirty="0"/>
+              <a:t>://www.alphavantage.co/query?function=OVERVIEW&amp;apikey={akey}&amp;symbol='</a:t>
+            </a:r>
+          </a:p>
+          <a:p>
+            <a:r>
+              <a:rPr lang="en-US" dirty="0"/>
+              <a:t>#looping through stock ticker list</a:t>
+            </a:r>
+          </a:p>
+          <a:p>
+            <a:r>
+              <a:rPr lang="en-US" dirty="0"/>
+              <a:t>for stock in stocks:</a:t>
+            </a:r>
+          </a:p>
+          <a:p>
+            <a:r>
+              <a:rPr lang="en-US" dirty="0"/>
+              <a:t>    #error handling for stock tickers not present in API</a:t>
+            </a:r>
+          </a:p>
+          <a:p>
+            <a:r>
+              <a:rPr lang="en-US" dirty="0"/>
+              <a:t>    try:</a:t>
+            </a:r>
+          </a:p>
+          <a:p>
+            <a:r>
+              <a:rPr lang="en-US" dirty="0"/>
+              <a:t>        #get json response</a:t>
+            </a:r>
+          </a:p>
+          <a:p>
+            <a:r>
+              <a:rPr lang="en-US" dirty="0"/>
+              <a:t>        response = </a:t>
+            </a:r>
+            <a:r>
+              <a:rPr lang="en-US" dirty="0" err="1"/>
+              <a:t>requests.get</a:t>
+            </a:r>
+            <a:r>
+              <a:rPr lang="en-US" dirty="0"/>
+              <a:t>(</a:t>
+            </a:r>
+            <a:r>
+              <a:rPr lang="en-US" dirty="0" err="1"/>
+              <a:t>query_url</a:t>
+            </a:r>
+            <a:r>
+              <a:rPr lang="en-US" dirty="0"/>
+              <a:t> + stock).json()</a:t>
+            </a:r>
+          </a:p>
+          <a:p>
+            <a:r>
+              <a:rPr lang="en-US" dirty="0"/>
+              <a:t>        </a:t>
+            </a:r>
+            <a:r>
+              <a:rPr lang="en-US" dirty="0" err="1"/>
+              <a:t>co_information</a:t>
+            </a:r>
+            <a:r>
+              <a:rPr lang="en-US" dirty="0"/>
+              <a:t> = </a:t>
+            </a:r>
+            <a:r>
+              <a:rPr lang="en-US" dirty="0" err="1"/>
+              <a:t>pd.json_normalize</a:t>
+            </a:r>
+            <a:r>
+              <a:rPr lang="en-US" dirty="0"/>
+              <a:t>(response)[["Symbol",</a:t>
+            </a:r>
+          </a:p>
+          <a:p>
+            <a:r>
+              <a:rPr lang="en-US" dirty="0"/>
+              <a:t>        "Sector","Industry","</a:t>
+            </a:r>
+            <a:r>
+              <a:rPr lang="en-US" dirty="0" err="1"/>
+              <a:t>FullTimeEmployees</a:t>
+            </a:r>
+            <a:r>
+              <a:rPr lang="en-US" dirty="0"/>
+              <a:t>"]]</a:t>
+            </a:r>
+          </a:p>
+          <a:p>
+            <a:r>
+              <a:rPr lang="en-US" dirty="0"/>
+              <a:t>        #save data to CSV</a:t>
+            </a:r>
+          </a:p>
+          <a:p>
+            <a:r>
+              <a:rPr lang="en-US" dirty="0"/>
+              <a:t>        </a:t>
+            </a:r>
+            <a:r>
+              <a:rPr lang="en-US" dirty="0" err="1"/>
+              <a:t>co_information.to_csv</a:t>
+            </a:r>
+            <a:r>
+              <a:rPr lang="en-US" dirty="0"/>
+              <a:t>('</a:t>
+            </a:r>
+            <a:r>
+              <a:rPr lang="en-US" dirty="0" err="1"/>
+              <a:t>api</a:t>
+            </a:r>
+            <a:r>
+              <a:rPr lang="en-US" dirty="0"/>
+              <a:t>-                	data/company_info.csv', mode='</a:t>
+            </a:r>
+            <a:r>
+              <a:rPr lang="en-US" dirty="0" err="1"/>
+              <a:t>a',header</a:t>
+            </a:r>
+            <a:r>
+              <a:rPr lang="en-US" dirty="0"/>
+              <a:t>=False)</a:t>
+            </a:r>
+          </a:p>
+          <a:p>
+            <a:r>
+              <a:rPr lang="en-US" dirty="0"/>
+              <a:t>        print(</a:t>
+            </a:r>
+            <a:r>
+              <a:rPr lang="en-US" dirty="0" err="1"/>
+              <a:t>f'Retrieving</a:t>
+            </a:r>
+            <a:r>
+              <a:rPr lang="en-US" dirty="0"/>
+              <a:t> data for {stock}')</a:t>
+            </a:r>
+          </a:p>
+          <a:p>
+            <a:r>
+              <a:rPr lang="en-US" dirty="0"/>
+              <a:t>    except:</a:t>
+            </a:r>
+          </a:p>
+          <a:p>
+            <a:r>
+              <a:rPr lang="en-US" dirty="0"/>
+              <a:t>        print(</a:t>
+            </a:r>
+            <a:r>
+              <a:rPr lang="en-US" dirty="0" err="1"/>
+              <a:t>f'Cannot</a:t>
+            </a:r>
+            <a:r>
+              <a:rPr lang="en-US" dirty="0"/>
+              <a:t> find information for {stock}')</a:t>
+            </a:r>
+          </a:p>
+          <a:p>
+            <a:r>
+              <a:rPr lang="en-US" dirty="0"/>
+              <a:t>        pass</a:t>
+            </a:r>
+          </a:p>
+          <a:p>
+            <a:r>
+              <a:rPr lang="en-US" dirty="0"/>
+              <a:t>print(</a:t>
+            </a:r>
+            <a:r>
+              <a:rPr lang="en-US" dirty="0" err="1"/>
+              <a:t>f'Data</a:t>
+            </a:r>
+            <a:r>
+              <a:rPr lang="en-US" dirty="0"/>
+              <a:t> retrieval done')</a:t>
+            </a:r>
+          </a:p>
+        </p:txBody>
+      </p:sp>
+      <p:sp>
+        <p:nvSpPr>
+          <p:cNvPr id="13" name="TextBox 12">
+            <a:extLst>
+              <a:ext uri="{FF2B5EF4-FFF2-40B4-BE49-F238E27FC236}">
+                <a16:creationId xmlns:a16="http://schemas.microsoft.com/office/drawing/2014/main" id="{0DCD7D24-DD3F-4953-B053-A843A33354B9}"/>
+              </a:ext>
+            </a:extLst>
+          </p:cNvPr>
+          <p:cNvSpPr txBox="1"/>
+          <p:nvPr/>
+        </p:nvSpPr>
+        <p:spPr>
+          <a:xfrm>
+            <a:off x="4051443" y="886691"/>
+            <a:ext cx="3762521" cy="369332"/>
+          </a:xfrm>
+          <a:prstGeom prst="rect">
+            <a:avLst/>
+          </a:prstGeom>
+          <a:noFill/>
+        </p:spPr>
+        <p:txBody>
+          <a:bodyPr wrap="square" rtlCol="0">
+            <a:spAutoFit/>
+          </a:bodyPr>
+          <a:lstStyle>
+            <a:defPPr>
+              <a:defRPr lang="en-US"/>
+            </a:defPPr>
+            <a:lvl1pPr algn="ctr">
+              <a:defRPr>
+                <a:solidFill>
+                  <a:schemeClr val="bg1"/>
+                </a:solidFill>
+              </a:defRPr>
+            </a:lvl1pPr>
+          </a:lstStyle>
+          <a:p>
+            <a:r>
+              <a:rPr lang="en-US" dirty="0"/>
+              <a:t>Installing Package</a:t>
+            </a:r>
+          </a:p>
+        </p:txBody>
+      </p:sp>
+      <p:sp>
+        <p:nvSpPr>
+          <p:cNvPr id="14" name="TextBox 13">
+            <a:extLst>
+              <a:ext uri="{FF2B5EF4-FFF2-40B4-BE49-F238E27FC236}">
+                <a16:creationId xmlns:a16="http://schemas.microsoft.com/office/drawing/2014/main" id="{9410B026-10F5-436B-B3A2-9462735DBEC8}"/>
+              </a:ext>
+            </a:extLst>
+          </p:cNvPr>
+          <p:cNvSpPr txBox="1"/>
+          <p:nvPr/>
+        </p:nvSpPr>
+        <p:spPr>
+          <a:xfrm>
+            <a:off x="730971" y="1847551"/>
+            <a:ext cx="3762521" cy="369332"/>
+          </a:xfrm>
+          <a:prstGeom prst="rect">
+            <a:avLst/>
+          </a:prstGeom>
+          <a:noFill/>
+        </p:spPr>
+        <p:txBody>
+          <a:bodyPr wrap="square" rtlCol="0">
+            <a:spAutoFit/>
+          </a:bodyPr>
+          <a:lstStyle>
+            <a:defPPr>
+              <a:defRPr lang="en-US"/>
+            </a:defPPr>
+            <a:lvl1pPr algn="ctr">
+              <a:defRPr>
+                <a:solidFill>
+                  <a:schemeClr val="bg1"/>
+                </a:solidFill>
+              </a:defRPr>
+            </a:lvl1pPr>
+          </a:lstStyle>
+          <a:p>
+            <a:r>
+              <a:rPr lang="en-US" dirty="0"/>
+              <a:t>Gathering Company Information</a:t>
             </a:r>
           </a:p>
         </p:txBody>
       </p:sp>
       <p:pic>
         <p:nvPicPr>
-          <p:cNvPr id="12" name="Picture 11" descr="Chart, waterfall chart&#10;&#10;Description automatically generated">
+          <p:cNvPr id="3" name="Picture 2">
             <a:extLst>
               <a:ext uri="{FF2B5EF4-FFF2-40B4-BE49-F238E27FC236}">
-                <a16:creationId xmlns:a16="http://schemas.microsoft.com/office/drawing/2014/main" id="{CC6D3A52-BE7F-4044-8A26-CD14E6AD0241}"/>
+                <a16:creationId xmlns:a16="http://schemas.microsoft.com/office/drawing/2014/main" id="{2BFF999F-5EC0-4913-88D2-16DBEDEDA953}"/>
               </a:ext>
             </a:extLst>
           </p:cNvPr>
@@ -9756,31 +12141,77 @@
           <p:nvPr/>
         </p:nvPicPr>
         <p:blipFill>
-          <a:blip r:embed="rId2">
-            <a:extLst>
-              <a:ext uri="{28A0092B-C50C-407E-A947-70E740481C1C}">
-                <a14:useLocalDpi xmlns:a14="http://schemas.microsoft.com/office/drawing/2010/main" val="0"/>
-              </a:ext>
-            </a:extLst>
-          </a:blip>
+          <a:blip r:embed="rId4"/>
           <a:stretch>
             <a:fillRect/>
           </a:stretch>
         </p:blipFill>
         <p:spPr>
           <a:xfrm>
-            <a:off x="1364032" y="940274"/>
-            <a:ext cx="9463936" cy="5752739"/>
+            <a:off x="6586827" y="1969318"/>
+            <a:ext cx="5429250" cy="3638550"/>
           </a:xfrm>
           <a:prstGeom prst="rect">
             <a:avLst/>
           </a:prstGeom>
+          <a:solidFill>
+            <a:schemeClr val="bg1">
+              <a:lumMod val="95000"/>
+            </a:schemeClr>
+          </a:solidFill>
         </p:spPr>
       </p:pic>
+      <p:sp>
+        <p:nvSpPr>
+          <p:cNvPr id="16" name="Arrow: Right 15">
+            <a:extLst>
+              <a:ext uri="{FF2B5EF4-FFF2-40B4-BE49-F238E27FC236}">
+                <a16:creationId xmlns:a16="http://schemas.microsoft.com/office/drawing/2014/main" id="{FD36CA12-EF13-4D18-BCCE-2AE75AD1BDAB}"/>
+              </a:ext>
+            </a:extLst>
+          </p:cNvPr>
+          <p:cNvSpPr/>
+          <p:nvPr/>
+        </p:nvSpPr>
+        <p:spPr>
+          <a:xfrm>
+            <a:off x="5873823" y="3582480"/>
+            <a:ext cx="444352" cy="340242"/>
+          </a:xfrm>
+          <a:prstGeom prst="rightArrow">
+            <a:avLst/>
+          </a:prstGeom>
+          <a:solidFill>
+            <a:srgbClr val="FF0000"/>
+          </a:solidFill>
+        </p:spPr>
+        <p:style>
+          <a:lnRef idx="1">
+            <a:schemeClr val="dk1"/>
+          </a:lnRef>
+          <a:fillRef idx="2">
+            <a:schemeClr val="dk1"/>
+          </a:fillRef>
+          <a:effectRef idx="1">
+            <a:schemeClr val="dk1"/>
+          </a:effectRef>
+          <a:fontRef idx="minor">
+            <a:schemeClr val="dk1"/>
+          </a:fontRef>
+        </p:style>
+        <p:txBody>
+          <a:bodyPr rtlCol="0" anchor="ctr"/>
+          <a:lstStyle/>
+          <a:p>
+            <a:pPr algn="ctr"/>
+            <a:endParaRPr lang="en-US"/>
+          </a:p>
+        </p:txBody>
+      </p:sp>
     </p:spTree>
     <p:extLst>
       <p:ext uri="{BB962C8B-B14F-4D97-AF65-F5344CB8AC3E}">
-        <p14:creationId xmlns:p14="http://schemas.microsoft.com/office/powerpoint/2010/main" val="3817611178"/>
+        <p14:creationId xmlns:p14="http://schemas.microsoft.com/office/powerpoint/2010/main" val="1076030893"/>
       </p:ext>
     </p:extLst>
   </p:cSld>
@@ -9793,16 +12224,6 @@
 <file path=ppt/slides/slide5.xml><?xml version="1.0" encoding="utf-8"?>
 <p:sld xmlns:a="http://schemas.openxmlformats.org/drawingml/2006/main" xmlns:r="http://schemas.openxmlformats.org/officeDocument/2006/relationships" xmlns:p="http://schemas.openxmlformats.org/presentationml/2006/main">
   <p:cSld>
-    <p:bg>
-      <p:bgPr>
-        <a:solidFill>
-          <a:schemeClr val="bg1">
-            <a:lumMod val="95000"/>
-          </a:schemeClr>
-        </a:solidFill>
-        <a:effectLst/>
-      </p:bgPr>
-    </p:bg>
     <p:spTree>
       <p:nvGrpSpPr>
         <p:cNvPr id="1" name=""/>
@@ -9817,12 +12238,1684 @@
           <a:chExt cx="0" cy="0"/>
         </a:xfrm>
       </p:grpSpPr>
+      <p:sp>
+        <p:nvSpPr>
+          <p:cNvPr id="3" name="Title 3">
+            <a:extLst>
+              <a:ext uri="{FF2B5EF4-FFF2-40B4-BE49-F238E27FC236}">
+                <a16:creationId xmlns:a16="http://schemas.microsoft.com/office/drawing/2014/main" id="{80B9D18A-462C-483F-9FBB-602613068FBC}"/>
+              </a:ext>
+            </a:extLst>
+          </p:cNvPr>
+          <p:cNvSpPr txBox="1">
+            <a:spLocks/>
+          </p:cNvSpPr>
+          <p:nvPr/>
+        </p:nvSpPr>
+        <p:spPr>
+          <a:xfrm>
+            <a:off x="311239" y="79927"/>
+            <a:ext cx="11715356" cy="733426"/>
+          </a:xfrm>
+          <a:prstGeom prst="rect">
+            <a:avLst/>
+          </a:prstGeom>
+          <a:solidFill>
+            <a:schemeClr val="accent3">
+              <a:alpha val="50000"/>
+            </a:schemeClr>
+          </a:solidFill>
+          <a:ln>
+            <a:noFill/>
+          </a:ln>
+        </p:spPr>
+        <p:style>
+          <a:lnRef idx="0">
+            <a:scrgbClr r="0" g="0" b="0"/>
+          </a:lnRef>
+          <a:fillRef idx="0">
+            <a:scrgbClr r="0" g="0" b="0"/>
+          </a:fillRef>
+          <a:effectRef idx="0">
+            <a:scrgbClr r="0" g="0" b="0"/>
+          </a:effectRef>
+          <a:fontRef idx="minor">
+            <a:schemeClr val="lt1"/>
+          </a:fontRef>
+        </p:style>
+        <p:txBody>
+          <a:bodyPr vert="horz" lIns="91440" tIns="45720" rIns="91440" bIns="45720" rtlCol="0" anchor="ctr">
+            <a:noAutofit/>
+          </a:bodyPr>
+          <a:lstStyle>
+            <a:defPPr>
+              <a:defRPr lang="en-US"/>
+            </a:defPPr>
+            <a:lvl1pPr algn="ctr">
+              <a:lnSpc>
+                <a:spcPct val="90000"/>
+              </a:lnSpc>
+              <a:spcBef>
+                <a:spcPct val="0"/>
+              </a:spcBef>
+              <a:buNone/>
+              <a:defRPr sz="3600" b="1">
+                <a:solidFill>
+                  <a:srgbClr val="FFFF00"/>
+                </a:solidFill>
+                <a:effectLst>
+                  <a:outerShdw blurRad="38100" dist="38100" dir="2700000" algn="tl">
+                    <a:srgbClr val="000000">
+                      <a:alpha val="43137"/>
+                    </a:srgbClr>
+                  </a:outerShdw>
+                </a:effectLst>
+              </a:defRPr>
+            </a:lvl1pPr>
+            <a:lvl2pPr>
+              <a:defRPr>
+                <a:solidFill>
+                  <a:schemeClr val="dk1"/>
+                </a:solidFill>
+              </a:defRPr>
+            </a:lvl2pPr>
+            <a:lvl3pPr>
+              <a:defRPr>
+                <a:solidFill>
+                  <a:schemeClr val="dk1"/>
+                </a:solidFill>
+              </a:defRPr>
+            </a:lvl3pPr>
+            <a:lvl4pPr>
+              <a:defRPr>
+                <a:solidFill>
+                  <a:schemeClr val="dk1"/>
+                </a:solidFill>
+              </a:defRPr>
+            </a:lvl4pPr>
+            <a:lvl5pPr>
+              <a:defRPr>
+                <a:solidFill>
+                  <a:schemeClr val="dk1"/>
+                </a:solidFill>
+              </a:defRPr>
+            </a:lvl5pPr>
+            <a:lvl6pPr>
+              <a:defRPr>
+                <a:solidFill>
+                  <a:schemeClr val="dk1"/>
+                </a:solidFill>
+              </a:defRPr>
+            </a:lvl6pPr>
+            <a:lvl7pPr>
+              <a:defRPr>
+                <a:solidFill>
+                  <a:schemeClr val="dk1"/>
+                </a:solidFill>
+              </a:defRPr>
+            </a:lvl7pPr>
+            <a:lvl8pPr>
+              <a:defRPr>
+                <a:solidFill>
+                  <a:schemeClr val="dk1"/>
+                </a:solidFill>
+              </a:defRPr>
+            </a:lvl8pPr>
+            <a:lvl9pPr>
+              <a:defRPr>
+                <a:solidFill>
+                  <a:schemeClr val="dk1"/>
+                </a:solidFill>
+              </a:defRPr>
+            </a:lvl9pPr>
+          </a:lstStyle>
+          <a:p>
+            <a:r>
+              <a:rPr lang="en-US" sz="3200" dirty="0"/>
+              <a:t>How to clean the code and calculate the sector performance?</a:t>
+            </a:r>
+          </a:p>
+        </p:txBody>
+      </p:sp>
+      <p:sp>
+        <p:nvSpPr>
+          <p:cNvPr id="27" name="TextBox 26">
+            <a:extLst>
+              <a:ext uri="{FF2B5EF4-FFF2-40B4-BE49-F238E27FC236}">
+                <a16:creationId xmlns:a16="http://schemas.microsoft.com/office/drawing/2014/main" id="{72BC701D-36F9-4883-BD8F-08583836C1B6}"/>
+              </a:ext>
+            </a:extLst>
+          </p:cNvPr>
+          <p:cNvSpPr txBox="1"/>
+          <p:nvPr/>
+        </p:nvSpPr>
+        <p:spPr>
+          <a:xfrm>
+            <a:off x="138545" y="1596951"/>
+            <a:ext cx="5957455" cy="2123658"/>
+          </a:xfrm>
+          <a:prstGeom prst="rect">
+            <a:avLst/>
+          </a:prstGeom>
+          <a:solidFill>
+            <a:schemeClr val="bg1">
+              <a:lumMod val="95000"/>
+            </a:schemeClr>
+          </a:solidFill>
+        </p:spPr>
+        <p:txBody>
+          <a:bodyPr wrap="square">
+            <a:spAutoFit/>
+          </a:bodyPr>
+          <a:lstStyle>
+            <a:defPPr>
+              <a:defRPr lang="en-US"/>
+            </a:defPPr>
+            <a:lvl1pPr>
+              <a:defRPr sz="1200" b="0">
+                <a:solidFill>
+                  <a:srgbClr val="000000"/>
+                </a:solidFill>
+                <a:effectLst/>
+                <a:latin typeface="Consolas" panose="020B0609020204030204" pitchFamily="49" charset="0"/>
+              </a:defRPr>
+            </a:lvl1pPr>
+          </a:lstStyle>
+          <a:p>
+            <a:r>
+              <a:rPr lang="en-US" dirty="0"/>
+              <a:t>#adding company information to stock prices file</a:t>
+            </a:r>
+          </a:p>
+          <a:p>
+            <a:r>
+              <a:rPr lang="en-US" dirty="0" err="1"/>
+              <a:t>all_info</a:t>
+            </a:r>
+            <a:r>
+              <a:rPr lang="en-US" dirty="0"/>
+              <a:t>= </a:t>
+            </a:r>
+            <a:r>
+              <a:rPr lang="en-US" dirty="0" err="1"/>
+              <a:t>stock_prices.merge</a:t>
+            </a:r>
+            <a:r>
+              <a:rPr lang="en-US" dirty="0"/>
+              <a:t>(company, on='Ticker', how='left')</a:t>
+            </a:r>
+          </a:p>
+          <a:p>
+            <a:r>
+              <a:rPr lang="en-US" dirty="0" err="1"/>
+              <a:t>all_info.set_index</a:t>
+            </a:r>
+            <a:r>
+              <a:rPr lang="en-US" dirty="0"/>
+              <a:t>('Date', </a:t>
+            </a:r>
+            <a:r>
+              <a:rPr lang="en-US" dirty="0" err="1"/>
+              <a:t>inplace</a:t>
+            </a:r>
+            <a:r>
+              <a:rPr lang="en-US" dirty="0"/>
+              <a:t>=True)</a:t>
+            </a:r>
+          </a:p>
+          <a:p>
+            <a:r>
+              <a:rPr lang="en-US" dirty="0" err="1"/>
+              <a:t>all_info.sort_index</a:t>
+            </a:r>
+            <a:r>
+              <a:rPr lang="en-US" dirty="0"/>
+              <a:t>(ascending=True, </a:t>
+            </a:r>
+            <a:r>
+              <a:rPr lang="en-US" dirty="0" err="1"/>
+              <a:t>inplace</a:t>
+            </a:r>
+            <a:r>
+              <a:rPr lang="en-US" dirty="0"/>
+              <a:t>=True)</a:t>
+            </a:r>
+          </a:p>
+          <a:p>
+            <a:r>
+              <a:rPr lang="en-US" dirty="0" err="1"/>
+              <a:t>all_info</a:t>
+            </a:r>
+            <a:r>
+              <a:rPr lang="en-US" dirty="0"/>
+              <a:t>['Year'] = </a:t>
+            </a:r>
+            <a:r>
+              <a:rPr lang="en-US" dirty="0" err="1"/>
+              <a:t>pd.DatetimeIndex</a:t>
+            </a:r>
+            <a:r>
+              <a:rPr lang="en-US" dirty="0"/>
+              <a:t>(</a:t>
+            </a:r>
+            <a:r>
+              <a:rPr lang="en-US" dirty="0" err="1"/>
+              <a:t>all_info.index</a:t>
+            </a:r>
+            <a:r>
+              <a:rPr lang="en-US" dirty="0"/>
+              <a:t>).year</a:t>
+            </a:r>
+          </a:p>
+          <a:p>
+            <a:r>
+              <a:rPr lang="en-US" dirty="0" err="1"/>
+              <a:t>all_info</a:t>
+            </a:r>
+            <a:r>
+              <a:rPr lang="en-US" dirty="0"/>
+              <a:t>['Month'] = </a:t>
+            </a:r>
+            <a:r>
+              <a:rPr lang="en-US" dirty="0" err="1"/>
+              <a:t>pd.DatetimeIndex</a:t>
+            </a:r>
+            <a:r>
+              <a:rPr lang="en-US" dirty="0"/>
+              <a:t>(</a:t>
+            </a:r>
+            <a:r>
+              <a:rPr lang="en-US" dirty="0" err="1"/>
+              <a:t>all_info.index</a:t>
+            </a:r>
+            <a:r>
+              <a:rPr lang="en-US" dirty="0"/>
+              <a:t>).month</a:t>
+            </a:r>
+          </a:p>
+          <a:p>
+            <a:r>
+              <a:rPr lang="en-US" dirty="0"/>
+              <a:t>#drop remaining unneeded columns</a:t>
+            </a:r>
+          </a:p>
+          <a:p>
+            <a:r>
+              <a:rPr lang="en-US" dirty="0" err="1"/>
+              <a:t>all_info.drop</a:t>
+            </a:r>
+            <a:r>
+              <a:rPr lang="en-US" dirty="0"/>
+              <a:t>(columns=['</a:t>
+            </a:r>
+            <a:r>
+              <a:rPr lang="en-US" dirty="0" err="1"/>
+              <a:t>Open','High','Low','Daily</a:t>
+            </a:r>
+            <a:r>
+              <a:rPr lang="en-US" dirty="0"/>
+              <a:t> Volume'], </a:t>
+            </a:r>
+            <a:r>
+              <a:rPr lang="en-US" dirty="0" err="1"/>
+              <a:t>inplace</a:t>
+            </a:r>
+            <a:r>
+              <a:rPr lang="en-US" dirty="0"/>
+              <a:t>=True)</a:t>
+            </a:r>
+          </a:p>
+          <a:p>
+            <a:r>
+              <a:rPr lang="en-US" dirty="0" err="1"/>
+              <a:t>all_info.to_csv</a:t>
+            </a:r>
+            <a:r>
+              <a:rPr lang="en-US" dirty="0"/>
+              <a:t>('</a:t>
+            </a:r>
+            <a:r>
+              <a:rPr lang="en-US" dirty="0" err="1"/>
+              <a:t>api</a:t>
+            </a:r>
+            <a:r>
+              <a:rPr lang="en-US" dirty="0"/>
+              <a:t>-data/all_info.csv')</a:t>
+            </a:r>
+          </a:p>
+          <a:p>
+            <a:r>
+              <a:rPr lang="en-US" dirty="0" err="1"/>
+              <a:t>all_info.head</a:t>
+            </a:r>
+            <a:r>
+              <a:rPr lang="en-US" dirty="0"/>
+              <a:t>()</a:t>
+            </a:r>
+          </a:p>
+        </p:txBody>
+      </p:sp>
+      <p:sp>
+        <p:nvSpPr>
+          <p:cNvPr id="28" name="TextBox 27">
+            <a:extLst>
+              <a:ext uri="{FF2B5EF4-FFF2-40B4-BE49-F238E27FC236}">
+                <a16:creationId xmlns:a16="http://schemas.microsoft.com/office/drawing/2014/main" id="{849366D5-D857-46D7-BED8-89762D147068}"/>
+              </a:ext>
+            </a:extLst>
+          </p:cNvPr>
+          <p:cNvSpPr txBox="1"/>
+          <p:nvPr/>
+        </p:nvSpPr>
+        <p:spPr>
+          <a:xfrm>
+            <a:off x="138545" y="4562174"/>
+            <a:ext cx="6096000" cy="1938992"/>
+          </a:xfrm>
+          <a:prstGeom prst="rect">
+            <a:avLst/>
+          </a:prstGeom>
+          <a:solidFill>
+            <a:schemeClr val="bg1">
+              <a:lumMod val="95000"/>
+            </a:schemeClr>
+          </a:solidFill>
+        </p:spPr>
+        <p:txBody>
+          <a:bodyPr wrap="square">
+            <a:spAutoFit/>
+          </a:bodyPr>
+          <a:lstStyle>
+            <a:defPPr>
+              <a:defRPr lang="en-US"/>
+            </a:defPPr>
+            <a:lvl1pPr>
+              <a:defRPr sz="1200" b="0">
+                <a:solidFill>
+                  <a:srgbClr val="000000"/>
+                </a:solidFill>
+                <a:effectLst/>
+                <a:latin typeface="Consolas" panose="020B0609020204030204" pitchFamily="49" charset="0"/>
+              </a:defRPr>
+            </a:lvl1pPr>
+          </a:lstStyle>
+          <a:p>
+            <a:r>
+              <a:rPr lang="en-US" dirty="0"/>
+              <a:t>#analyzing 2020 data to find interesting sectors</a:t>
+            </a:r>
+          </a:p>
+          <a:p>
+            <a:r>
+              <a:rPr lang="en-US" dirty="0"/>
+              <a:t>file='</a:t>
+            </a:r>
+            <a:r>
+              <a:rPr lang="en-US" dirty="0" err="1"/>
+              <a:t>api</a:t>
+            </a:r>
+            <a:r>
+              <a:rPr lang="en-US" dirty="0"/>
+              <a:t>-data/</a:t>
+            </a:r>
+            <a:r>
+              <a:rPr lang="en-US" dirty="0" err="1"/>
+              <a:t>yearly_summary</a:t>
+            </a:r>
+            <a:r>
+              <a:rPr lang="en-US" dirty="0"/>
+              <a:t>/prices_for_2020.csv'</a:t>
+            </a:r>
+          </a:p>
+          <a:p>
+            <a:r>
+              <a:rPr lang="en-US" dirty="0"/>
+              <a:t>stocks2020 = </a:t>
+            </a:r>
+            <a:r>
+              <a:rPr lang="en-US" dirty="0" err="1"/>
+              <a:t>pd.read_csv</a:t>
+            </a:r>
+            <a:r>
+              <a:rPr lang="en-US" dirty="0"/>
+              <a:t>(file)</a:t>
+            </a:r>
+          </a:p>
+          <a:p>
+            <a:r>
+              <a:rPr lang="en-US" dirty="0"/>
+              <a:t>#lamba function takes each stock ticker in the CSV, finds the first date and the last date and then calculates % </a:t>
+            </a:r>
+            <a:r>
+              <a:rPr lang="en-US" dirty="0" err="1"/>
+              <a:t>chg</a:t>
+            </a:r>
+            <a:endParaRPr lang="en-US" dirty="0"/>
+          </a:p>
+          <a:p>
+            <a:r>
+              <a:rPr lang="en-US" dirty="0" err="1"/>
+              <a:t>sect_perf</a:t>
+            </a:r>
+            <a:r>
+              <a:rPr lang="en-US" dirty="0"/>
+              <a:t> = stocks2020.groupby(['</a:t>
+            </a:r>
+            <a:r>
+              <a:rPr lang="en-US" dirty="0" err="1"/>
+              <a:t>Ticker','Sector','Industry</a:t>
+            </a:r>
+            <a:r>
+              <a:rPr lang="en-US" dirty="0"/>
+              <a:t>'],sort=False).apply(lambda x: (x['Close'].values[-1] - x['Close'].values[0]) / x['Close'].values[-1] * 100)\</a:t>
+            </a:r>
+          </a:p>
+          <a:p>
+            <a:r>
+              <a:rPr lang="en-US" dirty="0"/>
+              <a:t>    .</a:t>
+            </a:r>
+            <a:r>
+              <a:rPr lang="en-US" dirty="0" err="1"/>
+              <a:t>reset_index</a:t>
+            </a:r>
+            <a:r>
+              <a:rPr lang="en-US" dirty="0"/>
+              <a:t>(name='pct change')</a:t>
+            </a:r>
+          </a:p>
+          <a:p>
+            <a:r>
+              <a:rPr lang="en-US" dirty="0" err="1"/>
+              <a:t>sect_perf.head</a:t>
+            </a:r>
+            <a:r>
+              <a:rPr lang="en-US" dirty="0"/>
+              <a:t>()</a:t>
+            </a:r>
+          </a:p>
+        </p:txBody>
+      </p:sp>
+      <p:graphicFrame>
+        <p:nvGraphicFramePr>
+          <p:cNvPr id="6" name="Table 5">
+            <a:extLst>
+              <a:ext uri="{FF2B5EF4-FFF2-40B4-BE49-F238E27FC236}">
+                <a16:creationId xmlns:a16="http://schemas.microsoft.com/office/drawing/2014/main" id="{54091192-C1EC-489B-9253-230A31DB6C32}"/>
+              </a:ext>
+            </a:extLst>
+          </p:cNvPr>
+          <p:cNvGraphicFramePr>
+            <a:graphicFrameLocks noGrp="1"/>
+          </p:cNvGraphicFramePr>
+          <p:nvPr>
+            <p:extLst>
+              <p:ext uri="{D42A27DB-BD31-4B8C-83A1-F6EECF244321}">
+                <p14:modId xmlns:p14="http://schemas.microsoft.com/office/powerpoint/2010/main" val="3078304777"/>
+              </p:ext>
+            </p:extLst>
+          </p:nvPr>
+        </p:nvGraphicFramePr>
+        <p:xfrm>
+          <a:off x="6897256" y="4696951"/>
+          <a:ext cx="4874357" cy="1645920"/>
+        </p:xfrm>
+        <a:graphic>
+          <a:graphicData uri="http://schemas.openxmlformats.org/drawingml/2006/table">
+            <a:tbl>
+              <a:tblPr/>
+              <a:tblGrid>
+                <a:gridCol w="233136">
+                  <a:extLst>
+                    <a:ext uri="{9D8B030D-6E8A-4147-A177-3AD203B41FA5}">
+                      <a16:colId xmlns:a16="http://schemas.microsoft.com/office/drawing/2014/main" val="2046947268"/>
+                    </a:ext>
+                  </a:extLst>
+                </a:gridCol>
+                <a:gridCol w="594614">
+                  <a:extLst>
+                    <a:ext uri="{9D8B030D-6E8A-4147-A177-3AD203B41FA5}">
+                      <a16:colId xmlns:a16="http://schemas.microsoft.com/office/drawing/2014/main" val="1666625493"/>
+                    </a:ext>
+                  </a:extLst>
+                </a:gridCol>
+                <a:gridCol w="1338580">
+                  <a:extLst>
+                    <a:ext uri="{9D8B030D-6E8A-4147-A177-3AD203B41FA5}">
+                      <a16:colId xmlns:a16="http://schemas.microsoft.com/office/drawing/2014/main" val="2387614909"/>
+                    </a:ext>
+                  </a:extLst>
+                </a:gridCol>
+                <a:gridCol w="1724914">
+                  <a:extLst>
+                    <a:ext uri="{9D8B030D-6E8A-4147-A177-3AD203B41FA5}">
+                      <a16:colId xmlns:a16="http://schemas.microsoft.com/office/drawing/2014/main" val="814038358"/>
+                    </a:ext>
+                  </a:extLst>
+                </a:gridCol>
+                <a:gridCol w="983113">
+                  <a:extLst>
+                    <a:ext uri="{9D8B030D-6E8A-4147-A177-3AD203B41FA5}">
+                      <a16:colId xmlns:a16="http://schemas.microsoft.com/office/drawing/2014/main" val="1986292079"/>
+                    </a:ext>
+                  </a:extLst>
+                </a:gridCol>
+              </a:tblGrid>
+              <a:tr h="0">
+                <a:tc>
+                  <a:txBody>
+                    <a:bodyPr/>
+                    <a:lstStyle/>
+                    <a:p>
+                      <a:pPr algn="l" fontAlgn="ctr"/>
+                      <a:endParaRPr lang="en-US" sz="1200" b="1" dirty="0">
+                        <a:effectLst/>
+                      </a:endParaRPr>
+                    </a:p>
+                  </a:txBody>
+                  <a:tcPr>
+                    <a:lnL>
+                      <a:noFill/>
+                    </a:lnL>
+                    <a:lnR>
+                      <a:noFill/>
+                    </a:lnR>
+                    <a:lnT>
+                      <a:noFill/>
+                    </a:lnT>
+                    <a:lnB>
+                      <a:noFill/>
+                    </a:lnB>
+                    <a:solidFill>
+                      <a:schemeClr val="bg1"/>
+                    </a:solidFill>
+                  </a:tcPr>
+                </a:tc>
+                <a:tc>
+                  <a:txBody>
+                    <a:bodyPr/>
+                    <a:lstStyle/>
+                    <a:p>
+                      <a:pPr algn="l" fontAlgn="ctr"/>
+                      <a:r>
+                        <a:rPr lang="en-US" sz="1200" b="1" dirty="0">
+                          <a:effectLst/>
+                        </a:rPr>
+                        <a:t>Ticker</a:t>
+                      </a:r>
+                    </a:p>
+                  </a:txBody>
+                  <a:tcPr>
+                    <a:lnL>
+                      <a:noFill/>
+                    </a:lnL>
+                    <a:lnR>
+                      <a:noFill/>
+                    </a:lnR>
+                    <a:lnT>
+                      <a:noFill/>
+                    </a:lnT>
+                    <a:lnB>
+                      <a:noFill/>
+                    </a:lnB>
+                    <a:solidFill>
+                      <a:schemeClr val="bg1"/>
+                    </a:solidFill>
+                  </a:tcPr>
+                </a:tc>
+                <a:tc>
+                  <a:txBody>
+                    <a:bodyPr/>
+                    <a:lstStyle/>
+                    <a:p>
+                      <a:pPr algn="l" fontAlgn="ctr"/>
+                      <a:r>
+                        <a:rPr lang="en-US" sz="1200" b="1" dirty="0">
+                          <a:effectLst/>
+                        </a:rPr>
+                        <a:t>Sector</a:t>
+                      </a:r>
+                    </a:p>
+                  </a:txBody>
+                  <a:tcPr>
+                    <a:lnL>
+                      <a:noFill/>
+                    </a:lnL>
+                    <a:lnR>
+                      <a:noFill/>
+                    </a:lnR>
+                    <a:lnT>
+                      <a:noFill/>
+                    </a:lnT>
+                    <a:lnB>
+                      <a:noFill/>
+                    </a:lnB>
+                    <a:solidFill>
+                      <a:schemeClr val="bg1"/>
+                    </a:solidFill>
+                  </a:tcPr>
+                </a:tc>
+                <a:tc>
+                  <a:txBody>
+                    <a:bodyPr/>
+                    <a:lstStyle/>
+                    <a:p>
+                      <a:pPr algn="l" fontAlgn="ctr"/>
+                      <a:r>
+                        <a:rPr lang="en-US" sz="1200" b="1">
+                          <a:effectLst/>
+                        </a:rPr>
+                        <a:t>Industry</a:t>
+                      </a:r>
+                    </a:p>
+                  </a:txBody>
+                  <a:tcPr>
+                    <a:lnL>
+                      <a:noFill/>
+                    </a:lnL>
+                    <a:lnR>
+                      <a:noFill/>
+                    </a:lnR>
+                    <a:lnT>
+                      <a:noFill/>
+                    </a:lnT>
+                    <a:lnB>
+                      <a:noFill/>
+                    </a:lnB>
+                    <a:solidFill>
+                      <a:schemeClr val="bg1"/>
+                    </a:solidFill>
+                  </a:tcPr>
+                </a:tc>
+                <a:tc>
+                  <a:txBody>
+                    <a:bodyPr/>
+                    <a:lstStyle/>
+                    <a:p>
+                      <a:pPr algn="l" fontAlgn="ctr"/>
+                      <a:r>
+                        <a:rPr lang="en-US" sz="1200" b="1" dirty="0">
+                          <a:effectLst/>
+                        </a:rPr>
+                        <a:t>pct change</a:t>
+                      </a:r>
+                    </a:p>
+                  </a:txBody>
+                  <a:tcPr>
+                    <a:lnL>
+                      <a:noFill/>
+                    </a:lnL>
+                    <a:lnR w="12700" cmpd="sng">
+                      <a:noFill/>
+                      <a:prstDash val="solid"/>
+                    </a:lnR>
+                    <a:lnT w="12700" cmpd="sng">
+                      <a:noFill/>
+                      <a:prstDash val="solid"/>
+                    </a:lnT>
+                    <a:lnB w="12700" cmpd="sng">
+                      <a:noFill/>
+                      <a:prstDash val="solid"/>
+                    </a:lnB>
+                    <a:lnTlToBr w="12700" cmpd="sng">
+                      <a:noFill/>
+                      <a:prstDash val="solid"/>
+                    </a:lnTlToBr>
+                    <a:lnBlToTr w="12700" cmpd="sng">
+                      <a:noFill/>
+                      <a:prstDash val="solid"/>
+                    </a:lnBlToTr>
+                    <a:solidFill>
+                      <a:schemeClr val="bg1"/>
+                    </a:solidFill>
+                  </a:tcPr>
+                </a:tc>
+                <a:extLst>
+                  <a:ext uri="{0D108BD9-81ED-4DB2-BD59-A6C34878D82A}">
+                    <a16:rowId xmlns:a16="http://schemas.microsoft.com/office/drawing/2014/main" val="1206954820"/>
+                  </a:ext>
+                </a:extLst>
+              </a:tr>
+              <a:tr h="0">
+                <a:tc>
+                  <a:txBody>
+                    <a:bodyPr/>
+                    <a:lstStyle/>
+                    <a:p>
+                      <a:pPr algn="l" fontAlgn="ctr"/>
+                      <a:r>
+                        <a:rPr lang="en-US" sz="1200" b="1">
+                          <a:effectLst/>
+                        </a:rPr>
+                        <a:t>0</a:t>
+                      </a:r>
+                    </a:p>
+                  </a:txBody>
+                  <a:tcPr>
+                    <a:lnL>
+                      <a:noFill/>
+                    </a:lnL>
+                    <a:lnR>
+                      <a:noFill/>
+                    </a:lnR>
+                    <a:lnT>
+                      <a:noFill/>
+                    </a:lnT>
+                    <a:lnB>
+                      <a:noFill/>
+                    </a:lnB>
+                    <a:solidFill>
+                      <a:schemeClr val="bg1"/>
+                    </a:solidFill>
+                  </a:tcPr>
+                </a:tc>
+                <a:tc>
+                  <a:txBody>
+                    <a:bodyPr/>
+                    <a:lstStyle/>
+                    <a:p>
+                      <a:pPr algn="l" fontAlgn="ctr"/>
+                      <a:r>
+                        <a:rPr lang="en-US" sz="1200" dirty="0">
+                          <a:effectLst/>
+                        </a:rPr>
+                        <a:t>TRST</a:t>
+                      </a:r>
+                    </a:p>
+                  </a:txBody>
+                  <a:tcPr>
+                    <a:lnL>
+                      <a:noFill/>
+                    </a:lnL>
+                    <a:lnR>
+                      <a:noFill/>
+                    </a:lnR>
+                    <a:lnT>
+                      <a:noFill/>
+                    </a:lnT>
+                    <a:lnB>
+                      <a:noFill/>
+                    </a:lnB>
+                    <a:solidFill>
+                      <a:schemeClr val="bg1"/>
+                    </a:solidFill>
+                  </a:tcPr>
+                </a:tc>
+                <a:tc>
+                  <a:txBody>
+                    <a:bodyPr/>
+                    <a:lstStyle/>
+                    <a:p>
+                      <a:pPr algn="l" fontAlgn="ctr"/>
+                      <a:r>
+                        <a:rPr lang="en-US" sz="1200" dirty="0">
+                          <a:effectLst/>
+                        </a:rPr>
+                        <a:t>Financial Services</a:t>
+                      </a:r>
+                    </a:p>
+                  </a:txBody>
+                  <a:tcPr>
+                    <a:lnL>
+                      <a:noFill/>
+                    </a:lnL>
+                    <a:lnR>
+                      <a:noFill/>
+                    </a:lnR>
+                    <a:lnT>
+                      <a:noFill/>
+                    </a:lnT>
+                    <a:lnB>
+                      <a:noFill/>
+                    </a:lnB>
+                    <a:solidFill>
+                      <a:schemeClr val="bg1"/>
+                    </a:solidFill>
+                  </a:tcPr>
+                </a:tc>
+                <a:tc>
+                  <a:txBody>
+                    <a:bodyPr/>
+                    <a:lstStyle/>
+                    <a:p>
+                      <a:pPr algn="l" fontAlgn="ctr"/>
+                      <a:r>
+                        <a:rPr lang="en-US" sz="1200" dirty="0">
+                          <a:effectLst/>
+                        </a:rPr>
+                        <a:t>Banks-Regional</a:t>
+                      </a:r>
+                    </a:p>
+                  </a:txBody>
+                  <a:tcPr>
+                    <a:lnL>
+                      <a:noFill/>
+                    </a:lnL>
+                    <a:lnR>
+                      <a:noFill/>
+                    </a:lnR>
+                    <a:lnT>
+                      <a:noFill/>
+                    </a:lnT>
+                    <a:lnB>
+                      <a:noFill/>
+                    </a:lnB>
+                    <a:solidFill>
+                      <a:schemeClr val="bg1"/>
+                    </a:solidFill>
+                  </a:tcPr>
+                </a:tc>
+                <a:tc>
+                  <a:txBody>
+                    <a:bodyPr/>
+                    <a:lstStyle/>
+                    <a:p>
+                      <a:pPr algn="l" fontAlgn="ctr"/>
+                      <a:r>
+                        <a:rPr lang="en-US" sz="1200" dirty="0">
+                          <a:effectLst/>
+                        </a:rPr>
+                        <a:t>-21.068702</a:t>
+                      </a:r>
+                    </a:p>
+                  </a:txBody>
+                  <a:tcPr>
+                    <a:lnL>
+                      <a:noFill/>
+                    </a:lnL>
+                    <a:lnR>
+                      <a:noFill/>
+                    </a:lnR>
+                    <a:lnT w="12700" cmpd="sng">
+                      <a:noFill/>
+                      <a:prstDash val="solid"/>
+                    </a:lnT>
+                    <a:lnB>
+                      <a:noFill/>
+                    </a:lnB>
+                    <a:solidFill>
+                      <a:schemeClr val="bg1"/>
+                    </a:solidFill>
+                  </a:tcPr>
+                </a:tc>
+                <a:extLst>
+                  <a:ext uri="{0D108BD9-81ED-4DB2-BD59-A6C34878D82A}">
+                    <a16:rowId xmlns:a16="http://schemas.microsoft.com/office/drawing/2014/main" val="278895301"/>
+                  </a:ext>
+                </a:extLst>
+              </a:tr>
+              <a:tr h="0">
+                <a:tc>
+                  <a:txBody>
+                    <a:bodyPr/>
+                    <a:lstStyle/>
+                    <a:p>
+                      <a:pPr algn="l" fontAlgn="ctr"/>
+                      <a:r>
+                        <a:rPr lang="en-US" sz="1200" b="1">
+                          <a:effectLst/>
+                        </a:rPr>
+                        <a:t>1</a:t>
+                      </a:r>
+                    </a:p>
+                  </a:txBody>
+                  <a:tcPr>
+                    <a:lnL>
+                      <a:noFill/>
+                    </a:lnL>
+                    <a:lnR>
+                      <a:noFill/>
+                    </a:lnR>
+                    <a:lnT>
+                      <a:noFill/>
+                    </a:lnT>
+                    <a:lnB>
+                      <a:noFill/>
+                    </a:lnB>
+                    <a:solidFill>
+                      <a:schemeClr val="bg1"/>
+                    </a:solidFill>
+                  </a:tcPr>
+                </a:tc>
+                <a:tc>
+                  <a:txBody>
+                    <a:bodyPr/>
+                    <a:lstStyle/>
+                    <a:p>
+                      <a:pPr algn="l" fontAlgn="ctr"/>
+                      <a:r>
+                        <a:rPr lang="en-US" sz="1200">
+                          <a:effectLst/>
+                        </a:rPr>
+                        <a:t>LNTH</a:t>
+                      </a:r>
+                    </a:p>
+                  </a:txBody>
+                  <a:tcPr>
+                    <a:lnL>
+                      <a:noFill/>
+                    </a:lnL>
+                    <a:lnR>
+                      <a:noFill/>
+                    </a:lnR>
+                    <a:lnT>
+                      <a:noFill/>
+                    </a:lnT>
+                    <a:lnB>
+                      <a:noFill/>
+                    </a:lnB>
+                    <a:solidFill>
+                      <a:schemeClr val="bg1"/>
+                    </a:solidFill>
+                  </a:tcPr>
+                </a:tc>
+                <a:tc>
+                  <a:txBody>
+                    <a:bodyPr/>
+                    <a:lstStyle/>
+                    <a:p>
+                      <a:pPr algn="l" fontAlgn="ctr"/>
+                      <a:r>
+                        <a:rPr lang="en-US" sz="1200" dirty="0">
+                          <a:effectLst/>
+                        </a:rPr>
+                        <a:t>Healthcare</a:t>
+                      </a:r>
+                    </a:p>
+                  </a:txBody>
+                  <a:tcPr>
+                    <a:lnL>
+                      <a:noFill/>
+                    </a:lnL>
+                    <a:lnR>
+                      <a:noFill/>
+                    </a:lnR>
+                    <a:lnT>
+                      <a:noFill/>
+                    </a:lnT>
+                    <a:lnB>
+                      <a:noFill/>
+                    </a:lnB>
+                    <a:solidFill>
+                      <a:schemeClr val="bg1"/>
+                    </a:solidFill>
+                  </a:tcPr>
+                </a:tc>
+                <a:tc>
+                  <a:txBody>
+                    <a:bodyPr/>
+                    <a:lstStyle/>
+                    <a:p>
+                      <a:pPr algn="l" fontAlgn="ctr"/>
+                      <a:r>
+                        <a:rPr lang="en-US" sz="1200" dirty="0">
+                          <a:effectLst/>
+                        </a:rPr>
+                        <a:t>Diagnostics &amp; Research</a:t>
+                      </a:r>
+                    </a:p>
+                  </a:txBody>
+                  <a:tcPr>
+                    <a:lnL>
+                      <a:noFill/>
+                    </a:lnL>
+                    <a:lnR>
+                      <a:noFill/>
+                    </a:lnR>
+                    <a:lnT>
+                      <a:noFill/>
+                    </a:lnT>
+                    <a:lnB>
+                      <a:noFill/>
+                    </a:lnB>
+                    <a:solidFill>
+                      <a:schemeClr val="bg1"/>
+                    </a:solidFill>
+                  </a:tcPr>
+                </a:tc>
+                <a:tc>
+                  <a:txBody>
+                    <a:bodyPr/>
+                    <a:lstStyle/>
+                    <a:p>
+                      <a:pPr algn="l" fontAlgn="ctr"/>
+                      <a:r>
+                        <a:rPr lang="en-US" sz="1200">
+                          <a:effectLst/>
+                        </a:rPr>
+                        <a:t>-22.791024</a:t>
+                      </a:r>
+                    </a:p>
+                  </a:txBody>
+                  <a:tcPr>
+                    <a:lnL>
+                      <a:noFill/>
+                    </a:lnL>
+                    <a:lnR>
+                      <a:noFill/>
+                    </a:lnR>
+                    <a:lnT>
+                      <a:noFill/>
+                    </a:lnT>
+                    <a:lnB>
+                      <a:noFill/>
+                    </a:lnB>
+                    <a:solidFill>
+                      <a:schemeClr val="bg1"/>
+                    </a:solidFill>
+                  </a:tcPr>
+                </a:tc>
+                <a:extLst>
+                  <a:ext uri="{0D108BD9-81ED-4DB2-BD59-A6C34878D82A}">
+                    <a16:rowId xmlns:a16="http://schemas.microsoft.com/office/drawing/2014/main" val="1799045602"/>
+                  </a:ext>
+                </a:extLst>
+              </a:tr>
+              <a:tr h="0">
+                <a:tc>
+                  <a:txBody>
+                    <a:bodyPr/>
+                    <a:lstStyle/>
+                    <a:p>
+                      <a:pPr algn="l" fontAlgn="ctr"/>
+                      <a:r>
+                        <a:rPr lang="en-US" sz="1200" b="1">
+                          <a:effectLst/>
+                        </a:rPr>
+                        <a:t>2</a:t>
+                      </a:r>
+                    </a:p>
+                  </a:txBody>
+                  <a:tcPr>
+                    <a:lnL>
+                      <a:noFill/>
+                    </a:lnL>
+                    <a:lnR>
+                      <a:noFill/>
+                    </a:lnR>
+                    <a:lnT>
+                      <a:noFill/>
+                    </a:lnT>
+                    <a:lnB>
+                      <a:noFill/>
+                    </a:lnB>
+                    <a:solidFill>
+                      <a:schemeClr val="bg1"/>
+                    </a:solidFill>
+                  </a:tcPr>
+                </a:tc>
+                <a:tc>
+                  <a:txBody>
+                    <a:bodyPr/>
+                    <a:lstStyle/>
+                    <a:p>
+                      <a:pPr algn="l" fontAlgn="ctr"/>
+                      <a:r>
+                        <a:rPr lang="en-US" sz="1200" dirty="0">
+                          <a:effectLst/>
+                        </a:rPr>
+                        <a:t>EPRT</a:t>
+                      </a:r>
+                    </a:p>
+                  </a:txBody>
+                  <a:tcPr>
+                    <a:lnL>
+                      <a:noFill/>
+                    </a:lnL>
+                    <a:lnR>
+                      <a:noFill/>
+                    </a:lnR>
+                    <a:lnT>
+                      <a:noFill/>
+                    </a:lnT>
+                    <a:lnB>
+                      <a:noFill/>
+                    </a:lnB>
+                    <a:solidFill>
+                      <a:schemeClr val="bg1"/>
+                    </a:solidFill>
+                  </a:tcPr>
+                </a:tc>
+                <a:tc>
+                  <a:txBody>
+                    <a:bodyPr/>
+                    <a:lstStyle/>
+                    <a:p>
+                      <a:pPr algn="l" fontAlgn="ctr"/>
+                      <a:r>
+                        <a:rPr lang="en-US" sz="1200">
+                          <a:effectLst/>
+                        </a:rPr>
+                        <a:t>Real Estate</a:t>
+                      </a:r>
+                    </a:p>
+                  </a:txBody>
+                  <a:tcPr>
+                    <a:lnL>
+                      <a:noFill/>
+                    </a:lnL>
+                    <a:lnR>
+                      <a:noFill/>
+                    </a:lnR>
+                    <a:lnT>
+                      <a:noFill/>
+                    </a:lnT>
+                    <a:lnB>
+                      <a:noFill/>
+                    </a:lnB>
+                    <a:solidFill>
+                      <a:schemeClr val="bg1"/>
+                    </a:solidFill>
+                  </a:tcPr>
+                </a:tc>
+                <a:tc>
+                  <a:txBody>
+                    <a:bodyPr/>
+                    <a:lstStyle/>
+                    <a:p>
+                      <a:pPr algn="l" fontAlgn="ctr"/>
+                      <a:r>
+                        <a:rPr lang="en-US" sz="1200">
+                          <a:effectLst/>
+                        </a:rPr>
+                        <a:t>REIT-Diversified</a:t>
+                      </a:r>
+                    </a:p>
+                  </a:txBody>
+                  <a:tcPr>
+                    <a:lnL>
+                      <a:noFill/>
+                    </a:lnL>
+                    <a:lnR>
+                      <a:noFill/>
+                    </a:lnR>
+                    <a:lnT>
+                      <a:noFill/>
+                    </a:lnT>
+                    <a:lnB>
+                      <a:noFill/>
+                    </a:lnB>
+                    <a:solidFill>
+                      <a:schemeClr val="bg1"/>
+                    </a:solidFill>
+                  </a:tcPr>
+                </a:tc>
+                <a:tc>
+                  <a:txBody>
+                    <a:bodyPr/>
+                    <a:lstStyle/>
+                    <a:p>
+                      <a:pPr algn="l" fontAlgn="ctr"/>
+                      <a:r>
+                        <a:rPr lang="en-US" sz="1200">
+                          <a:effectLst/>
+                        </a:rPr>
+                        <a:t>-30.174446</a:t>
+                      </a:r>
+                    </a:p>
+                  </a:txBody>
+                  <a:tcPr>
+                    <a:lnL>
+                      <a:noFill/>
+                    </a:lnL>
+                    <a:lnR>
+                      <a:noFill/>
+                    </a:lnR>
+                    <a:lnT>
+                      <a:noFill/>
+                    </a:lnT>
+                    <a:lnB>
+                      <a:noFill/>
+                    </a:lnB>
+                    <a:solidFill>
+                      <a:schemeClr val="bg1"/>
+                    </a:solidFill>
+                  </a:tcPr>
+                </a:tc>
+                <a:extLst>
+                  <a:ext uri="{0D108BD9-81ED-4DB2-BD59-A6C34878D82A}">
+                    <a16:rowId xmlns:a16="http://schemas.microsoft.com/office/drawing/2014/main" val="2269362949"/>
+                  </a:ext>
+                </a:extLst>
+              </a:tr>
+              <a:tr h="0">
+                <a:tc>
+                  <a:txBody>
+                    <a:bodyPr/>
+                    <a:lstStyle/>
+                    <a:p>
+                      <a:pPr algn="l" fontAlgn="ctr"/>
+                      <a:r>
+                        <a:rPr lang="en-US" sz="1200" b="1">
+                          <a:effectLst/>
+                        </a:rPr>
+                        <a:t>3</a:t>
+                      </a:r>
+                    </a:p>
+                  </a:txBody>
+                  <a:tcPr>
+                    <a:lnL>
+                      <a:noFill/>
+                    </a:lnL>
+                    <a:lnR>
+                      <a:noFill/>
+                    </a:lnR>
+                    <a:lnT>
+                      <a:noFill/>
+                    </a:lnT>
+                    <a:lnB>
+                      <a:noFill/>
+                    </a:lnB>
+                    <a:solidFill>
+                      <a:schemeClr val="bg1"/>
+                    </a:solidFill>
+                  </a:tcPr>
+                </a:tc>
+                <a:tc>
+                  <a:txBody>
+                    <a:bodyPr/>
+                    <a:lstStyle/>
+                    <a:p>
+                      <a:pPr algn="l" fontAlgn="ctr"/>
+                      <a:r>
+                        <a:rPr lang="en-US" sz="1200">
+                          <a:effectLst/>
+                        </a:rPr>
+                        <a:t>MDC</a:t>
+                      </a:r>
+                    </a:p>
+                  </a:txBody>
+                  <a:tcPr>
+                    <a:lnL>
+                      <a:noFill/>
+                    </a:lnL>
+                    <a:lnR>
+                      <a:noFill/>
+                    </a:lnR>
+                    <a:lnT>
+                      <a:noFill/>
+                    </a:lnT>
+                    <a:lnB>
+                      <a:noFill/>
+                    </a:lnB>
+                    <a:solidFill>
+                      <a:schemeClr val="bg1"/>
+                    </a:solidFill>
+                  </a:tcPr>
+                </a:tc>
+                <a:tc>
+                  <a:txBody>
+                    <a:bodyPr/>
+                    <a:lstStyle/>
+                    <a:p>
+                      <a:pPr algn="l" fontAlgn="ctr"/>
+                      <a:r>
+                        <a:rPr lang="en-US" sz="1200">
+                          <a:effectLst/>
+                        </a:rPr>
+                        <a:t>Consumer Cyclical</a:t>
+                      </a:r>
+                    </a:p>
+                  </a:txBody>
+                  <a:tcPr>
+                    <a:lnL>
+                      <a:noFill/>
+                    </a:lnL>
+                    <a:lnR>
+                      <a:noFill/>
+                    </a:lnR>
+                    <a:lnT>
+                      <a:noFill/>
+                    </a:lnT>
+                    <a:lnB>
+                      <a:noFill/>
+                    </a:lnB>
+                    <a:solidFill>
+                      <a:schemeClr val="bg1"/>
+                    </a:solidFill>
+                  </a:tcPr>
+                </a:tc>
+                <a:tc>
+                  <a:txBody>
+                    <a:bodyPr/>
+                    <a:lstStyle/>
+                    <a:p>
+                      <a:pPr algn="l" fontAlgn="ctr"/>
+                      <a:r>
+                        <a:rPr lang="en-US" sz="1200">
+                          <a:effectLst/>
+                        </a:rPr>
+                        <a:t>Residential Construction</a:t>
+                      </a:r>
+                    </a:p>
+                  </a:txBody>
+                  <a:tcPr>
+                    <a:lnL>
+                      <a:noFill/>
+                    </a:lnL>
+                    <a:lnR>
+                      <a:noFill/>
+                    </a:lnR>
+                    <a:lnT>
+                      <a:noFill/>
+                    </a:lnT>
+                    <a:lnB>
+                      <a:noFill/>
+                    </a:lnB>
+                    <a:solidFill>
+                      <a:schemeClr val="bg1"/>
+                    </a:solidFill>
+                  </a:tcPr>
+                </a:tc>
+                <a:tc>
+                  <a:txBody>
+                    <a:bodyPr/>
+                    <a:lstStyle/>
+                    <a:p>
+                      <a:pPr algn="l" fontAlgn="ctr"/>
+                      <a:r>
+                        <a:rPr lang="en-US" sz="1200">
+                          <a:effectLst/>
+                        </a:rPr>
+                        <a:t>14.384397</a:t>
+                      </a:r>
+                    </a:p>
+                  </a:txBody>
+                  <a:tcPr>
+                    <a:lnL>
+                      <a:noFill/>
+                    </a:lnL>
+                    <a:lnR>
+                      <a:noFill/>
+                    </a:lnR>
+                    <a:lnT>
+                      <a:noFill/>
+                    </a:lnT>
+                    <a:lnB>
+                      <a:noFill/>
+                    </a:lnB>
+                    <a:solidFill>
+                      <a:schemeClr val="bg1"/>
+                    </a:solidFill>
+                  </a:tcPr>
+                </a:tc>
+                <a:extLst>
+                  <a:ext uri="{0D108BD9-81ED-4DB2-BD59-A6C34878D82A}">
+                    <a16:rowId xmlns:a16="http://schemas.microsoft.com/office/drawing/2014/main" val="8290746"/>
+                  </a:ext>
+                </a:extLst>
+              </a:tr>
+              <a:tr h="0">
+                <a:tc>
+                  <a:txBody>
+                    <a:bodyPr/>
+                    <a:lstStyle/>
+                    <a:p>
+                      <a:pPr algn="l" fontAlgn="ctr"/>
+                      <a:r>
+                        <a:rPr lang="en-US" sz="1200" b="1">
+                          <a:effectLst/>
+                        </a:rPr>
+                        <a:t>4</a:t>
+                      </a:r>
+                    </a:p>
+                  </a:txBody>
+                  <a:tcPr>
+                    <a:lnL>
+                      <a:noFill/>
+                    </a:lnL>
+                    <a:lnR>
+                      <a:noFill/>
+                    </a:lnR>
+                    <a:lnT>
+                      <a:noFill/>
+                    </a:lnT>
+                    <a:lnB>
+                      <a:noFill/>
+                    </a:lnB>
+                    <a:solidFill>
+                      <a:schemeClr val="bg1"/>
+                    </a:solidFill>
+                  </a:tcPr>
+                </a:tc>
+                <a:tc>
+                  <a:txBody>
+                    <a:bodyPr/>
+                    <a:lstStyle/>
+                    <a:p>
+                      <a:pPr algn="l" fontAlgn="ctr"/>
+                      <a:r>
+                        <a:rPr lang="en-US" sz="1200">
+                          <a:effectLst/>
+                        </a:rPr>
+                        <a:t>VRA</a:t>
+                      </a:r>
+                    </a:p>
+                  </a:txBody>
+                  <a:tcPr>
+                    <a:lnL>
+                      <a:noFill/>
+                    </a:lnL>
+                    <a:lnR>
+                      <a:noFill/>
+                    </a:lnR>
+                    <a:lnT>
+                      <a:noFill/>
+                    </a:lnT>
+                    <a:lnB>
+                      <a:noFill/>
+                    </a:lnB>
+                    <a:solidFill>
+                      <a:schemeClr val="bg1"/>
+                    </a:solidFill>
+                  </a:tcPr>
+                </a:tc>
+                <a:tc>
+                  <a:txBody>
+                    <a:bodyPr/>
+                    <a:lstStyle/>
+                    <a:p>
+                      <a:pPr algn="l" fontAlgn="ctr"/>
+                      <a:r>
+                        <a:rPr lang="en-US" sz="1200">
+                          <a:effectLst/>
+                        </a:rPr>
+                        <a:t>Consumer Cyclical</a:t>
+                      </a:r>
+                    </a:p>
+                  </a:txBody>
+                  <a:tcPr>
+                    <a:lnL>
+                      <a:noFill/>
+                    </a:lnL>
+                    <a:lnR>
+                      <a:noFill/>
+                    </a:lnR>
+                    <a:lnT>
+                      <a:noFill/>
+                    </a:lnT>
+                    <a:lnB>
+                      <a:noFill/>
+                    </a:lnB>
+                    <a:solidFill>
+                      <a:schemeClr val="bg1"/>
+                    </a:solidFill>
+                  </a:tcPr>
+                </a:tc>
+                <a:tc>
+                  <a:txBody>
+                    <a:bodyPr/>
+                    <a:lstStyle/>
+                    <a:p>
+                      <a:pPr algn="l" fontAlgn="ctr"/>
+                      <a:r>
+                        <a:rPr lang="en-US" sz="1200">
+                          <a:effectLst/>
+                        </a:rPr>
+                        <a:t>Footwear &amp; Accessories</a:t>
+                      </a:r>
+                    </a:p>
+                  </a:txBody>
+                  <a:tcPr>
+                    <a:lnL>
+                      <a:noFill/>
+                    </a:lnL>
+                    <a:lnR>
+                      <a:noFill/>
+                    </a:lnR>
+                    <a:lnT>
+                      <a:noFill/>
+                    </a:lnT>
+                    <a:lnB>
+                      <a:noFill/>
+                    </a:lnB>
+                    <a:solidFill>
+                      <a:schemeClr val="bg1"/>
+                    </a:solidFill>
+                  </a:tcPr>
+                </a:tc>
+                <a:tc>
+                  <a:txBody>
+                    <a:bodyPr/>
+                    <a:lstStyle/>
+                    <a:p>
+                      <a:pPr algn="l" fontAlgn="ctr"/>
+                      <a:r>
+                        <a:rPr lang="en-US" sz="1200" dirty="0">
+                          <a:effectLst/>
+                        </a:rPr>
+                        <a:t>-22.978177</a:t>
+                      </a:r>
+                    </a:p>
+                  </a:txBody>
+                  <a:tcPr>
+                    <a:lnL>
+                      <a:noFill/>
+                    </a:lnL>
+                    <a:lnR>
+                      <a:noFill/>
+                    </a:lnR>
+                    <a:lnT>
+                      <a:noFill/>
+                    </a:lnT>
+                    <a:lnB>
+                      <a:noFill/>
+                    </a:lnB>
+                    <a:solidFill>
+                      <a:schemeClr val="bg1"/>
+                    </a:solidFill>
+                  </a:tcPr>
+                </a:tc>
+                <a:extLst>
+                  <a:ext uri="{0D108BD9-81ED-4DB2-BD59-A6C34878D82A}">
+                    <a16:rowId xmlns:a16="http://schemas.microsoft.com/office/drawing/2014/main" val="2764642717"/>
+                  </a:ext>
+                </a:extLst>
+              </a:tr>
+            </a:tbl>
+          </a:graphicData>
+        </a:graphic>
+      </p:graphicFrame>
+      <p:sp>
+        <p:nvSpPr>
+          <p:cNvPr id="29" name="Arrow: Right 28">
+            <a:extLst>
+              <a:ext uri="{FF2B5EF4-FFF2-40B4-BE49-F238E27FC236}">
+                <a16:creationId xmlns:a16="http://schemas.microsoft.com/office/drawing/2014/main" id="{9C138E02-1B43-4072-AE7E-3B013C16DD56}"/>
+              </a:ext>
+            </a:extLst>
+          </p:cNvPr>
+          <p:cNvSpPr/>
+          <p:nvPr/>
+        </p:nvSpPr>
+        <p:spPr>
+          <a:xfrm>
+            <a:off x="5651648" y="2488659"/>
+            <a:ext cx="444352" cy="340242"/>
+          </a:xfrm>
+          <a:prstGeom prst="rightArrow">
+            <a:avLst/>
+          </a:prstGeom>
+          <a:solidFill>
+            <a:srgbClr val="FF0000"/>
+          </a:solidFill>
+        </p:spPr>
+        <p:style>
+          <a:lnRef idx="1">
+            <a:schemeClr val="dk1"/>
+          </a:lnRef>
+          <a:fillRef idx="2">
+            <a:schemeClr val="dk1"/>
+          </a:fillRef>
+          <a:effectRef idx="1">
+            <a:schemeClr val="dk1"/>
+          </a:effectRef>
+          <a:fontRef idx="minor">
+            <a:schemeClr val="dk1"/>
+          </a:fontRef>
+        </p:style>
+        <p:txBody>
+          <a:bodyPr rtlCol="0" anchor="ctr"/>
+          <a:lstStyle/>
+          <a:p>
+            <a:pPr algn="ctr"/>
+            <a:endParaRPr lang="en-US"/>
+          </a:p>
+        </p:txBody>
+      </p:sp>
+      <p:sp>
+        <p:nvSpPr>
+          <p:cNvPr id="30" name="Arrow: Right 29">
+            <a:extLst>
+              <a:ext uri="{FF2B5EF4-FFF2-40B4-BE49-F238E27FC236}">
+                <a16:creationId xmlns:a16="http://schemas.microsoft.com/office/drawing/2014/main" id="{53A6952F-D4B4-438F-AF5A-639903EEC299}"/>
+              </a:ext>
+            </a:extLst>
+          </p:cNvPr>
+          <p:cNvSpPr/>
+          <p:nvPr/>
+        </p:nvSpPr>
+        <p:spPr>
+          <a:xfrm>
+            <a:off x="6343724" y="5349790"/>
+            <a:ext cx="444352" cy="340242"/>
+          </a:xfrm>
+          <a:prstGeom prst="rightArrow">
+            <a:avLst/>
+          </a:prstGeom>
+          <a:solidFill>
+            <a:srgbClr val="FF0000"/>
+          </a:solidFill>
+        </p:spPr>
+        <p:style>
+          <a:lnRef idx="1">
+            <a:schemeClr val="dk1"/>
+          </a:lnRef>
+          <a:fillRef idx="2">
+            <a:schemeClr val="dk1"/>
+          </a:fillRef>
+          <a:effectRef idx="1">
+            <a:schemeClr val="dk1"/>
+          </a:effectRef>
+          <a:fontRef idx="minor">
+            <a:schemeClr val="dk1"/>
+          </a:fontRef>
+        </p:style>
+        <p:txBody>
+          <a:bodyPr rtlCol="0" anchor="ctr"/>
+          <a:lstStyle/>
+          <a:p>
+            <a:pPr algn="ctr"/>
+            <a:endParaRPr lang="en-US"/>
+          </a:p>
+        </p:txBody>
+      </p:sp>
       <p:pic>
         <p:nvPicPr>
-          <p:cNvPr id="24" name="Picture 23">
+          <p:cNvPr id="8" name="Picture 7">
             <a:extLst>
               <a:ext uri="{FF2B5EF4-FFF2-40B4-BE49-F238E27FC236}">
-                <a16:creationId xmlns:a16="http://schemas.microsoft.com/office/drawing/2014/main" id="{35B32C1E-BF1E-4075-9BE6-2FFB7A3264DB}"/>
+                <a16:creationId xmlns:a16="http://schemas.microsoft.com/office/drawing/2014/main" id="{D82FA54E-3961-490E-AC42-36915846C280}"/>
               </a:ext>
             </a:extLst>
           </p:cNvPr>
@@ -9832,31 +13925,56 @@
           <p:nvPr/>
         </p:nvPicPr>
         <p:blipFill>
-          <a:blip r:embed="rId2" cstate="print">
-            <a:alphaModFix amt="43000"/>
-            <a:extLst>
-              <a:ext uri="{28A0092B-C50C-407E-A947-70E740481C1C}">
-                <a14:useLocalDpi xmlns:a14="http://schemas.microsoft.com/office/drawing/2010/main" val="0"/>
-              </a:ext>
-              <a:ext uri="{837473B0-CC2E-450A-ABE3-18F120FF3D39}">
-                <a1611:picAttrSrcUrl xmlns:a1611="http://schemas.microsoft.com/office/drawing/2016/11/main" r:id="rId3"/>
-              </a:ext>
-            </a:extLst>
-          </a:blip>
+          <a:blip r:embed="rId3"/>
           <a:stretch>
             <a:fillRect/>
           </a:stretch>
         </p:blipFill>
         <p:spPr>
-          <a:xfrm flipH="1">
-            <a:off x="1352513" y="1436212"/>
-            <a:ext cx="1300407" cy="1301491"/>
+          <a:xfrm>
+            <a:off x="6222980" y="1564305"/>
+            <a:ext cx="5798908" cy="2381694"/>
           </a:xfrm>
           <a:prstGeom prst="rect">
             <a:avLst/>
           </a:prstGeom>
+          <a:solidFill>
+            <a:schemeClr val="bg1">
+              <a:lumMod val="95000"/>
+            </a:schemeClr>
+          </a:solidFill>
         </p:spPr>
       </p:pic>
+    </p:spTree>
+    <p:extLst>
+      <p:ext uri="{BB962C8B-B14F-4D97-AF65-F5344CB8AC3E}">
+        <p14:creationId xmlns:p14="http://schemas.microsoft.com/office/powerpoint/2010/main" val="4249822410"/>
+      </p:ext>
+    </p:extLst>
+  </p:cSld>
+  <p:clrMapOvr>
+    <a:masterClrMapping/>
+  </p:clrMapOvr>
+</p:sld>
+</file>
+
+<file path=ppt/slides/slide6.xml><?xml version="1.0" encoding="utf-8"?>
+<p:sld xmlns:a="http://schemas.openxmlformats.org/drawingml/2006/main" xmlns:r="http://schemas.openxmlformats.org/officeDocument/2006/relationships" xmlns:p="http://schemas.openxmlformats.org/presentationml/2006/main">
+  <p:cSld>
+    <p:spTree>
+      <p:nvGrpSpPr>
+        <p:cNvPr id="1" name=""/>
+        <p:cNvGrpSpPr/>
+        <p:nvPr/>
+      </p:nvGrpSpPr>
+      <p:grpSpPr>
+        <a:xfrm>
+          <a:off x="0" y="0"/>
+          <a:ext cx="0" cy="0"/>
+          <a:chOff x="0" y="0"/>
+          <a:chExt cx="0" cy="0"/>
+        </a:xfrm>
+      </p:grpSpPr>
       <p:sp>
         <p:nvSpPr>
           <p:cNvPr id="3" name="Title 3">
@@ -10021,182 +14139,17 @@
                   </a:outerShdw>
                 </a:effectLst>
               </a:rPr>
-              <a:t>How to clean the code and calculate the sector performance?</a:t>
+              <a:t>Visualizing Sector Performance</a:t>
             </a:r>
           </a:p>
         </p:txBody>
       </p:sp>
-      <p:pic>
-        <p:nvPicPr>
-          <p:cNvPr id="13" name="Picture 12" descr="Text&#10;&#10;Description automatically generated">
-            <a:extLst>
-              <a:ext uri="{FF2B5EF4-FFF2-40B4-BE49-F238E27FC236}">
-                <a16:creationId xmlns:a16="http://schemas.microsoft.com/office/drawing/2014/main" id="{AC035E84-9333-4649-949B-1273767EDA60}"/>
-              </a:ext>
-            </a:extLst>
-          </p:cNvPr>
-          <p:cNvPicPr>
-            <a:picLocks noChangeAspect="1"/>
-          </p:cNvPicPr>
-          <p:nvPr/>
-        </p:nvPicPr>
-        <p:blipFill>
-          <a:blip r:embed="rId4">
-            <a:extLst>
-              <a:ext uri="{28A0092B-C50C-407E-A947-70E740481C1C}">
-                <a14:useLocalDpi xmlns:a14="http://schemas.microsoft.com/office/drawing/2010/main" val="0"/>
-              </a:ext>
-            </a:extLst>
-          </a:blip>
-          <a:stretch>
-            <a:fillRect/>
-          </a:stretch>
-        </p:blipFill>
-        <p:spPr>
-          <a:xfrm>
-            <a:off x="3253891" y="902529"/>
-            <a:ext cx="6304837" cy="2263728"/>
-          </a:xfrm>
-          <a:prstGeom prst="rect">
-            <a:avLst/>
-          </a:prstGeom>
-          <a:ln w="19050">
-            <a:solidFill>
-              <a:srgbClr val="C00000"/>
-            </a:solidFill>
-          </a:ln>
-        </p:spPr>
-        <p:style>
-          <a:lnRef idx="2">
-            <a:schemeClr val="accent1"/>
-          </a:lnRef>
-          <a:fillRef idx="1">
-            <a:schemeClr val="lt1"/>
-          </a:fillRef>
-          <a:effectRef idx="0">
-            <a:schemeClr val="accent1"/>
-          </a:effectRef>
-          <a:fontRef idx="minor">
-            <a:schemeClr val="dk1"/>
-          </a:fontRef>
-        </p:style>
-      </p:pic>
-      <p:pic>
-        <p:nvPicPr>
-          <p:cNvPr id="15" name="Picture 14" descr="Text&#10;&#10;Description automatically generated">
-            <a:extLst>
-              <a:ext uri="{FF2B5EF4-FFF2-40B4-BE49-F238E27FC236}">
-                <a16:creationId xmlns:a16="http://schemas.microsoft.com/office/drawing/2014/main" id="{6F84DFF7-7176-47B1-833C-AD4A9D1C65FE}"/>
-              </a:ext>
-            </a:extLst>
-          </p:cNvPr>
-          <p:cNvPicPr>
-            <a:picLocks noChangeAspect="1"/>
-          </p:cNvPicPr>
-          <p:nvPr/>
-        </p:nvPicPr>
-        <p:blipFill>
-          <a:blip r:embed="rId5">
-            <a:extLst>
-              <a:ext uri="{28A0092B-C50C-407E-A947-70E740481C1C}">
-                <a14:useLocalDpi xmlns:a14="http://schemas.microsoft.com/office/drawing/2010/main" val="0"/>
-              </a:ext>
-            </a:extLst>
-          </a:blip>
-          <a:stretch>
-            <a:fillRect/>
-          </a:stretch>
-        </p:blipFill>
-        <p:spPr>
-          <a:xfrm>
-            <a:off x="3261225" y="3390258"/>
-            <a:ext cx="6251779" cy="2113402"/>
-          </a:xfrm>
-          <a:prstGeom prst="rect">
-            <a:avLst/>
-          </a:prstGeom>
-          <a:ln w="19050">
-            <a:solidFill>
-              <a:srgbClr val="C00000"/>
-            </a:solidFill>
-          </a:ln>
-        </p:spPr>
-        <p:style>
-          <a:lnRef idx="2">
-            <a:schemeClr val="accent1"/>
-          </a:lnRef>
-          <a:fillRef idx="1">
-            <a:schemeClr val="lt1"/>
-          </a:fillRef>
-          <a:effectRef idx="0">
-            <a:schemeClr val="accent1"/>
-          </a:effectRef>
-          <a:fontRef idx="minor">
-            <a:schemeClr val="dk1"/>
-          </a:fontRef>
-        </p:style>
-      </p:pic>
-      <p:pic>
-        <p:nvPicPr>
-          <p:cNvPr id="17" name="Picture 16" descr="Text&#10;&#10;Description automatically generated">
-            <a:extLst>
-              <a:ext uri="{FF2B5EF4-FFF2-40B4-BE49-F238E27FC236}">
-                <a16:creationId xmlns:a16="http://schemas.microsoft.com/office/drawing/2014/main" id="{153BE08B-0148-4028-AF89-04641CA1F820}"/>
-              </a:ext>
-            </a:extLst>
-          </p:cNvPr>
-          <p:cNvPicPr>
-            <a:picLocks noChangeAspect="1"/>
-          </p:cNvPicPr>
-          <p:nvPr/>
-        </p:nvPicPr>
-        <p:blipFill>
-          <a:blip r:embed="rId6">
-            <a:extLst>
-              <a:ext uri="{28A0092B-C50C-407E-A947-70E740481C1C}">
-                <a14:useLocalDpi xmlns:a14="http://schemas.microsoft.com/office/drawing/2010/main" val="0"/>
-              </a:ext>
-            </a:extLst>
-          </a:blip>
-          <a:stretch>
-            <a:fillRect/>
-          </a:stretch>
-        </p:blipFill>
-        <p:spPr>
-          <a:xfrm>
-            <a:off x="3208169" y="5885304"/>
-            <a:ext cx="6304836" cy="972696"/>
-          </a:xfrm>
-          <a:prstGeom prst="rect">
-            <a:avLst/>
-          </a:prstGeom>
-          <a:ln w="19050">
-            <a:solidFill>
-              <a:srgbClr val="C00000"/>
-            </a:solidFill>
-          </a:ln>
-        </p:spPr>
-        <p:style>
-          <a:lnRef idx="2">
-            <a:schemeClr val="accent1"/>
-          </a:lnRef>
-          <a:fillRef idx="1">
-            <a:schemeClr val="lt1"/>
-          </a:fillRef>
-          <a:effectRef idx="0">
-            <a:schemeClr val="accent1"/>
-          </a:effectRef>
-          <a:fontRef idx="minor">
-            <a:schemeClr val="dk1"/>
-          </a:fontRef>
-        </p:style>
-      </p:pic>
       <p:sp>
         <p:nvSpPr>
-          <p:cNvPr id="18" name="TextBox 17">
+          <p:cNvPr id="15" name="TextBox 14">
             <a:extLst>
               <a:ext uri="{FF2B5EF4-FFF2-40B4-BE49-F238E27FC236}">
-                <a16:creationId xmlns:a16="http://schemas.microsoft.com/office/drawing/2014/main" id="{4A245642-060C-4469-9A71-AFC0D35FBA02}"/>
+                <a16:creationId xmlns:a16="http://schemas.microsoft.com/office/drawing/2014/main" id="{92A327EF-B8AE-4F2B-A562-D14CB44A72E9}"/>
               </a:ext>
             </a:extLst>
           </p:cNvPr>
@@ -10205,103 +14158,1438 @@
         </p:nvSpPr>
         <p:spPr>
           <a:xfrm>
-            <a:off x="2188920" y="1739561"/>
-            <a:ext cx="444352" cy="707886"/>
+            <a:off x="311239" y="1845855"/>
+            <a:ext cx="7176656" cy="3785652"/>
           </a:xfrm>
           <a:prstGeom prst="rect">
             <a:avLst/>
           </a:prstGeom>
-          <a:noFill/>
+          <a:solidFill>
+            <a:schemeClr val="bg1">
+              <a:lumMod val="95000"/>
+            </a:schemeClr>
+          </a:solidFill>
         </p:spPr>
         <p:txBody>
-          <a:bodyPr wrap="none" rtlCol="0">
+          <a:bodyPr wrap="square">
             <a:spAutoFit/>
           </a:bodyPr>
-          <a:lstStyle/>
-          <a:p>
-            <a:r>
-              <a:rPr lang="en-US" sz="4000" dirty="0"/>
-              <a:t>1</a:t>
+          <a:lstStyle>
+            <a:defPPr>
+              <a:defRPr lang="en-US"/>
+            </a:defPPr>
+            <a:lvl1pPr>
+              <a:defRPr sz="1200" b="0">
+                <a:solidFill>
+                  <a:srgbClr val="000000"/>
+                </a:solidFill>
+                <a:effectLst/>
+                <a:latin typeface="Consolas" panose="020B0609020204030204" pitchFamily="49" charset="0"/>
+              </a:defRPr>
+            </a:lvl1pPr>
+          </a:lstStyle>
+          <a:p>
+            <a:r>
+              <a:rPr lang="en-US" dirty="0"/>
+              <a:t>w=.95</a:t>
+            </a:r>
+          </a:p>
+          <a:p>
+            <a:r>
+              <a:rPr lang="en-US" dirty="0" err="1"/>
+              <a:t>indchg</a:t>
+            </a:r>
+            <a:r>
+              <a:rPr lang="en-US" dirty="0"/>
+              <a:t> = ticker2020.groupby('Sector')['pct change'].mean()</a:t>
+            </a:r>
+          </a:p>
+          <a:p>
+            <a:r>
+              <a:rPr lang="en-US" dirty="0"/>
+              <a:t>industry = </a:t>
+            </a:r>
+            <a:r>
+              <a:rPr lang="en-US" dirty="0" err="1"/>
+              <a:t>indchg.to_frame</a:t>
+            </a:r>
+            <a:r>
+              <a:rPr lang="en-US" dirty="0"/>
+              <a:t>(name='Pct </a:t>
+            </a:r>
+            <a:r>
+              <a:rPr lang="en-US" dirty="0" err="1"/>
+              <a:t>Chg</a:t>
+            </a:r>
+            <a:r>
+              <a:rPr lang="en-US" dirty="0"/>
+              <a:t>')</a:t>
+            </a:r>
+          </a:p>
+          <a:p>
+            <a:r>
+              <a:rPr lang="en-US" dirty="0" err="1"/>
+              <a:t>industry.reset_index</a:t>
+            </a:r>
+            <a:r>
+              <a:rPr lang="en-US" dirty="0"/>
+              <a:t>(</a:t>
+            </a:r>
+            <a:r>
+              <a:rPr lang="en-US" dirty="0" err="1"/>
+              <a:t>inplace</a:t>
+            </a:r>
+            <a:r>
+              <a:rPr lang="en-US" dirty="0"/>
+              <a:t>=True)</a:t>
+            </a:r>
+          </a:p>
+          <a:p>
+            <a:r>
+              <a:rPr lang="en-US" dirty="0" err="1"/>
+              <a:t>x_labels</a:t>
+            </a:r>
+            <a:r>
+              <a:rPr lang="en-US" dirty="0"/>
+              <a:t> = industry['Sector'].</a:t>
+            </a:r>
+            <a:r>
+              <a:rPr lang="en-US" dirty="0" err="1"/>
+              <a:t>to_list</a:t>
+            </a:r>
+            <a:r>
+              <a:rPr lang="en-US" dirty="0"/>
+              <a:t>()</a:t>
+            </a:r>
+          </a:p>
+          <a:p>
+            <a:r>
+              <a:rPr lang="en-US" dirty="0"/>
+              <a:t>x = </a:t>
+            </a:r>
+            <a:r>
+              <a:rPr lang="en-US" dirty="0" err="1"/>
+              <a:t>np.arange</a:t>
+            </a:r>
+            <a:r>
+              <a:rPr lang="en-US" dirty="0"/>
+              <a:t>(</a:t>
+            </a:r>
+            <a:r>
+              <a:rPr lang="en-US" dirty="0" err="1"/>
+              <a:t>len</a:t>
+            </a:r>
+            <a:r>
+              <a:rPr lang="en-US" dirty="0"/>
+              <a:t>(</a:t>
+            </a:r>
+            <a:r>
+              <a:rPr lang="en-US" dirty="0" err="1"/>
+              <a:t>x_labels</a:t>
+            </a:r>
+            <a:r>
+              <a:rPr lang="en-US" dirty="0"/>
+              <a:t>))</a:t>
+            </a:r>
+          </a:p>
+          <a:p>
+            <a:r>
+              <a:rPr lang="en-US" dirty="0"/>
+              <a:t>y = industry['Pct </a:t>
+            </a:r>
+            <a:r>
+              <a:rPr lang="en-US" dirty="0" err="1"/>
+              <a:t>Chg</a:t>
+            </a:r>
+            <a:r>
+              <a:rPr lang="en-US" dirty="0"/>
+              <a:t>']</a:t>
+            </a:r>
+          </a:p>
+          <a:p>
+            <a:r>
+              <a:rPr lang="en-US" dirty="0" err="1"/>
+              <a:t>plt.figure</a:t>
+            </a:r>
+            <a:r>
+              <a:rPr lang="en-US" dirty="0"/>
+              <a:t>(</a:t>
+            </a:r>
+            <a:r>
+              <a:rPr lang="en-US" dirty="0" err="1"/>
+              <a:t>figsize</a:t>
+            </a:r>
+            <a:r>
+              <a:rPr lang="en-US" dirty="0"/>
+              <a:t>=(8,5))</a:t>
+            </a:r>
+          </a:p>
+          <a:p>
+            <a:r>
+              <a:rPr lang="en-US" dirty="0"/>
+              <a:t>ax = </a:t>
+            </a:r>
+            <a:r>
+              <a:rPr lang="en-US" dirty="0" err="1"/>
+              <a:t>y.plot</a:t>
+            </a:r>
+            <a:r>
+              <a:rPr lang="en-US" dirty="0"/>
+              <a:t>(kind='bar', width=w, color=(y &gt; 0).map({True: 'blue', </a:t>
+            </a:r>
+            <a:r>
+              <a:rPr lang="en-US" dirty="0" err="1"/>
+              <a:t>False:'orange</a:t>
+            </a:r>
+            <a:r>
+              <a:rPr lang="en-US" dirty="0"/>
+              <a:t>'}))</a:t>
+            </a:r>
+          </a:p>
+          <a:p>
+            <a:r>
+              <a:rPr lang="en-US" dirty="0" err="1"/>
+              <a:t>ax.set_title</a:t>
+            </a:r>
+            <a:r>
+              <a:rPr lang="en-US" dirty="0"/>
+              <a:t>('Sector Performance 2020', </a:t>
+            </a:r>
+            <a:r>
+              <a:rPr lang="en-US" dirty="0" err="1"/>
+              <a:t>fontsize</a:t>
+            </a:r>
+            <a:r>
+              <a:rPr lang="en-US" dirty="0"/>
+              <a:t>=16, </a:t>
+            </a:r>
+            <a:r>
+              <a:rPr lang="en-US" dirty="0" err="1"/>
+              <a:t>fontweight</a:t>
+            </a:r>
+            <a:r>
+              <a:rPr lang="en-US" dirty="0"/>
+              <a:t>='bold')</a:t>
+            </a:r>
+          </a:p>
+          <a:p>
+            <a:r>
+              <a:rPr lang="en-US" dirty="0"/>
+              <a:t>#ax.set_xlabel('Sector', </a:t>
+            </a:r>
+            <a:r>
+              <a:rPr lang="en-US" dirty="0" err="1"/>
+              <a:t>fontsize</a:t>
+            </a:r>
+            <a:r>
+              <a:rPr lang="en-US" dirty="0"/>
+              <a:t>=16)</a:t>
+            </a:r>
+          </a:p>
+          <a:p>
+            <a:r>
+              <a:rPr lang="en-US" dirty="0" err="1"/>
+              <a:t>ax.set_ylabel</a:t>
+            </a:r>
+            <a:r>
+              <a:rPr lang="en-US" dirty="0"/>
+              <a:t>('Percentage Change 2020 YTD', </a:t>
+            </a:r>
+            <a:r>
+              <a:rPr lang="en-US" dirty="0" err="1"/>
+              <a:t>fontsize</a:t>
+            </a:r>
+            <a:r>
+              <a:rPr lang="en-US" dirty="0"/>
+              <a:t>=13)</a:t>
+            </a:r>
+          </a:p>
+          <a:p>
+            <a:r>
+              <a:rPr lang="en-US" dirty="0" err="1"/>
+              <a:t>ax.set_ylim</a:t>
+            </a:r>
+            <a:r>
+              <a:rPr lang="en-US" dirty="0"/>
+              <a:t>(-40,20)</a:t>
+            </a:r>
+          </a:p>
+          <a:p>
+            <a:r>
+              <a:rPr lang="en-US" dirty="0" err="1"/>
+              <a:t>ax.set_xticks</a:t>
+            </a:r>
+            <a:r>
+              <a:rPr lang="en-US" dirty="0"/>
+              <a:t>(x)</a:t>
+            </a:r>
+          </a:p>
+          <a:p>
+            <a:r>
+              <a:rPr lang="en-US" dirty="0" err="1"/>
+              <a:t>ax.set_xticklabels</a:t>
+            </a:r>
+            <a:r>
+              <a:rPr lang="en-US" dirty="0"/>
+              <a:t>(</a:t>
+            </a:r>
+            <a:r>
+              <a:rPr lang="en-US" dirty="0" err="1"/>
+              <a:t>x_labels</a:t>
+            </a:r>
+            <a:r>
+              <a:rPr lang="en-US" dirty="0"/>
+              <a:t>, rotation=45, </a:t>
+            </a:r>
+            <a:r>
+              <a:rPr lang="en-US" dirty="0" err="1"/>
+              <a:t>fontsize</a:t>
+            </a:r>
+            <a:r>
+              <a:rPr lang="en-US" dirty="0"/>
+              <a:t>=12, ha='right')</a:t>
+            </a:r>
+          </a:p>
+          <a:p>
+            <a:br>
+              <a:rPr lang="en-US" dirty="0"/>
+            </a:br>
+            <a:r>
+              <a:rPr lang="en-US" dirty="0"/>
+              <a:t>#Calling function defined above to add labels </a:t>
+            </a:r>
+          </a:p>
+          <a:p>
+            <a:r>
+              <a:rPr lang="en-US" dirty="0" err="1"/>
+              <a:t>add_value_labels</a:t>
+            </a:r>
+            <a:r>
+              <a:rPr lang="en-US" dirty="0"/>
+              <a:t>(ax)</a:t>
+            </a:r>
+          </a:p>
+          <a:p>
+            <a:r>
+              <a:rPr lang="en-US" dirty="0" err="1"/>
+              <a:t>plt.tight_layout</a:t>
+            </a:r>
+            <a:r>
+              <a:rPr lang="en-US" dirty="0"/>
+              <a:t>()</a:t>
+            </a:r>
+          </a:p>
+          <a:p>
+            <a:r>
+              <a:rPr lang="en-US" dirty="0" err="1"/>
+              <a:t>plt.savefig</a:t>
+            </a:r>
+            <a:r>
+              <a:rPr lang="en-US" dirty="0"/>
+              <a:t>('images/industry_performance_w_labels.png')</a:t>
             </a:r>
           </a:p>
         </p:txBody>
       </p:sp>
+      <p:graphicFrame>
+        <p:nvGraphicFramePr>
+          <p:cNvPr id="4" name="Table 3">
+            <a:extLst>
+              <a:ext uri="{FF2B5EF4-FFF2-40B4-BE49-F238E27FC236}">
+                <a16:creationId xmlns:a16="http://schemas.microsoft.com/office/drawing/2014/main" id="{817D3481-196B-4D22-A660-CC6DBE3B83CE}"/>
+              </a:ext>
+            </a:extLst>
+          </p:cNvPr>
+          <p:cNvGraphicFramePr>
+            <a:graphicFrameLocks noGrp="1"/>
+          </p:cNvGraphicFramePr>
+          <p:nvPr>
+            <p:extLst>
+              <p:ext uri="{D42A27DB-BD31-4B8C-83A1-F6EECF244321}">
+                <p14:modId xmlns:p14="http://schemas.microsoft.com/office/powerpoint/2010/main" val="1902797937"/>
+              </p:ext>
+            </p:extLst>
+          </p:nvPr>
+        </p:nvGraphicFramePr>
+        <p:xfrm>
+          <a:off x="8788183" y="1835583"/>
+          <a:ext cx="2664908" cy="3797532"/>
+        </p:xfrm>
+        <a:graphic>
+          <a:graphicData uri="http://schemas.openxmlformats.org/drawingml/2006/table">
+            <a:tbl>
+              <a:tblPr/>
+              <a:tblGrid>
+                <a:gridCol w="1714297">
+                  <a:extLst>
+                    <a:ext uri="{9D8B030D-6E8A-4147-A177-3AD203B41FA5}">
+                      <a16:colId xmlns:a16="http://schemas.microsoft.com/office/drawing/2014/main" val="2277111419"/>
+                    </a:ext>
+                  </a:extLst>
+                </a:gridCol>
+                <a:gridCol w="950611">
+                  <a:extLst>
+                    <a:ext uri="{9D8B030D-6E8A-4147-A177-3AD203B41FA5}">
+                      <a16:colId xmlns:a16="http://schemas.microsoft.com/office/drawing/2014/main" val="483573090"/>
+                    </a:ext>
+                  </a:extLst>
+                </a:gridCol>
+              </a:tblGrid>
+              <a:tr h="316461">
+                <a:tc>
+                  <a:txBody>
+                    <a:bodyPr/>
+                    <a:lstStyle/>
+                    <a:p>
+                      <a:pPr algn="r" fontAlgn="ctr"/>
+                      <a:r>
+                        <a:rPr lang="en-US" sz="1200" b="1">
+                          <a:effectLst/>
+                        </a:rPr>
+                        <a:t>Sector</a:t>
+                      </a:r>
+                    </a:p>
+                  </a:txBody>
+                  <a:tcPr marL="79115" marR="79115" marT="39558" marB="39558" anchor="ctr">
+                    <a:lnL>
+                      <a:noFill/>
+                    </a:lnL>
+                    <a:lnR>
+                      <a:noFill/>
+                    </a:lnR>
+                    <a:lnT>
+                      <a:noFill/>
+                    </a:lnT>
+                    <a:lnB>
+                      <a:noFill/>
+                    </a:lnB>
+                    <a:lnTlToBr w="12700" cmpd="sng">
+                      <a:noFill/>
+                      <a:prstDash val="solid"/>
+                    </a:lnTlToBr>
+                    <a:lnBlToTr w="12700" cmpd="sng">
+                      <a:noFill/>
+                      <a:prstDash val="solid"/>
+                    </a:lnBlToTr>
+                    <a:solidFill>
+                      <a:schemeClr val="bg1"/>
+                    </a:solidFill>
+                  </a:tcPr>
+                </a:tc>
+                <a:tc>
+                  <a:txBody>
+                    <a:bodyPr/>
+                    <a:lstStyle/>
+                    <a:p>
+                      <a:pPr algn="r" fontAlgn="ctr"/>
+                      <a:r>
+                        <a:rPr lang="en-US" sz="1200" b="1" dirty="0">
+                          <a:effectLst/>
+                        </a:rPr>
+                        <a:t>pct change</a:t>
+                      </a:r>
+                    </a:p>
+                  </a:txBody>
+                  <a:tcPr marL="79115" marR="79115" marT="39558" marB="39558" anchor="ctr">
+                    <a:lnL>
+                      <a:noFill/>
+                    </a:lnL>
+                    <a:lnR>
+                      <a:noFill/>
+                    </a:lnR>
+                    <a:lnT w="12700" cmpd="sng">
+                      <a:noFill/>
+                      <a:prstDash val="solid"/>
+                    </a:lnT>
+                    <a:lnB>
+                      <a:noFill/>
+                    </a:lnB>
+                    <a:lnTlToBr w="12700" cmpd="sng">
+                      <a:noFill/>
+                      <a:prstDash val="solid"/>
+                    </a:lnTlToBr>
+                    <a:lnBlToTr w="12700" cmpd="sng">
+                      <a:noFill/>
+                      <a:prstDash val="solid"/>
+                    </a:lnBlToTr>
+                    <a:solidFill>
+                      <a:schemeClr val="bg1"/>
+                    </a:solidFill>
+                  </a:tcPr>
+                </a:tc>
+                <a:extLst>
+                  <a:ext uri="{0D108BD9-81ED-4DB2-BD59-A6C34878D82A}">
+                    <a16:rowId xmlns:a16="http://schemas.microsoft.com/office/drawing/2014/main" val="1938180619"/>
+                  </a:ext>
+                </a:extLst>
+              </a:tr>
+              <a:tr h="316461">
+                <a:tc>
+                  <a:txBody>
+                    <a:bodyPr/>
+                    <a:lstStyle/>
+                    <a:p>
+                      <a:pPr algn="r" fontAlgn="ctr"/>
+                      <a:r>
+                        <a:rPr lang="en-US" sz="1200" b="0" dirty="0">
+                          <a:effectLst/>
+                        </a:rPr>
+                        <a:t>Technology</a:t>
+                      </a:r>
+                    </a:p>
+                  </a:txBody>
+                  <a:tcPr marL="79115" marR="79115" marT="39558" marB="39558" anchor="ctr">
+                    <a:lnL>
+                      <a:noFill/>
+                    </a:lnL>
+                    <a:lnR>
+                      <a:noFill/>
+                    </a:lnR>
+                    <a:lnT>
+                      <a:noFill/>
+                    </a:lnT>
+                    <a:lnB>
+                      <a:noFill/>
+                    </a:lnB>
+                    <a:lnTlToBr w="12700" cmpd="sng">
+                      <a:noFill/>
+                      <a:prstDash val="solid"/>
+                    </a:lnTlToBr>
+                    <a:lnBlToTr w="12700" cmpd="sng">
+                      <a:noFill/>
+                      <a:prstDash val="solid"/>
+                    </a:lnBlToTr>
+                    <a:solidFill>
+                      <a:schemeClr val="bg1"/>
+                    </a:solidFill>
+                  </a:tcPr>
+                </a:tc>
+                <a:tc>
+                  <a:txBody>
+                    <a:bodyPr/>
+                    <a:lstStyle/>
+                    <a:p>
+                      <a:pPr algn="r" fontAlgn="ctr"/>
+                      <a:r>
+                        <a:rPr lang="en-US" sz="1200" dirty="0">
+                          <a:effectLst/>
+                        </a:rPr>
+                        <a:t>13.548758</a:t>
+                      </a:r>
+                    </a:p>
+                  </a:txBody>
+                  <a:tcPr marL="79115" marR="79115" marT="39558" marB="39558" anchor="ctr">
+                    <a:lnL>
+                      <a:noFill/>
+                    </a:lnL>
+                    <a:lnR>
+                      <a:noFill/>
+                    </a:lnR>
+                    <a:lnT>
+                      <a:noFill/>
+                    </a:lnT>
+                    <a:lnB>
+                      <a:noFill/>
+                    </a:lnB>
+                    <a:lnTlToBr w="12700" cmpd="sng">
+                      <a:noFill/>
+                      <a:prstDash val="solid"/>
+                    </a:lnTlToBr>
+                    <a:lnBlToTr w="12700" cmpd="sng">
+                      <a:noFill/>
+                      <a:prstDash val="solid"/>
+                    </a:lnBlToTr>
+                    <a:solidFill>
+                      <a:schemeClr val="bg1"/>
+                    </a:solidFill>
+                  </a:tcPr>
+                </a:tc>
+                <a:extLst>
+                  <a:ext uri="{0D108BD9-81ED-4DB2-BD59-A6C34878D82A}">
+                    <a16:rowId xmlns:a16="http://schemas.microsoft.com/office/drawing/2014/main" val="4236169447"/>
+                  </a:ext>
+                </a:extLst>
+              </a:tr>
+              <a:tr h="316461">
+                <a:tc>
+                  <a:txBody>
+                    <a:bodyPr/>
+                    <a:lstStyle/>
+                    <a:p>
+                      <a:pPr algn="r" fontAlgn="ctr"/>
+                      <a:r>
+                        <a:rPr lang="en-US" sz="1200" b="0" dirty="0">
+                          <a:effectLst/>
+                        </a:rPr>
+                        <a:t>Basic Materials</a:t>
+                      </a:r>
+                    </a:p>
+                  </a:txBody>
+                  <a:tcPr marL="79115" marR="79115" marT="39558" marB="39558" anchor="ctr">
+                    <a:lnL>
+                      <a:noFill/>
+                    </a:lnL>
+                    <a:lnR>
+                      <a:noFill/>
+                    </a:lnR>
+                    <a:lnT>
+                      <a:noFill/>
+                    </a:lnT>
+                    <a:lnB>
+                      <a:noFill/>
+                    </a:lnB>
+                    <a:lnTlToBr w="12700" cmpd="sng">
+                      <a:noFill/>
+                      <a:prstDash val="solid"/>
+                    </a:lnTlToBr>
+                    <a:lnBlToTr w="12700" cmpd="sng">
+                      <a:noFill/>
+                      <a:prstDash val="solid"/>
+                    </a:lnBlToTr>
+                    <a:solidFill>
+                      <a:schemeClr val="bg1"/>
+                    </a:solidFill>
+                  </a:tcPr>
+                </a:tc>
+                <a:tc>
+                  <a:txBody>
+                    <a:bodyPr/>
+                    <a:lstStyle/>
+                    <a:p>
+                      <a:pPr algn="r" fontAlgn="ctr"/>
+                      <a:r>
+                        <a:rPr lang="en-US" sz="1200">
+                          <a:effectLst/>
+                        </a:rPr>
+                        <a:t>12.188316</a:t>
+                      </a:r>
+                    </a:p>
+                  </a:txBody>
+                  <a:tcPr marL="79115" marR="79115" marT="39558" marB="39558" anchor="ctr">
+                    <a:lnL>
+                      <a:noFill/>
+                    </a:lnL>
+                    <a:lnR>
+                      <a:noFill/>
+                    </a:lnR>
+                    <a:lnT>
+                      <a:noFill/>
+                    </a:lnT>
+                    <a:lnB>
+                      <a:noFill/>
+                    </a:lnB>
+                    <a:lnTlToBr w="12700" cmpd="sng">
+                      <a:noFill/>
+                      <a:prstDash val="solid"/>
+                    </a:lnTlToBr>
+                    <a:lnBlToTr w="12700" cmpd="sng">
+                      <a:noFill/>
+                      <a:prstDash val="solid"/>
+                    </a:lnBlToTr>
+                    <a:solidFill>
+                      <a:schemeClr val="bg1"/>
+                    </a:solidFill>
+                  </a:tcPr>
+                </a:tc>
+                <a:extLst>
+                  <a:ext uri="{0D108BD9-81ED-4DB2-BD59-A6C34878D82A}">
+                    <a16:rowId xmlns:a16="http://schemas.microsoft.com/office/drawing/2014/main" val="2792190978"/>
+                  </a:ext>
+                </a:extLst>
+              </a:tr>
+              <a:tr h="316461">
+                <a:tc>
+                  <a:txBody>
+                    <a:bodyPr/>
+                    <a:lstStyle/>
+                    <a:p>
+                      <a:pPr algn="r" fontAlgn="ctr"/>
+                      <a:r>
+                        <a:rPr lang="en-US" sz="1200" b="0" dirty="0">
+                          <a:effectLst/>
+                        </a:rPr>
+                        <a:t>Consumer Defensive</a:t>
+                      </a:r>
+                    </a:p>
+                  </a:txBody>
+                  <a:tcPr marL="79115" marR="79115" marT="39558" marB="39558" anchor="ctr">
+                    <a:lnL>
+                      <a:noFill/>
+                    </a:lnL>
+                    <a:lnR>
+                      <a:noFill/>
+                    </a:lnR>
+                    <a:lnT>
+                      <a:noFill/>
+                    </a:lnT>
+                    <a:lnB>
+                      <a:noFill/>
+                    </a:lnB>
+                    <a:lnTlToBr w="12700" cmpd="sng">
+                      <a:noFill/>
+                      <a:prstDash val="solid"/>
+                    </a:lnTlToBr>
+                    <a:lnBlToTr w="12700" cmpd="sng">
+                      <a:noFill/>
+                      <a:prstDash val="solid"/>
+                    </a:lnBlToTr>
+                    <a:solidFill>
+                      <a:schemeClr val="bg1"/>
+                    </a:solidFill>
+                  </a:tcPr>
+                </a:tc>
+                <a:tc>
+                  <a:txBody>
+                    <a:bodyPr/>
+                    <a:lstStyle/>
+                    <a:p>
+                      <a:pPr algn="r" fontAlgn="ctr"/>
+                      <a:r>
+                        <a:rPr lang="en-US" sz="1200" dirty="0">
+                          <a:effectLst/>
+                        </a:rPr>
+                        <a:t>9.328190</a:t>
+                      </a:r>
+                    </a:p>
+                  </a:txBody>
+                  <a:tcPr marL="79115" marR="79115" marT="39558" marB="39558" anchor="ctr">
+                    <a:lnL>
+                      <a:noFill/>
+                    </a:lnL>
+                    <a:lnR>
+                      <a:noFill/>
+                    </a:lnR>
+                    <a:lnT>
+                      <a:noFill/>
+                    </a:lnT>
+                    <a:lnB>
+                      <a:noFill/>
+                    </a:lnB>
+                    <a:lnTlToBr w="12700" cmpd="sng">
+                      <a:noFill/>
+                      <a:prstDash val="solid"/>
+                    </a:lnTlToBr>
+                    <a:lnBlToTr w="12700" cmpd="sng">
+                      <a:noFill/>
+                      <a:prstDash val="solid"/>
+                    </a:lnBlToTr>
+                    <a:solidFill>
+                      <a:schemeClr val="bg1"/>
+                    </a:solidFill>
+                  </a:tcPr>
+                </a:tc>
+                <a:extLst>
+                  <a:ext uri="{0D108BD9-81ED-4DB2-BD59-A6C34878D82A}">
+                    <a16:rowId xmlns:a16="http://schemas.microsoft.com/office/drawing/2014/main" val="3481082778"/>
+                  </a:ext>
+                </a:extLst>
+              </a:tr>
+              <a:tr h="316461">
+                <a:tc>
+                  <a:txBody>
+                    <a:bodyPr/>
+                    <a:lstStyle/>
+                    <a:p>
+                      <a:pPr algn="r" fontAlgn="ctr"/>
+                      <a:r>
+                        <a:rPr lang="en-US" sz="1200" b="0" dirty="0">
+                          <a:effectLst/>
+                        </a:rPr>
+                        <a:t>Industrials</a:t>
+                      </a:r>
+                    </a:p>
+                  </a:txBody>
+                  <a:tcPr marL="79115" marR="79115" marT="39558" marB="39558" anchor="ctr">
+                    <a:lnL>
+                      <a:noFill/>
+                    </a:lnL>
+                    <a:lnR>
+                      <a:noFill/>
+                    </a:lnR>
+                    <a:lnT>
+                      <a:noFill/>
+                    </a:lnT>
+                    <a:lnB>
+                      <a:noFill/>
+                    </a:lnB>
+                    <a:lnTlToBr w="12700" cmpd="sng">
+                      <a:noFill/>
+                      <a:prstDash val="solid"/>
+                    </a:lnTlToBr>
+                    <a:lnBlToTr w="12700" cmpd="sng">
+                      <a:noFill/>
+                      <a:prstDash val="solid"/>
+                    </a:lnBlToTr>
+                    <a:solidFill>
+                      <a:schemeClr val="bg1"/>
+                    </a:solidFill>
+                  </a:tcPr>
+                </a:tc>
+                <a:tc>
+                  <a:txBody>
+                    <a:bodyPr/>
+                    <a:lstStyle/>
+                    <a:p>
+                      <a:pPr algn="r" fontAlgn="ctr"/>
+                      <a:r>
+                        <a:rPr lang="en-US" sz="1200">
+                          <a:effectLst/>
+                        </a:rPr>
+                        <a:t>7.555920</a:t>
+                      </a:r>
+                    </a:p>
+                  </a:txBody>
+                  <a:tcPr marL="79115" marR="79115" marT="39558" marB="39558" anchor="ctr">
+                    <a:lnL>
+                      <a:noFill/>
+                    </a:lnL>
+                    <a:lnR>
+                      <a:noFill/>
+                    </a:lnR>
+                    <a:lnT>
+                      <a:noFill/>
+                    </a:lnT>
+                    <a:lnB>
+                      <a:noFill/>
+                    </a:lnB>
+                    <a:lnTlToBr w="12700" cmpd="sng">
+                      <a:noFill/>
+                      <a:prstDash val="solid"/>
+                    </a:lnTlToBr>
+                    <a:lnBlToTr w="12700" cmpd="sng">
+                      <a:noFill/>
+                      <a:prstDash val="solid"/>
+                    </a:lnBlToTr>
+                    <a:solidFill>
+                      <a:schemeClr val="bg1"/>
+                    </a:solidFill>
+                  </a:tcPr>
+                </a:tc>
+                <a:extLst>
+                  <a:ext uri="{0D108BD9-81ED-4DB2-BD59-A6C34878D82A}">
+                    <a16:rowId xmlns:a16="http://schemas.microsoft.com/office/drawing/2014/main" val="2746501865"/>
+                  </a:ext>
+                </a:extLst>
+              </a:tr>
+              <a:tr h="316461">
+                <a:tc>
+                  <a:txBody>
+                    <a:bodyPr/>
+                    <a:lstStyle/>
+                    <a:p>
+                      <a:pPr algn="r" fontAlgn="ctr"/>
+                      <a:r>
+                        <a:rPr lang="en-US" sz="1200" b="0" dirty="0">
+                          <a:effectLst/>
+                        </a:rPr>
+                        <a:t>Healthcare</a:t>
+                      </a:r>
+                    </a:p>
+                  </a:txBody>
+                  <a:tcPr marL="79115" marR="79115" marT="39558" marB="39558" anchor="ctr">
+                    <a:lnL>
+                      <a:noFill/>
+                    </a:lnL>
+                    <a:lnR>
+                      <a:noFill/>
+                    </a:lnR>
+                    <a:lnT>
+                      <a:noFill/>
+                    </a:lnT>
+                    <a:lnB>
+                      <a:noFill/>
+                    </a:lnB>
+                    <a:lnTlToBr w="12700" cmpd="sng">
+                      <a:noFill/>
+                      <a:prstDash val="solid"/>
+                    </a:lnTlToBr>
+                    <a:lnBlToTr w="12700" cmpd="sng">
+                      <a:noFill/>
+                      <a:prstDash val="solid"/>
+                    </a:lnBlToTr>
+                    <a:solidFill>
+                      <a:schemeClr val="bg1"/>
+                    </a:solidFill>
+                  </a:tcPr>
+                </a:tc>
+                <a:tc>
+                  <a:txBody>
+                    <a:bodyPr/>
+                    <a:lstStyle/>
+                    <a:p>
+                      <a:pPr algn="r" fontAlgn="ctr"/>
+                      <a:r>
+                        <a:rPr lang="en-US" sz="1200">
+                          <a:effectLst/>
+                        </a:rPr>
+                        <a:t>7.233188</a:t>
+                      </a:r>
+                    </a:p>
+                  </a:txBody>
+                  <a:tcPr marL="79115" marR="79115" marT="39558" marB="39558" anchor="ctr">
+                    <a:lnL>
+                      <a:noFill/>
+                    </a:lnL>
+                    <a:lnR>
+                      <a:noFill/>
+                    </a:lnR>
+                    <a:lnT>
+                      <a:noFill/>
+                    </a:lnT>
+                    <a:lnB>
+                      <a:noFill/>
+                    </a:lnB>
+                    <a:lnTlToBr w="12700" cmpd="sng">
+                      <a:noFill/>
+                      <a:prstDash val="solid"/>
+                    </a:lnTlToBr>
+                    <a:lnBlToTr w="12700" cmpd="sng">
+                      <a:noFill/>
+                      <a:prstDash val="solid"/>
+                    </a:lnBlToTr>
+                    <a:solidFill>
+                      <a:schemeClr val="bg1"/>
+                    </a:solidFill>
+                  </a:tcPr>
+                </a:tc>
+                <a:extLst>
+                  <a:ext uri="{0D108BD9-81ED-4DB2-BD59-A6C34878D82A}">
+                    <a16:rowId xmlns:a16="http://schemas.microsoft.com/office/drawing/2014/main" val="1074198546"/>
+                  </a:ext>
+                </a:extLst>
+              </a:tr>
+              <a:tr h="316461">
+                <a:tc>
+                  <a:txBody>
+                    <a:bodyPr/>
+                    <a:lstStyle/>
+                    <a:p>
+                      <a:pPr algn="r" fontAlgn="ctr"/>
+                      <a:r>
+                        <a:rPr lang="en-US" sz="1200" b="0" dirty="0">
+                          <a:effectLst/>
+                        </a:rPr>
+                        <a:t>Consumer Cyclical</a:t>
+                      </a:r>
+                    </a:p>
+                  </a:txBody>
+                  <a:tcPr marL="79115" marR="79115" marT="39558" marB="39558" anchor="ctr">
+                    <a:lnL>
+                      <a:noFill/>
+                    </a:lnL>
+                    <a:lnR>
+                      <a:noFill/>
+                    </a:lnR>
+                    <a:lnT>
+                      <a:noFill/>
+                    </a:lnT>
+                    <a:lnB>
+                      <a:noFill/>
+                    </a:lnB>
+                    <a:lnTlToBr w="12700" cmpd="sng">
+                      <a:noFill/>
+                      <a:prstDash val="solid"/>
+                    </a:lnTlToBr>
+                    <a:lnBlToTr w="12700" cmpd="sng">
+                      <a:noFill/>
+                      <a:prstDash val="solid"/>
+                    </a:lnBlToTr>
+                    <a:solidFill>
+                      <a:schemeClr val="bg1"/>
+                    </a:solidFill>
+                  </a:tcPr>
+                </a:tc>
+                <a:tc>
+                  <a:txBody>
+                    <a:bodyPr/>
+                    <a:lstStyle/>
+                    <a:p>
+                      <a:pPr algn="r" fontAlgn="ctr"/>
+                      <a:r>
+                        <a:rPr lang="en-US" sz="1200">
+                          <a:effectLst/>
+                        </a:rPr>
+                        <a:t>6.285675</a:t>
+                      </a:r>
+                    </a:p>
+                  </a:txBody>
+                  <a:tcPr marL="79115" marR="79115" marT="39558" marB="39558" anchor="ctr">
+                    <a:lnL>
+                      <a:noFill/>
+                    </a:lnL>
+                    <a:lnR>
+                      <a:noFill/>
+                    </a:lnR>
+                    <a:lnT>
+                      <a:noFill/>
+                    </a:lnT>
+                    <a:lnB>
+                      <a:noFill/>
+                    </a:lnB>
+                    <a:lnTlToBr w="12700" cmpd="sng">
+                      <a:noFill/>
+                      <a:prstDash val="solid"/>
+                    </a:lnTlToBr>
+                    <a:lnBlToTr w="12700" cmpd="sng">
+                      <a:noFill/>
+                      <a:prstDash val="solid"/>
+                    </a:lnBlToTr>
+                    <a:solidFill>
+                      <a:schemeClr val="bg1"/>
+                    </a:solidFill>
+                  </a:tcPr>
+                </a:tc>
+                <a:extLst>
+                  <a:ext uri="{0D108BD9-81ED-4DB2-BD59-A6C34878D82A}">
+                    <a16:rowId xmlns:a16="http://schemas.microsoft.com/office/drawing/2014/main" val="3188768701"/>
+                  </a:ext>
+                </a:extLst>
+              </a:tr>
+              <a:tr h="316461">
+                <a:tc>
+                  <a:txBody>
+                    <a:bodyPr/>
+                    <a:lstStyle/>
+                    <a:p>
+                      <a:pPr algn="r" fontAlgn="ctr"/>
+                      <a:r>
+                        <a:rPr lang="en-US" sz="1200" b="0" dirty="0">
+                          <a:effectLst/>
+                        </a:rPr>
+                        <a:t>Financial Services</a:t>
+                      </a:r>
+                    </a:p>
+                  </a:txBody>
+                  <a:tcPr marL="79115" marR="79115" marT="39558" marB="39558" anchor="ctr">
+                    <a:lnL>
+                      <a:noFill/>
+                    </a:lnL>
+                    <a:lnR>
+                      <a:noFill/>
+                    </a:lnR>
+                    <a:lnT>
+                      <a:noFill/>
+                    </a:lnT>
+                    <a:lnB>
+                      <a:noFill/>
+                    </a:lnB>
+                    <a:lnTlToBr w="12700" cmpd="sng">
+                      <a:noFill/>
+                      <a:prstDash val="solid"/>
+                    </a:lnTlToBr>
+                    <a:lnBlToTr w="12700" cmpd="sng">
+                      <a:noFill/>
+                      <a:prstDash val="solid"/>
+                    </a:lnBlToTr>
+                    <a:solidFill>
+                      <a:schemeClr val="bg1"/>
+                    </a:solidFill>
+                  </a:tcPr>
+                </a:tc>
+                <a:tc>
+                  <a:txBody>
+                    <a:bodyPr/>
+                    <a:lstStyle/>
+                    <a:p>
+                      <a:pPr algn="r" fontAlgn="ctr"/>
+                      <a:r>
+                        <a:rPr lang="en-US" sz="1200">
+                          <a:effectLst/>
+                        </a:rPr>
+                        <a:t>-7.277631</a:t>
+                      </a:r>
+                    </a:p>
+                  </a:txBody>
+                  <a:tcPr marL="79115" marR="79115" marT="39558" marB="39558" anchor="ctr">
+                    <a:lnL>
+                      <a:noFill/>
+                    </a:lnL>
+                    <a:lnR>
+                      <a:noFill/>
+                    </a:lnR>
+                    <a:lnT>
+                      <a:noFill/>
+                    </a:lnT>
+                    <a:lnB>
+                      <a:noFill/>
+                    </a:lnB>
+                    <a:lnTlToBr w="12700" cmpd="sng">
+                      <a:noFill/>
+                      <a:prstDash val="solid"/>
+                    </a:lnTlToBr>
+                    <a:lnBlToTr w="12700" cmpd="sng">
+                      <a:noFill/>
+                      <a:prstDash val="solid"/>
+                    </a:lnBlToTr>
+                    <a:solidFill>
+                      <a:schemeClr val="bg1"/>
+                    </a:solidFill>
+                  </a:tcPr>
+                </a:tc>
+                <a:extLst>
+                  <a:ext uri="{0D108BD9-81ED-4DB2-BD59-A6C34878D82A}">
+                    <a16:rowId xmlns:a16="http://schemas.microsoft.com/office/drawing/2014/main" val="1597329687"/>
+                  </a:ext>
+                </a:extLst>
+              </a:tr>
+              <a:tr h="316461">
+                <a:tc>
+                  <a:txBody>
+                    <a:bodyPr/>
+                    <a:lstStyle/>
+                    <a:p>
+                      <a:pPr algn="r" fontAlgn="ctr"/>
+                      <a:r>
+                        <a:rPr lang="en-US" sz="1200" b="0" dirty="0">
+                          <a:effectLst/>
+                        </a:rPr>
+                        <a:t>Communication Services</a:t>
+                      </a:r>
+                    </a:p>
+                  </a:txBody>
+                  <a:tcPr marL="79115" marR="79115" marT="39558" marB="39558" anchor="ctr">
+                    <a:lnL>
+                      <a:noFill/>
+                    </a:lnL>
+                    <a:lnR>
+                      <a:noFill/>
+                    </a:lnR>
+                    <a:lnT>
+                      <a:noFill/>
+                    </a:lnT>
+                    <a:lnB>
+                      <a:noFill/>
+                    </a:lnB>
+                    <a:lnTlToBr w="12700" cmpd="sng">
+                      <a:noFill/>
+                      <a:prstDash val="solid"/>
+                    </a:lnTlToBr>
+                    <a:lnBlToTr w="12700" cmpd="sng">
+                      <a:noFill/>
+                      <a:prstDash val="solid"/>
+                    </a:lnBlToTr>
+                    <a:solidFill>
+                      <a:schemeClr val="bg1"/>
+                    </a:solidFill>
+                  </a:tcPr>
+                </a:tc>
+                <a:tc>
+                  <a:txBody>
+                    <a:bodyPr/>
+                    <a:lstStyle/>
+                    <a:p>
+                      <a:pPr algn="r" fontAlgn="ctr"/>
+                      <a:r>
+                        <a:rPr lang="en-US" sz="1200">
+                          <a:effectLst/>
+                        </a:rPr>
+                        <a:t>-9.482677</a:t>
+                      </a:r>
+                    </a:p>
+                  </a:txBody>
+                  <a:tcPr marL="79115" marR="79115" marT="39558" marB="39558" anchor="ctr">
+                    <a:lnL>
+                      <a:noFill/>
+                    </a:lnL>
+                    <a:lnR>
+                      <a:noFill/>
+                    </a:lnR>
+                    <a:lnT>
+                      <a:noFill/>
+                    </a:lnT>
+                    <a:lnB>
+                      <a:noFill/>
+                    </a:lnB>
+                    <a:lnTlToBr w="12700" cmpd="sng">
+                      <a:noFill/>
+                      <a:prstDash val="solid"/>
+                    </a:lnTlToBr>
+                    <a:lnBlToTr w="12700" cmpd="sng">
+                      <a:noFill/>
+                      <a:prstDash val="solid"/>
+                    </a:lnBlToTr>
+                    <a:solidFill>
+                      <a:schemeClr val="bg1"/>
+                    </a:solidFill>
+                  </a:tcPr>
+                </a:tc>
+                <a:extLst>
+                  <a:ext uri="{0D108BD9-81ED-4DB2-BD59-A6C34878D82A}">
+                    <a16:rowId xmlns:a16="http://schemas.microsoft.com/office/drawing/2014/main" val="2533574587"/>
+                  </a:ext>
+                </a:extLst>
+              </a:tr>
+              <a:tr h="316461">
+                <a:tc>
+                  <a:txBody>
+                    <a:bodyPr/>
+                    <a:lstStyle/>
+                    <a:p>
+                      <a:pPr algn="r" fontAlgn="ctr"/>
+                      <a:r>
+                        <a:rPr lang="en-US" sz="1200" b="0" dirty="0">
+                          <a:effectLst/>
+                        </a:rPr>
+                        <a:t>Utilities</a:t>
+                      </a:r>
+                    </a:p>
+                  </a:txBody>
+                  <a:tcPr marL="79115" marR="79115" marT="39558" marB="39558" anchor="ctr">
+                    <a:lnL>
+                      <a:noFill/>
+                    </a:lnL>
+                    <a:lnR>
+                      <a:noFill/>
+                    </a:lnR>
+                    <a:lnT>
+                      <a:noFill/>
+                    </a:lnT>
+                    <a:lnB>
+                      <a:noFill/>
+                    </a:lnB>
+                    <a:lnTlToBr w="12700" cmpd="sng">
+                      <a:noFill/>
+                      <a:prstDash val="solid"/>
+                    </a:lnTlToBr>
+                    <a:lnBlToTr w="12700" cmpd="sng">
+                      <a:noFill/>
+                      <a:prstDash val="solid"/>
+                    </a:lnBlToTr>
+                    <a:solidFill>
+                      <a:schemeClr val="bg1"/>
+                    </a:solidFill>
+                  </a:tcPr>
+                </a:tc>
+                <a:tc>
+                  <a:txBody>
+                    <a:bodyPr/>
+                    <a:lstStyle/>
+                    <a:p>
+                      <a:pPr algn="r" fontAlgn="ctr"/>
+                      <a:r>
+                        <a:rPr lang="en-US" sz="1200">
+                          <a:effectLst/>
+                        </a:rPr>
+                        <a:t>-16.221258</a:t>
+                      </a:r>
+                    </a:p>
+                  </a:txBody>
+                  <a:tcPr marL="79115" marR="79115" marT="39558" marB="39558" anchor="ctr">
+                    <a:lnL>
+                      <a:noFill/>
+                    </a:lnL>
+                    <a:lnR>
+                      <a:noFill/>
+                    </a:lnR>
+                    <a:lnT>
+                      <a:noFill/>
+                    </a:lnT>
+                    <a:lnB>
+                      <a:noFill/>
+                    </a:lnB>
+                    <a:lnTlToBr w="12700" cmpd="sng">
+                      <a:noFill/>
+                      <a:prstDash val="solid"/>
+                    </a:lnTlToBr>
+                    <a:lnBlToTr w="12700" cmpd="sng">
+                      <a:noFill/>
+                      <a:prstDash val="solid"/>
+                    </a:lnBlToTr>
+                    <a:solidFill>
+                      <a:schemeClr val="bg1"/>
+                    </a:solidFill>
+                  </a:tcPr>
+                </a:tc>
+                <a:extLst>
+                  <a:ext uri="{0D108BD9-81ED-4DB2-BD59-A6C34878D82A}">
+                    <a16:rowId xmlns:a16="http://schemas.microsoft.com/office/drawing/2014/main" val="3895299833"/>
+                  </a:ext>
+                </a:extLst>
+              </a:tr>
+              <a:tr h="316461">
+                <a:tc>
+                  <a:txBody>
+                    <a:bodyPr/>
+                    <a:lstStyle/>
+                    <a:p>
+                      <a:pPr algn="r" fontAlgn="ctr"/>
+                      <a:r>
+                        <a:rPr lang="en-US" sz="1200" b="0" dirty="0">
+                          <a:effectLst/>
+                        </a:rPr>
+                        <a:t>Energy</a:t>
+                      </a:r>
+                    </a:p>
+                  </a:txBody>
+                  <a:tcPr marL="79115" marR="79115" marT="39558" marB="39558" anchor="ctr">
+                    <a:lnL>
+                      <a:noFill/>
+                    </a:lnL>
+                    <a:lnR>
+                      <a:noFill/>
+                    </a:lnR>
+                    <a:lnT>
+                      <a:noFill/>
+                    </a:lnT>
+                    <a:lnB>
+                      <a:noFill/>
+                    </a:lnB>
+                    <a:lnTlToBr w="12700" cmpd="sng">
+                      <a:noFill/>
+                      <a:prstDash val="solid"/>
+                    </a:lnTlToBr>
+                    <a:lnBlToTr w="12700" cmpd="sng">
+                      <a:noFill/>
+                      <a:prstDash val="solid"/>
+                    </a:lnBlToTr>
+                    <a:solidFill>
+                      <a:schemeClr val="bg1"/>
+                    </a:solidFill>
+                  </a:tcPr>
+                </a:tc>
+                <a:tc>
+                  <a:txBody>
+                    <a:bodyPr/>
+                    <a:lstStyle/>
+                    <a:p>
+                      <a:pPr algn="r" fontAlgn="ctr"/>
+                      <a:r>
+                        <a:rPr lang="en-US" sz="1200">
+                          <a:effectLst/>
+                        </a:rPr>
+                        <a:t>-20.833857</a:t>
+                      </a:r>
+                    </a:p>
+                  </a:txBody>
+                  <a:tcPr marL="79115" marR="79115" marT="39558" marB="39558" anchor="ctr">
+                    <a:lnL>
+                      <a:noFill/>
+                    </a:lnL>
+                    <a:lnR>
+                      <a:noFill/>
+                    </a:lnR>
+                    <a:lnT>
+                      <a:noFill/>
+                    </a:lnT>
+                    <a:lnB>
+                      <a:noFill/>
+                    </a:lnB>
+                    <a:lnTlToBr w="12700" cmpd="sng">
+                      <a:noFill/>
+                      <a:prstDash val="solid"/>
+                    </a:lnTlToBr>
+                    <a:lnBlToTr w="12700" cmpd="sng">
+                      <a:noFill/>
+                      <a:prstDash val="solid"/>
+                    </a:lnBlToTr>
+                    <a:solidFill>
+                      <a:schemeClr val="bg1"/>
+                    </a:solidFill>
+                  </a:tcPr>
+                </a:tc>
+                <a:extLst>
+                  <a:ext uri="{0D108BD9-81ED-4DB2-BD59-A6C34878D82A}">
+                    <a16:rowId xmlns:a16="http://schemas.microsoft.com/office/drawing/2014/main" val="3982482018"/>
+                  </a:ext>
+                </a:extLst>
+              </a:tr>
+              <a:tr h="316461">
+                <a:tc>
+                  <a:txBody>
+                    <a:bodyPr/>
+                    <a:lstStyle/>
+                    <a:p>
+                      <a:pPr algn="r" fontAlgn="ctr"/>
+                      <a:r>
+                        <a:rPr lang="en-US" sz="1200" b="0" dirty="0">
+                          <a:effectLst/>
+                        </a:rPr>
+                        <a:t>Real Estate</a:t>
+                      </a:r>
+                    </a:p>
+                  </a:txBody>
+                  <a:tcPr marL="79115" marR="79115" marT="39558" marB="39558" anchor="ctr">
+                    <a:lnL>
+                      <a:noFill/>
+                    </a:lnL>
+                    <a:lnR>
+                      <a:noFill/>
+                    </a:lnR>
+                    <a:lnT>
+                      <a:noFill/>
+                    </a:lnT>
+                    <a:lnB>
+                      <a:noFill/>
+                    </a:lnB>
+                    <a:lnTlToBr w="12700" cmpd="sng">
+                      <a:noFill/>
+                      <a:prstDash val="solid"/>
+                    </a:lnTlToBr>
+                    <a:lnBlToTr w="12700" cmpd="sng">
+                      <a:noFill/>
+                      <a:prstDash val="solid"/>
+                    </a:lnBlToTr>
+                    <a:solidFill>
+                      <a:schemeClr val="bg1"/>
+                    </a:solidFill>
+                  </a:tcPr>
+                </a:tc>
+                <a:tc>
+                  <a:txBody>
+                    <a:bodyPr/>
+                    <a:lstStyle/>
+                    <a:p>
+                      <a:pPr algn="r" fontAlgn="ctr"/>
+                      <a:r>
+                        <a:rPr lang="en-US" sz="1200" dirty="0">
+                          <a:effectLst/>
+                        </a:rPr>
+                        <a:t>-33.506755</a:t>
+                      </a:r>
+                    </a:p>
+                  </a:txBody>
+                  <a:tcPr marL="79115" marR="79115" marT="39558" marB="39558" anchor="ctr">
+                    <a:lnL>
+                      <a:noFill/>
+                    </a:lnL>
+                    <a:lnR>
+                      <a:noFill/>
+                    </a:lnR>
+                    <a:lnT>
+                      <a:noFill/>
+                    </a:lnT>
+                    <a:lnB>
+                      <a:noFill/>
+                    </a:lnB>
+                    <a:lnTlToBr w="12700" cmpd="sng">
+                      <a:noFill/>
+                      <a:prstDash val="solid"/>
+                    </a:lnTlToBr>
+                    <a:lnBlToTr w="12700" cmpd="sng">
+                      <a:noFill/>
+                      <a:prstDash val="solid"/>
+                    </a:lnBlToTr>
+                    <a:solidFill>
+                      <a:schemeClr val="bg1"/>
+                    </a:solidFill>
+                  </a:tcPr>
+                </a:tc>
+                <a:extLst>
+                  <a:ext uri="{0D108BD9-81ED-4DB2-BD59-A6C34878D82A}">
+                    <a16:rowId xmlns:a16="http://schemas.microsoft.com/office/drawing/2014/main" val="3885803170"/>
+                  </a:ext>
+                </a:extLst>
+              </a:tr>
+            </a:tbl>
+          </a:graphicData>
+        </a:graphic>
+      </p:graphicFrame>
       <p:sp>
         <p:nvSpPr>
-          <p:cNvPr id="19" name="TextBox 18">
+          <p:cNvPr id="17" name="Arrow: Right 16">
             <a:extLst>
               <a:ext uri="{FF2B5EF4-FFF2-40B4-BE49-F238E27FC236}">
-                <a16:creationId xmlns:a16="http://schemas.microsoft.com/office/drawing/2014/main" id="{C4E6B167-27D3-414D-91BD-8A4B82C1C45F}"/>
-              </a:ext>
-            </a:extLst>
-          </p:cNvPr>
-          <p:cNvSpPr txBox="1"/>
-          <p:nvPr/>
-        </p:nvSpPr>
-        <p:spPr>
-          <a:xfrm>
-            <a:off x="2188918" y="3904874"/>
-            <a:ext cx="444352" cy="707886"/>
-          </a:xfrm>
-          <a:prstGeom prst="rect">
-            <a:avLst/>
-          </a:prstGeom>
-          <a:noFill/>
-        </p:spPr>
-        <p:txBody>
-          <a:bodyPr wrap="none" rtlCol="0">
-            <a:spAutoFit/>
-          </a:bodyPr>
-          <a:lstStyle/>
-          <a:p>
-            <a:r>
-              <a:rPr lang="en-US" sz="4000" dirty="0"/>
-              <a:t>2</a:t>
-            </a:r>
-          </a:p>
-        </p:txBody>
-      </p:sp>
-      <p:sp>
-        <p:nvSpPr>
-          <p:cNvPr id="20" name="TextBox 19">
-            <a:extLst>
-              <a:ext uri="{FF2B5EF4-FFF2-40B4-BE49-F238E27FC236}">
-                <a16:creationId xmlns:a16="http://schemas.microsoft.com/office/drawing/2014/main" id="{599B56F9-BA78-4330-A43B-746BE09C0310}"/>
-              </a:ext>
-            </a:extLst>
-          </p:cNvPr>
-          <p:cNvSpPr txBox="1"/>
-          <p:nvPr/>
-        </p:nvSpPr>
-        <p:spPr>
-          <a:xfrm>
-            <a:off x="2188919" y="6070187"/>
-            <a:ext cx="444352" cy="707886"/>
-          </a:xfrm>
-          <a:prstGeom prst="rect">
-            <a:avLst/>
-          </a:prstGeom>
-          <a:noFill/>
-        </p:spPr>
-        <p:txBody>
-          <a:bodyPr wrap="none" rtlCol="0">
-            <a:spAutoFit/>
-          </a:bodyPr>
-          <a:lstStyle/>
-          <a:p>
-            <a:r>
-              <a:rPr lang="en-US" sz="4000" dirty="0"/>
-              <a:t>3</a:t>
-            </a:r>
-          </a:p>
-        </p:txBody>
-      </p:sp>
-      <p:sp>
-        <p:nvSpPr>
-          <p:cNvPr id="21" name="Arrow: Right 20">
-            <a:extLst>
-              <a:ext uri="{FF2B5EF4-FFF2-40B4-BE49-F238E27FC236}">
-                <a16:creationId xmlns:a16="http://schemas.microsoft.com/office/drawing/2014/main" id="{CE60CA15-32DD-416D-A62D-AF8B184F8C27}"/>
+                <a16:creationId xmlns:a16="http://schemas.microsoft.com/office/drawing/2014/main" id="{6CC58BDB-46C6-4EF9-82C6-E655BB142DFD}"/>
               </a:ext>
             </a:extLst>
           </p:cNvPr>
@@ -10310,7 +15598,7 @@
         </p:nvSpPr>
         <p:spPr>
           <a:xfrm>
-            <a:off x="2617925" y="1923383"/>
+            <a:off x="9153536" y="2146323"/>
             <a:ext cx="444352" cy="340242"/>
           </a:xfrm>
           <a:prstGeom prst="rightArrow">
@@ -10345,10 +15633,10 @@
       </p:sp>
       <p:sp>
         <p:nvSpPr>
-          <p:cNvPr id="22" name="Arrow: Right 21">
+          <p:cNvPr id="24" name="Arrow: Right 23">
             <a:extLst>
               <a:ext uri="{FF2B5EF4-FFF2-40B4-BE49-F238E27FC236}">
-                <a16:creationId xmlns:a16="http://schemas.microsoft.com/office/drawing/2014/main" id="{E7EC526A-0B1F-4AF3-B013-D7BA45F61061}"/>
+                <a16:creationId xmlns:a16="http://schemas.microsoft.com/office/drawing/2014/main" id="{03296460-27C5-4D77-BE3D-34D5CB5149FB}"/>
               </a:ext>
             </a:extLst>
           </p:cNvPr>
@@ -10357,7 +15645,7 @@
         </p:nvSpPr>
         <p:spPr>
           <a:xfrm>
-            <a:off x="2633270" y="4095851"/>
+            <a:off x="8931360" y="2483169"/>
             <a:ext cx="444352" cy="340242"/>
           </a:xfrm>
           <a:prstGeom prst="rightArrow">
@@ -10392,10 +15680,10 @@
       </p:sp>
       <p:sp>
         <p:nvSpPr>
-          <p:cNvPr id="23" name="Arrow: Right 22">
+          <p:cNvPr id="25" name="Arrow: Right 24">
             <a:extLst>
               <a:ext uri="{FF2B5EF4-FFF2-40B4-BE49-F238E27FC236}">
-                <a16:creationId xmlns:a16="http://schemas.microsoft.com/office/drawing/2014/main" id="{22940F84-BA17-4704-B07A-9C6B5E56BAB2}"/>
+                <a16:creationId xmlns:a16="http://schemas.microsoft.com/office/drawing/2014/main" id="{D538AF7D-53FD-4C59-A3FF-9166103B9EA8}"/>
               </a:ext>
             </a:extLst>
           </p:cNvPr>
@@ -10404,7 +15692,7 @@
         </p:nvSpPr>
         <p:spPr>
           <a:xfrm>
-            <a:off x="2633270" y="6254009"/>
+            <a:off x="8637596" y="2820015"/>
             <a:ext cx="444352" cy="340242"/>
           </a:xfrm>
           <a:prstGeom prst="rightArrow">
@@ -10437,90 +15725,10 @@
           </a:p>
         </p:txBody>
       </p:sp>
-      <p:pic>
-        <p:nvPicPr>
-          <p:cNvPr id="25" name="Picture 24">
-            <a:extLst>
-              <a:ext uri="{FF2B5EF4-FFF2-40B4-BE49-F238E27FC236}">
-                <a16:creationId xmlns:a16="http://schemas.microsoft.com/office/drawing/2014/main" id="{6AB89CDA-AC3D-457B-9CBD-D8213F3A2893}"/>
-              </a:ext>
-            </a:extLst>
-          </p:cNvPr>
-          <p:cNvPicPr>
-            <a:picLocks noChangeAspect="1"/>
-          </p:cNvPicPr>
-          <p:nvPr/>
-        </p:nvPicPr>
-        <p:blipFill>
-          <a:blip r:embed="rId2" cstate="print">
-            <a:alphaModFix amt="43000"/>
-            <a:extLst>
-              <a:ext uri="{28A0092B-C50C-407E-A947-70E740481C1C}">
-                <a14:useLocalDpi xmlns:a14="http://schemas.microsoft.com/office/drawing/2010/main" val="0"/>
-              </a:ext>
-              <a:ext uri="{837473B0-CC2E-450A-ABE3-18F120FF3D39}">
-                <a1611:picAttrSrcUrl xmlns:a1611="http://schemas.microsoft.com/office/drawing/2016/11/main" r:id="rId3"/>
-              </a:ext>
-            </a:extLst>
-          </a:blip>
-          <a:stretch>
-            <a:fillRect/>
-          </a:stretch>
-        </p:blipFill>
-        <p:spPr>
-          <a:xfrm flipH="1">
-            <a:off x="1669807" y="3771106"/>
-            <a:ext cx="963463" cy="964266"/>
-          </a:xfrm>
-          <a:prstGeom prst="rect">
-            <a:avLst/>
-          </a:prstGeom>
-        </p:spPr>
-      </p:pic>
-      <p:pic>
-        <p:nvPicPr>
-          <p:cNvPr id="26" name="Picture 25">
-            <a:extLst>
-              <a:ext uri="{FF2B5EF4-FFF2-40B4-BE49-F238E27FC236}">
-                <a16:creationId xmlns:a16="http://schemas.microsoft.com/office/drawing/2014/main" id="{36C139BC-AE84-4088-81B5-1A38EDCB4E82}"/>
-              </a:ext>
-            </a:extLst>
-          </p:cNvPr>
-          <p:cNvPicPr>
-            <a:picLocks noChangeAspect="1"/>
-          </p:cNvPicPr>
-          <p:nvPr/>
-        </p:nvPicPr>
-        <p:blipFill>
-          <a:blip r:embed="rId2" cstate="print">
-            <a:alphaModFix amt="43000"/>
-            <a:extLst>
-              <a:ext uri="{28A0092B-C50C-407E-A947-70E740481C1C}">
-                <a14:useLocalDpi xmlns:a14="http://schemas.microsoft.com/office/drawing/2010/main" val="0"/>
-              </a:ext>
-              <a:ext uri="{837473B0-CC2E-450A-ABE3-18F120FF3D39}">
-                <a1611:picAttrSrcUrl xmlns:a1611="http://schemas.microsoft.com/office/drawing/2016/11/main" r:id="rId3"/>
-              </a:ext>
-            </a:extLst>
-          </a:blip>
-          <a:stretch>
-            <a:fillRect/>
-          </a:stretch>
-        </p:blipFill>
-        <p:spPr>
-          <a:xfrm flipH="1">
-            <a:off x="1901347" y="6032773"/>
-            <a:ext cx="752237" cy="752864"/>
-          </a:xfrm>
-          <a:prstGeom prst="rect">
-            <a:avLst/>
-          </a:prstGeom>
-        </p:spPr>
-      </p:pic>
     </p:spTree>
     <p:extLst>
       <p:ext uri="{BB962C8B-B14F-4D97-AF65-F5344CB8AC3E}">
-        <p14:creationId xmlns:p14="http://schemas.microsoft.com/office/powerpoint/2010/main" val="4249822410"/>
+        <p14:creationId xmlns:p14="http://schemas.microsoft.com/office/powerpoint/2010/main" val="617502619"/>
       </p:ext>
     </p:extLst>
   </p:cSld>
@@ -10530,7 +15738,7 @@
 </p:sld>
 </file>
 
-<file path=ppt/slides/slide6.xml><?xml version="1.0" encoding="utf-8"?>
+<file path=ppt/slides/slide7.xml><?xml version="1.0" encoding="utf-8"?>
 <p:sld xmlns:a="http://schemas.openxmlformats.org/drawingml/2006/main" xmlns:r="http://schemas.openxmlformats.org/officeDocument/2006/relationships" xmlns:p="http://schemas.openxmlformats.org/presentationml/2006/main">
   <p:cSld>
     <p:spTree>
@@ -10549,7 +15757,7 @@
       </p:grpSpPr>
       <p:sp>
         <p:nvSpPr>
-          <p:cNvPr id="12" name="Title 3">
+          <p:cNvPr id="3" name="Title 3">
             <a:extLst>
               <a:ext uri="{FF2B5EF4-FFF2-40B4-BE49-F238E27FC236}">
                 <a16:creationId xmlns:a16="http://schemas.microsoft.com/office/drawing/2014/main" id="{80B9D18A-462C-483F-9FBB-602613068FBC}"/>
@@ -10563,19 +15771,19 @@
         </p:nvSpPr>
         <p:spPr>
           <a:xfrm>
-            <a:off x="9363526" y="1243605"/>
-            <a:ext cx="2634125" cy="973719"/>
+            <a:off x="311239" y="79927"/>
+            <a:ext cx="11715356" cy="733426"/>
           </a:xfrm>
           <a:prstGeom prst="rect">
             <a:avLst/>
           </a:prstGeom>
           <a:solidFill>
-            <a:srgbClr val="FFFFFF"/>
+            <a:schemeClr val="accent3">
+              <a:alpha val="50000"/>
+            </a:schemeClr>
           </a:solidFill>
-          <a:ln w="76200">
-            <a:solidFill>
-              <a:srgbClr val="CC0066"/>
-            </a:solidFill>
+          <a:ln>
+            <a:noFill/>
           </a:ln>
         </p:spPr>
         <p:style>
@@ -10698,9 +15906,9 @@
           <a:p>
             <a:pPr algn="ctr"/>
             <a:r>
-              <a:rPr lang="en-US" sz="2800" b="1" u="sng" dirty="0">
-                <a:solidFill>
-                  <a:schemeClr val="tx1"/>
+              <a:rPr lang="en-US" sz="3600" b="1" dirty="0">
+                <a:solidFill>
+                  <a:srgbClr val="FFFF00"/>
                 </a:solidFill>
                 <a:effectLst>
                   <a:outerShdw blurRad="38100" dist="38100" dir="2700000" algn="tl">
@@ -10710,371 +15918,224 @@
                   </a:outerShdw>
                 </a:effectLst>
               </a:rPr>
-              <a:t>Technology</a:t>
-            </a:r>
+              <a:t>Monthly Sector Performance for 2020</a:t>
+            </a:r>
+          </a:p>
+        </p:txBody>
+      </p:sp>
+      <p:pic>
+        <p:nvPicPr>
+          <p:cNvPr id="12" name="Picture 11" descr="Chart, waterfall chart&#10;&#10;Description automatically generated">
+            <a:extLst>
+              <a:ext uri="{FF2B5EF4-FFF2-40B4-BE49-F238E27FC236}">
+                <a16:creationId xmlns:a16="http://schemas.microsoft.com/office/drawing/2014/main" id="{CC6D3A52-BE7F-4044-8A26-CD14E6AD0241}"/>
+              </a:ext>
+            </a:extLst>
+          </p:cNvPr>
+          <p:cNvPicPr>
+            <a:picLocks noChangeAspect="1"/>
+          </p:cNvPicPr>
+          <p:nvPr/>
+        </p:nvPicPr>
+        <p:blipFill>
+          <a:blip r:embed="rId3">
+            <a:extLst>
+              <a:ext uri="{28A0092B-C50C-407E-A947-70E740481C1C}">
+                <a14:useLocalDpi xmlns:a14="http://schemas.microsoft.com/office/drawing/2010/main" val="0"/>
+              </a:ext>
+            </a:extLst>
+          </a:blip>
+          <a:stretch>
+            <a:fillRect/>
+          </a:stretch>
+        </p:blipFill>
+        <p:spPr>
+          <a:xfrm>
+            <a:off x="1364032" y="940274"/>
+            <a:ext cx="9463936" cy="5752739"/>
+          </a:xfrm>
+          <a:prstGeom prst="rect">
+            <a:avLst/>
+          </a:prstGeom>
+        </p:spPr>
+      </p:pic>
+      <p:sp>
+        <p:nvSpPr>
+          <p:cNvPr id="4" name="Arrow: Right 3">
+            <a:extLst>
+              <a:ext uri="{FF2B5EF4-FFF2-40B4-BE49-F238E27FC236}">
+                <a16:creationId xmlns:a16="http://schemas.microsoft.com/office/drawing/2014/main" id="{32462B8D-AB4B-4538-A6A4-25C26AC05D79}"/>
+              </a:ext>
+            </a:extLst>
+          </p:cNvPr>
+          <p:cNvSpPr/>
+          <p:nvPr/>
+        </p:nvSpPr>
+        <p:spPr>
+          <a:xfrm rot="16200000">
+            <a:off x="2548230" y="2599495"/>
+            <a:ext cx="444352" cy="340242"/>
+          </a:xfrm>
+          <a:prstGeom prst="rightArrow">
+            <a:avLst/>
+          </a:prstGeom>
+          <a:solidFill>
+            <a:srgbClr val="FF0000"/>
+          </a:solidFill>
+        </p:spPr>
+        <p:style>
+          <a:lnRef idx="1">
+            <a:schemeClr val="dk1"/>
+          </a:lnRef>
+          <a:fillRef idx="2">
+            <a:schemeClr val="dk1"/>
+          </a:fillRef>
+          <a:effectRef idx="1">
+            <a:schemeClr val="dk1"/>
+          </a:effectRef>
+          <a:fontRef idx="minor">
+            <a:schemeClr val="dk1"/>
+          </a:fontRef>
+        </p:style>
+        <p:txBody>
+          <a:bodyPr rtlCol="0" anchor="ctr"/>
+          <a:lstStyle/>
+          <a:p>
+            <a:pPr algn="ctr"/>
+            <a:endParaRPr lang="en-US"/>
           </a:p>
         </p:txBody>
       </p:sp>
       <p:sp>
         <p:nvSpPr>
-          <p:cNvPr id="13" name="Title 3">
+          <p:cNvPr id="5" name="Arrow: Right 4">
             <a:extLst>
               <a:ext uri="{FF2B5EF4-FFF2-40B4-BE49-F238E27FC236}">
-                <a16:creationId xmlns:a16="http://schemas.microsoft.com/office/drawing/2014/main" id="{80B9D18A-462C-483F-9FBB-602613068FBC}"/>
+                <a16:creationId xmlns:a16="http://schemas.microsoft.com/office/drawing/2014/main" id="{375E1BB8-C772-4676-9797-A0EE5A8D0D64}"/>
               </a:ext>
             </a:extLst>
           </p:cNvPr>
-          <p:cNvSpPr txBox="1">
-            <a:spLocks/>
-          </p:cNvSpPr>
+          <p:cNvSpPr/>
           <p:nvPr/>
         </p:nvSpPr>
         <p:spPr>
-          <a:xfrm>
-            <a:off x="9363526" y="3105408"/>
-            <a:ext cx="2663069" cy="973719"/>
+          <a:xfrm rot="16200000">
+            <a:off x="4903502" y="2599494"/>
+            <a:ext cx="444352" cy="340242"/>
           </a:xfrm>
-          <a:prstGeom prst="rect">
+          <a:prstGeom prst="rightArrow">
             <a:avLst/>
           </a:prstGeom>
           <a:solidFill>
-            <a:srgbClr val="FFFFFF"/>
+            <a:srgbClr val="FF0000"/>
           </a:solidFill>
-          <a:ln w="76200">
-            <a:solidFill>
-              <a:srgbClr val="CC0066"/>
-            </a:solidFill>
-          </a:ln>
         </p:spPr>
         <p:style>
-          <a:lnRef idx="0">
-            <a:scrgbClr r="0" g="0" b="0"/>
+          <a:lnRef idx="1">
+            <a:schemeClr val="dk1"/>
           </a:lnRef>
-          <a:fillRef idx="0">
-            <a:scrgbClr r="0" g="0" b="0"/>
+          <a:fillRef idx="2">
+            <a:schemeClr val="dk1"/>
           </a:fillRef>
-          <a:effectRef idx="0">
-            <a:scrgbClr r="0" g="0" b="0"/>
+          <a:effectRef idx="1">
+            <a:schemeClr val="dk1"/>
           </a:effectRef>
           <a:fontRef idx="minor">
-            <a:schemeClr val="lt1"/>
+            <a:schemeClr val="dk1"/>
           </a:fontRef>
         </p:style>
         <p:txBody>
-          <a:bodyPr vert="horz" lIns="91440" tIns="45720" rIns="91440" bIns="45720" rtlCol="0" anchor="ctr">
-            <a:noAutofit/>
-          </a:bodyPr>
-          <a:lstStyle>
-            <a:lvl1pPr algn="l" defTabSz="914400" rtl="0" eaLnBrk="1" latinLnBrk="0" hangingPunct="1">
-              <a:lnSpc>
-                <a:spcPct val="90000"/>
-              </a:lnSpc>
-              <a:spcBef>
-                <a:spcPct val="0"/>
-              </a:spcBef>
-              <a:buNone/>
-              <a:defRPr sz="4400" kern="1200">
-                <a:solidFill>
-                  <a:schemeClr val="dk1"/>
-                </a:solidFill>
-                <a:latin typeface="+mn-lt"/>
-                <a:ea typeface="+mn-ea"/>
-                <a:cs typeface="+mn-cs"/>
-              </a:defRPr>
-            </a:lvl1pPr>
-            <a:lvl2pPr>
-              <a:defRPr>
-                <a:solidFill>
-                  <a:schemeClr val="dk1"/>
-                </a:solidFill>
-                <a:latin typeface="+mn-lt"/>
-                <a:ea typeface="+mn-ea"/>
-                <a:cs typeface="+mn-cs"/>
-              </a:defRPr>
-            </a:lvl2pPr>
-            <a:lvl3pPr>
-              <a:defRPr>
-                <a:solidFill>
-                  <a:schemeClr val="dk1"/>
-                </a:solidFill>
-                <a:latin typeface="+mn-lt"/>
-                <a:ea typeface="+mn-ea"/>
-                <a:cs typeface="+mn-cs"/>
-              </a:defRPr>
-            </a:lvl3pPr>
-            <a:lvl4pPr>
-              <a:defRPr>
-                <a:solidFill>
-                  <a:schemeClr val="dk1"/>
-                </a:solidFill>
-                <a:latin typeface="+mn-lt"/>
-                <a:ea typeface="+mn-ea"/>
-                <a:cs typeface="+mn-cs"/>
-              </a:defRPr>
-            </a:lvl4pPr>
-            <a:lvl5pPr>
-              <a:defRPr>
-                <a:solidFill>
-                  <a:schemeClr val="dk1"/>
-                </a:solidFill>
-                <a:latin typeface="+mn-lt"/>
-                <a:ea typeface="+mn-ea"/>
-                <a:cs typeface="+mn-cs"/>
-              </a:defRPr>
-            </a:lvl5pPr>
-            <a:lvl6pPr>
-              <a:defRPr>
-                <a:solidFill>
-                  <a:schemeClr val="dk1"/>
-                </a:solidFill>
-                <a:latin typeface="+mn-lt"/>
-                <a:ea typeface="+mn-ea"/>
-                <a:cs typeface="+mn-cs"/>
-              </a:defRPr>
-            </a:lvl6pPr>
-            <a:lvl7pPr>
-              <a:defRPr>
-                <a:solidFill>
-                  <a:schemeClr val="dk1"/>
-                </a:solidFill>
-                <a:latin typeface="+mn-lt"/>
-                <a:ea typeface="+mn-ea"/>
-                <a:cs typeface="+mn-cs"/>
-              </a:defRPr>
-            </a:lvl7pPr>
-            <a:lvl8pPr>
-              <a:defRPr>
-                <a:solidFill>
-                  <a:schemeClr val="dk1"/>
-                </a:solidFill>
-                <a:latin typeface="+mn-lt"/>
-                <a:ea typeface="+mn-ea"/>
-                <a:cs typeface="+mn-cs"/>
-              </a:defRPr>
-            </a:lvl8pPr>
-            <a:lvl9pPr>
-              <a:defRPr>
-                <a:solidFill>
-                  <a:schemeClr val="dk1"/>
-                </a:solidFill>
-                <a:latin typeface="+mn-lt"/>
-                <a:ea typeface="+mn-ea"/>
-                <a:cs typeface="+mn-cs"/>
-              </a:defRPr>
-            </a:lvl9pPr>
-          </a:lstStyle>
+          <a:bodyPr rtlCol="0" anchor="ctr"/>
+          <a:lstStyle/>
           <a:p>
             <a:pPr algn="ctr"/>
-            <a:r>
-              <a:rPr lang="en-US" sz="2800" b="1" u="sng" dirty="0">
-                <a:solidFill>
-                  <a:schemeClr val="tx1"/>
-                </a:solidFill>
-                <a:effectLst>
-                  <a:outerShdw blurRad="38100" dist="38100" dir="2700000" algn="tl">
-                    <a:srgbClr val="000000">
-                      <a:alpha val="43137"/>
-                    </a:srgbClr>
-                  </a:outerShdw>
-                </a:effectLst>
-              </a:rPr>
-              <a:t>Basic Materials</a:t>
-            </a:r>
+            <a:endParaRPr lang="en-US"/>
           </a:p>
         </p:txBody>
       </p:sp>
       <p:sp>
         <p:nvSpPr>
-          <p:cNvPr id="14" name="Title 3">
+          <p:cNvPr id="6" name="Arrow: Right 5">
             <a:extLst>
               <a:ext uri="{FF2B5EF4-FFF2-40B4-BE49-F238E27FC236}">
-                <a16:creationId xmlns:a16="http://schemas.microsoft.com/office/drawing/2014/main" id="{80B9D18A-462C-483F-9FBB-602613068FBC}"/>
+                <a16:creationId xmlns:a16="http://schemas.microsoft.com/office/drawing/2014/main" id="{5745F6D1-B8D5-4305-9A6D-5C7938D49491}"/>
               </a:ext>
             </a:extLst>
           </p:cNvPr>
-          <p:cNvSpPr txBox="1">
-            <a:spLocks/>
-          </p:cNvSpPr>
+          <p:cNvSpPr/>
           <p:nvPr/>
         </p:nvSpPr>
         <p:spPr>
-          <a:xfrm>
-            <a:off x="9349053" y="4977531"/>
-            <a:ext cx="2663069" cy="1014191"/>
+          <a:xfrm rot="16200000">
+            <a:off x="9199418" y="2599494"/>
+            <a:ext cx="444352" cy="340242"/>
           </a:xfrm>
-          <a:prstGeom prst="rect">
+          <a:prstGeom prst="rightArrow">
             <a:avLst/>
           </a:prstGeom>
           <a:solidFill>
-            <a:srgbClr val="FFFFFF"/>
+            <a:srgbClr val="FF0000"/>
           </a:solidFill>
-          <a:ln w="76200">
-            <a:solidFill>
-              <a:srgbClr val="CC0066"/>
-            </a:solidFill>
-          </a:ln>
         </p:spPr>
         <p:style>
-          <a:lnRef idx="0">
-            <a:scrgbClr r="0" g="0" b="0"/>
+          <a:lnRef idx="1">
+            <a:schemeClr val="dk1"/>
           </a:lnRef>
-          <a:fillRef idx="0">
-            <a:scrgbClr r="0" g="0" b="0"/>
+          <a:fillRef idx="2">
+            <a:schemeClr val="dk1"/>
           </a:fillRef>
-          <a:effectRef idx="0">
-            <a:scrgbClr r="0" g="0" b="0"/>
+          <a:effectRef idx="1">
+            <a:schemeClr val="dk1"/>
           </a:effectRef>
           <a:fontRef idx="minor">
-            <a:schemeClr val="lt1"/>
+            <a:schemeClr val="dk1"/>
           </a:fontRef>
         </p:style>
         <p:txBody>
-          <a:bodyPr vert="horz" lIns="91440" tIns="45720" rIns="91440" bIns="45720" rtlCol="0" anchor="ctr">
-            <a:noAutofit/>
-          </a:bodyPr>
-          <a:lstStyle>
-            <a:lvl1pPr algn="l" defTabSz="914400" rtl="0" eaLnBrk="1" latinLnBrk="0" hangingPunct="1">
-              <a:lnSpc>
-                <a:spcPct val="90000"/>
-              </a:lnSpc>
-              <a:spcBef>
-                <a:spcPct val="0"/>
-              </a:spcBef>
-              <a:buNone/>
-              <a:defRPr sz="4400" kern="1200">
-                <a:solidFill>
-                  <a:schemeClr val="dk1"/>
-                </a:solidFill>
-                <a:latin typeface="+mn-lt"/>
-                <a:ea typeface="+mn-ea"/>
-                <a:cs typeface="+mn-cs"/>
-              </a:defRPr>
-            </a:lvl1pPr>
-            <a:lvl2pPr>
-              <a:defRPr>
-                <a:solidFill>
-                  <a:schemeClr val="dk1"/>
-                </a:solidFill>
-                <a:latin typeface="+mn-lt"/>
-                <a:ea typeface="+mn-ea"/>
-                <a:cs typeface="+mn-cs"/>
-              </a:defRPr>
-            </a:lvl2pPr>
-            <a:lvl3pPr>
-              <a:defRPr>
-                <a:solidFill>
-                  <a:schemeClr val="dk1"/>
-                </a:solidFill>
-                <a:latin typeface="+mn-lt"/>
-                <a:ea typeface="+mn-ea"/>
-                <a:cs typeface="+mn-cs"/>
-              </a:defRPr>
-            </a:lvl3pPr>
-            <a:lvl4pPr>
-              <a:defRPr>
-                <a:solidFill>
-                  <a:schemeClr val="dk1"/>
-                </a:solidFill>
-                <a:latin typeface="+mn-lt"/>
-                <a:ea typeface="+mn-ea"/>
-                <a:cs typeface="+mn-cs"/>
-              </a:defRPr>
-            </a:lvl4pPr>
-            <a:lvl5pPr>
-              <a:defRPr>
-                <a:solidFill>
-                  <a:schemeClr val="dk1"/>
-                </a:solidFill>
-                <a:latin typeface="+mn-lt"/>
-                <a:ea typeface="+mn-ea"/>
-                <a:cs typeface="+mn-cs"/>
-              </a:defRPr>
-            </a:lvl5pPr>
-            <a:lvl6pPr>
-              <a:defRPr>
-                <a:solidFill>
-                  <a:schemeClr val="dk1"/>
-                </a:solidFill>
-                <a:latin typeface="+mn-lt"/>
-                <a:ea typeface="+mn-ea"/>
-                <a:cs typeface="+mn-cs"/>
-              </a:defRPr>
-            </a:lvl6pPr>
-            <a:lvl7pPr>
-              <a:defRPr>
-                <a:solidFill>
-                  <a:schemeClr val="dk1"/>
-                </a:solidFill>
-                <a:latin typeface="+mn-lt"/>
-                <a:ea typeface="+mn-ea"/>
-                <a:cs typeface="+mn-cs"/>
-              </a:defRPr>
-            </a:lvl7pPr>
-            <a:lvl8pPr>
-              <a:defRPr>
-                <a:solidFill>
-                  <a:schemeClr val="dk1"/>
-                </a:solidFill>
-                <a:latin typeface="+mn-lt"/>
-                <a:ea typeface="+mn-ea"/>
-                <a:cs typeface="+mn-cs"/>
-              </a:defRPr>
-            </a:lvl8pPr>
-            <a:lvl9pPr>
-              <a:defRPr>
-                <a:solidFill>
-                  <a:schemeClr val="dk1"/>
-                </a:solidFill>
-                <a:latin typeface="+mn-lt"/>
-                <a:ea typeface="+mn-ea"/>
-                <a:cs typeface="+mn-cs"/>
-              </a:defRPr>
-            </a:lvl9pPr>
-          </a:lstStyle>
+          <a:bodyPr rtlCol="0" anchor="ctr"/>
+          <a:lstStyle/>
           <a:p>
             <a:pPr algn="ctr"/>
-            <a:r>
-              <a:rPr lang="en-US" sz="2800" b="1" u="sng" dirty="0">
-                <a:solidFill>
-                  <a:schemeClr val="tx1"/>
-                </a:solidFill>
-                <a:effectLst>
-                  <a:outerShdw blurRad="38100" dist="38100" dir="2700000" algn="tl">
-                    <a:srgbClr val="000000">
-                      <a:alpha val="43137"/>
-                    </a:srgbClr>
-                  </a:outerShdw>
-                </a:effectLst>
-              </a:rPr>
-              <a:t>Consumer </a:t>
-            </a:r>
-          </a:p>
-          <a:p>
-            <a:pPr algn="ctr"/>
-            <a:r>
-              <a:rPr lang="en-US" sz="2800" b="1" u="sng" dirty="0">
-                <a:solidFill>
-                  <a:schemeClr val="tx1"/>
-                </a:solidFill>
-                <a:effectLst>
-                  <a:outerShdw blurRad="38100" dist="38100" dir="2700000" algn="tl">
-                    <a:srgbClr val="000000">
-                      <a:alpha val="43137"/>
-                    </a:srgbClr>
-                  </a:outerShdw>
-                </a:effectLst>
-              </a:rPr>
-              <a:t>Defense</a:t>
-            </a:r>
+            <a:endParaRPr lang="en-US"/>
           </a:p>
         </p:txBody>
       </p:sp>
+    </p:spTree>
+    <p:extLst>
+      <p:ext uri="{BB962C8B-B14F-4D97-AF65-F5344CB8AC3E}">
+        <p14:creationId xmlns:p14="http://schemas.microsoft.com/office/powerpoint/2010/main" val="3817611178"/>
+      </p:ext>
+    </p:extLst>
+  </p:cSld>
+  <p:clrMapOvr>
+    <a:masterClrMapping/>
+  </p:clrMapOvr>
+</p:sld>
+</file>
+
+<file path=ppt/slides/slide8.xml><?xml version="1.0" encoding="utf-8"?>
+<p:sld xmlns:a="http://schemas.openxmlformats.org/drawingml/2006/main" xmlns:r="http://schemas.openxmlformats.org/officeDocument/2006/relationships" xmlns:p="http://schemas.openxmlformats.org/presentationml/2006/main">
+  <p:cSld>
+    <p:spTree>
+      <p:nvGrpSpPr>
+        <p:cNvPr id="1" name=""/>
+        <p:cNvGrpSpPr/>
+        <p:nvPr/>
+      </p:nvGrpSpPr>
+      <p:grpSpPr>
+        <a:xfrm>
+          <a:off x="0" y="0"/>
+          <a:ext cx="0" cy="0"/>
+          <a:chOff x="0" y="0"/>
+          <a:chExt cx="0" cy="0"/>
+        </a:xfrm>
+      </p:grpSpPr>
       <p:sp>
         <p:nvSpPr>
-          <p:cNvPr id="35" name="Title 3">
+          <p:cNvPr id="8" name="Title 3">
             <a:extLst>
               <a:ext uri="{FF2B5EF4-FFF2-40B4-BE49-F238E27FC236}">
-                <a16:creationId xmlns:a16="http://schemas.microsoft.com/office/drawing/2014/main" id="{80B9D18A-462C-483F-9FBB-602613068FBC}"/>
+                <a16:creationId xmlns:a16="http://schemas.microsoft.com/office/drawing/2014/main" id="{976A8074-0F5F-4DCD-B590-DCEAD096E28D}"/>
               </a:ext>
             </a:extLst>
           </p:cNvPr>
@@ -11232,571 +16293,17 @@
                   </a:outerShdw>
                 </a:effectLst>
               </a:rPr>
-              <a:t>A closer look at some industry sectors and their companies</a:t>
-            </a:r>
-          </a:p>
-        </p:txBody>
-      </p:sp>
-      <p:grpSp>
-        <p:nvGrpSpPr>
-          <p:cNvPr id="10" name="Group 9"/>
-          <p:cNvGrpSpPr/>
-          <p:nvPr/>
-        </p:nvGrpSpPr>
-        <p:grpSpPr>
-          <a:xfrm>
-            <a:off x="194349" y="1243605"/>
-            <a:ext cx="7705642" cy="5365792"/>
-            <a:chOff x="495117" y="4000592"/>
-            <a:chExt cx="5364946" cy="2251716"/>
-          </a:xfrm>
-          <a:effectLst>
-            <a:outerShdw blurRad="190500" dist="165100" dir="2760000" sx="97000" sy="97000" algn="ctr" rotWithShape="0">
-              <a:schemeClr val="bg1">
-                <a:alpha val="75000"/>
-              </a:schemeClr>
-            </a:outerShdw>
-          </a:effectLst>
-        </p:grpSpPr>
-        <p:pic>
-          <p:nvPicPr>
-            <p:cNvPr id="2" name="Picture 1"/>
-            <p:cNvPicPr>
-              <a:picLocks noChangeAspect="1"/>
-            </p:cNvPicPr>
-            <p:nvPr/>
-          </p:nvPicPr>
-          <p:blipFill rotWithShape="1">
-            <a:blip r:embed="rId2">
-              <a:extLst>
-                <a:ext uri="{28A0092B-C50C-407E-A947-70E740481C1C}">
-                  <a14:useLocalDpi xmlns:a14="http://schemas.microsoft.com/office/drawing/2010/main" val="0"/>
-                </a:ext>
-              </a:extLst>
-            </a:blip>
-            <a:srcRect t="1" b="71205"/>
-            <a:stretch/>
-          </p:blipFill>
-          <p:spPr>
-            <a:xfrm>
-              <a:off x="495118" y="4000592"/>
-              <a:ext cx="5364945" cy="1345131"/>
-            </a:xfrm>
-            <a:prstGeom prst="rect">
-              <a:avLst/>
-            </a:prstGeom>
-          </p:spPr>
-        </p:pic>
-        <p:pic>
-          <p:nvPicPr>
-            <p:cNvPr id="8" name="Picture 7"/>
-            <p:cNvPicPr>
-              <a:picLocks noChangeAspect="1"/>
-            </p:cNvPicPr>
-            <p:nvPr/>
-          </p:nvPicPr>
-          <p:blipFill rotWithShape="1">
-            <a:blip r:embed="rId3">
-              <a:extLst>
-                <a:ext uri="{BEBA8EAE-BF5A-486C-A8C5-ECC9F3942E4B}">
-                  <a14:imgProps xmlns:a14="http://schemas.microsoft.com/office/drawing/2010/main">
-                    <a14:imgLayer r:embed="rId4">
-                      <a14:imgEffect>
-                        <a14:sharpenSoften amount="-47000"/>
-                      </a14:imgEffect>
-                    </a14:imgLayer>
-                  </a14:imgProps>
-                </a:ext>
-                <a:ext uri="{28A0092B-C50C-407E-A947-70E740481C1C}">
-                  <a14:useLocalDpi xmlns:a14="http://schemas.microsoft.com/office/drawing/2010/main" val="0"/>
-                </a:ext>
-              </a:extLst>
-            </a:blip>
-            <a:srcRect t="28879" b="51714"/>
-            <a:stretch/>
-          </p:blipFill>
-          <p:spPr>
-            <a:xfrm>
-              <a:off x="495117" y="5345723"/>
-              <a:ext cx="5364945" cy="906585"/>
-            </a:xfrm>
-            <a:prstGeom prst="rect">
-              <a:avLst/>
-            </a:prstGeom>
-            <a:effectLst>
-              <a:outerShdw blurRad="749300" dist="50800" dir="5400000" algn="ctr" rotWithShape="0">
-                <a:srgbClr val="000000">
-                  <a:alpha val="48000"/>
-                </a:srgbClr>
-              </a:outerShdw>
-            </a:effectLst>
-          </p:spPr>
-        </p:pic>
-      </p:grpSp>
-      <p:cxnSp>
-        <p:nvCxnSpPr>
-          <p:cNvPr id="9" name="Straight Arrow Connector 8">
-            <a:extLst>
-              <a:ext uri="{FF2B5EF4-FFF2-40B4-BE49-F238E27FC236}">
-                <a16:creationId xmlns:a16="http://schemas.microsoft.com/office/drawing/2014/main" id="{E20A5AB2-3C8E-42AF-B3C1-187C0B80BFC2}"/>
-              </a:ext>
-            </a:extLst>
-          </p:cNvPr>
-          <p:cNvCxnSpPr>
-            <a:cxnSpLocks/>
-            <a:stCxn id="2" idx="3"/>
-            <a:endCxn id="12" idx="1"/>
-          </p:cNvCxnSpPr>
-          <p:nvPr/>
-        </p:nvCxnSpPr>
-        <p:spPr>
-          <a:xfrm flipV="1">
-            <a:off x="7899991" y="1730465"/>
-            <a:ext cx="1463535" cy="1115850"/>
-          </a:xfrm>
-          <a:prstGeom prst="bentConnector3">
-            <a:avLst>
-              <a:gd name="adj1" fmla="val 50000"/>
-            </a:avLst>
-          </a:prstGeom>
-          <a:ln w="76200">
-            <a:solidFill>
-              <a:srgbClr val="CC0066"/>
-            </a:solidFill>
-            <a:tailEnd type="triangle"/>
-          </a:ln>
-        </p:spPr>
-        <p:style>
-          <a:lnRef idx="1">
-            <a:schemeClr val="accent1"/>
-          </a:lnRef>
-          <a:fillRef idx="0">
-            <a:schemeClr val="accent1"/>
-          </a:fillRef>
-          <a:effectRef idx="0">
-            <a:schemeClr val="accent1"/>
-          </a:effectRef>
-          <a:fontRef idx="minor">
-            <a:schemeClr val="tx1"/>
-          </a:fontRef>
-        </p:style>
-      </p:cxnSp>
-      <p:cxnSp>
-        <p:nvCxnSpPr>
-          <p:cNvPr id="15" name="Straight Arrow Connector 14">
-            <a:extLst>
-              <a:ext uri="{FF2B5EF4-FFF2-40B4-BE49-F238E27FC236}">
-                <a16:creationId xmlns:a16="http://schemas.microsoft.com/office/drawing/2014/main" id="{2E5C170A-0614-41EF-83C8-ADC71BCDF144}"/>
-              </a:ext>
-            </a:extLst>
-          </p:cNvPr>
-          <p:cNvCxnSpPr>
-            <a:cxnSpLocks/>
-            <a:stCxn id="2" idx="3"/>
-            <a:endCxn id="13" idx="1"/>
-          </p:cNvCxnSpPr>
-          <p:nvPr/>
-        </p:nvCxnSpPr>
-        <p:spPr>
-          <a:xfrm>
-            <a:off x="7899991" y="2846315"/>
-            <a:ext cx="1463535" cy="745953"/>
-          </a:xfrm>
-          <a:prstGeom prst="bentConnector3">
-            <a:avLst>
-              <a:gd name="adj1" fmla="val 50000"/>
-            </a:avLst>
-          </a:prstGeom>
-          <a:ln w="76200">
-            <a:solidFill>
-              <a:srgbClr val="CC0066"/>
-            </a:solidFill>
-            <a:tailEnd type="triangle"/>
-          </a:ln>
-        </p:spPr>
-        <p:style>
-          <a:lnRef idx="1">
-            <a:schemeClr val="accent1"/>
-          </a:lnRef>
-          <a:fillRef idx="0">
-            <a:schemeClr val="accent1"/>
-          </a:fillRef>
-          <a:effectRef idx="0">
-            <a:schemeClr val="accent1"/>
-          </a:effectRef>
-          <a:fontRef idx="minor">
-            <a:schemeClr val="tx1"/>
-          </a:fontRef>
-        </p:style>
-      </p:cxnSp>
-      <p:cxnSp>
-        <p:nvCxnSpPr>
-          <p:cNvPr id="26" name="Straight Arrow Connector 25">
-            <a:extLst>
-              <a:ext uri="{FF2B5EF4-FFF2-40B4-BE49-F238E27FC236}">
-                <a16:creationId xmlns:a16="http://schemas.microsoft.com/office/drawing/2014/main" id="{14E8BE93-8AD1-4436-8BF3-519279D8C74A}"/>
-              </a:ext>
-            </a:extLst>
-          </p:cNvPr>
-          <p:cNvCxnSpPr>
-            <a:cxnSpLocks/>
-            <a:stCxn id="2" idx="3"/>
-            <a:endCxn id="14" idx="1"/>
-          </p:cNvCxnSpPr>
-          <p:nvPr/>
-        </p:nvCxnSpPr>
-        <p:spPr>
-          <a:xfrm>
-            <a:off x="7899991" y="2846315"/>
-            <a:ext cx="1449062" cy="2638312"/>
-          </a:xfrm>
-          <a:prstGeom prst="bentConnector3">
-            <a:avLst>
-              <a:gd name="adj1" fmla="val 50000"/>
-            </a:avLst>
-          </a:prstGeom>
-          <a:ln w="76200">
-            <a:solidFill>
-              <a:srgbClr val="CC0066"/>
-            </a:solidFill>
-            <a:tailEnd type="triangle"/>
-          </a:ln>
-        </p:spPr>
-        <p:style>
-          <a:lnRef idx="1">
-            <a:schemeClr val="accent1"/>
-          </a:lnRef>
-          <a:fillRef idx="0">
-            <a:schemeClr val="accent1"/>
-          </a:fillRef>
-          <a:effectRef idx="0">
-            <a:schemeClr val="accent1"/>
-          </a:effectRef>
-          <a:fontRef idx="minor">
-            <a:schemeClr val="tx1"/>
-          </a:fontRef>
-        </p:style>
-      </p:cxnSp>
-    </p:spTree>
-    <p:extLst>
-      <p:ext uri="{BB962C8B-B14F-4D97-AF65-F5344CB8AC3E}">
-        <p14:creationId xmlns:p14="http://schemas.microsoft.com/office/powerpoint/2010/main" val="4125051428"/>
-      </p:ext>
-    </p:extLst>
-  </p:cSld>
-  <p:clrMapOvr>
-    <a:masterClrMapping/>
-  </p:clrMapOvr>
-</p:sld>
-</file>
-
-<file path=ppt/slides/slide7.xml><?xml version="1.0" encoding="utf-8"?>
-<p:sld xmlns:a="http://schemas.openxmlformats.org/drawingml/2006/main" xmlns:r="http://schemas.openxmlformats.org/officeDocument/2006/relationships" xmlns:p="http://schemas.openxmlformats.org/presentationml/2006/main">
-  <p:cSld>
-    <p:bg>
-      <p:bgPr>
-        <a:solidFill>
-          <a:schemeClr val="bg1">
-            <a:lumMod val="95000"/>
-          </a:schemeClr>
-        </a:solidFill>
-        <a:effectLst/>
-      </p:bgPr>
-    </p:bg>
-    <p:spTree>
-      <p:nvGrpSpPr>
-        <p:cNvPr id="1" name=""/>
-        <p:cNvGrpSpPr/>
-        <p:nvPr/>
-      </p:nvGrpSpPr>
-      <p:grpSpPr>
-        <a:xfrm>
-          <a:off x="0" y="0"/>
-          <a:ext cx="0" cy="0"/>
-          <a:chOff x="0" y="0"/>
-          <a:chExt cx="0" cy="0"/>
-        </a:xfrm>
-      </p:grpSpPr>
-      <p:sp>
-        <p:nvSpPr>
-          <p:cNvPr id="3" name="Title 3">
-            <a:extLst>
-              <a:ext uri="{FF2B5EF4-FFF2-40B4-BE49-F238E27FC236}">
-                <a16:creationId xmlns:a16="http://schemas.microsoft.com/office/drawing/2014/main" id="{80B9D18A-462C-483F-9FBB-602613068FBC}"/>
-              </a:ext>
-            </a:extLst>
-          </p:cNvPr>
-          <p:cNvSpPr txBox="1">
-            <a:spLocks/>
-          </p:cNvSpPr>
-          <p:nvPr/>
-        </p:nvSpPr>
-        <p:spPr>
-          <a:xfrm>
-            <a:off x="311239" y="79927"/>
-            <a:ext cx="11715356" cy="733426"/>
-          </a:xfrm>
-          <a:prstGeom prst="rect">
-            <a:avLst/>
-          </a:prstGeom>
-          <a:solidFill>
-            <a:schemeClr val="accent5">
-              <a:lumMod val="50000"/>
-              <a:alpha val="50000"/>
-            </a:schemeClr>
-          </a:solidFill>
-          <a:ln>
-            <a:noFill/>
-          </a:ln>
-        </p:spPr>
-        <p:style>
-          <a:lnRef idx="0">
-            <a:scrgbClr r="0" g="0" b="0"/>
-          </a:lnRef>
-          <a:fillRef idx="0">
-            <a:scrgbClr r="0" g="0" b="0"/>
-          </a:fillRef>
-          <a:effectRef idx="0">
-            <a:scrgbClr r="0" g="0" b="0"/>
-          </a:effectRef>
-          <a:fontRef idx="minor">
-            <a:schemeClr val="lt1"/>
-          </a:fontRef>
-        </p:style>
-        <p:txBody>
-          <a:bodyPr vert="horz" lIns="91440" tIns="45720" rIns="91440" bIns="45720" rtlCol="0" anchor="ctr">
-            <a:noAutofit/>
-          </a:bodyPr>
-          <a:lstStyle>
-            <a:lvl1pPr algn="l" defTabSz="914400" rtl="0" eaLnBrk="1" latinLnBrk="0" hangingPunct="1">
-              <a:lnSpc>
-                <a:spcPct val="90000"/>
-              </a:lnSpc>
-              <a:spcBef>
-                <a:spcPct val="0"/>
-              </a:spcBef>
-              <a:buNone/>
-              <a:defRPr sz="4400" kern="1200">
-                <a:solidFill>
-                  <a:schemeClr val="dk1"/>
-                </a:solidFill>
-                <a:latin typeface="+mn-lt"/>
-                <a:ea typeface="+mn-ea"/>
-                <a:cs typeface="+mn-cs"/>
-              </a:defRPr>
-            </a:lvl1pPr>
-            <a:lvl2pPr>
-              <a:defRPr>
-                <a:solidFill>
-                  <a:schemeClr val="dk1"/>
-                </a:solidFill>
-                <a:latin typeface="+mn-lt"/>
-                <a:ea typeface="+mn-ea"/>
-                <a:cs typeface="+mn-cs"/>
-              </a:defRPr>
-            </a:lvl2pPr>
-            <a:lvl3pPr>
-              <a:defRPr>
-                <a:solidFill>
-                  <a:schemeClr val="dk1"/>
-                </a:solidFill>
-                <a:latin typeface="+mn-lt"/>
-                <a:ea typeface="+mn-ea"/>
-                <a:cs typeface="+mn-cs"/>
-              </a:defRPr>
-            </a:lvl3pPr>
-            <a:lvl4pPr>
-              <a:defRPr>
-                <a:solidFill>
-                  <a:schemeClr val="dk1"/>
-                </a:solidFill>
-                <a:latin typeface="+mn-lt"/>
-                <a:ea typeface="+mn-ea"/>
-                <a:cs typeface="+mn-cs"/>
-              </a:defRPr>
-            </a:lvl4pPr>
-            <a:lvl5pPr>
-              <a:defRPr>
-                <a:solidFill>
-                  <a:schemeClr val="dk1"/>
-                </a:solidFill>
-                <a:latin typeface="+mn-lt"/>
-                <a:ea typeface="+mn-ea"/>
-                <a:cs typeface="+mn-cs"/>
-              </a:defRPr>
-            </a:lvl5pPr>
-            <a:lvl6pPr>
-              <a:defRPr>
-                <a:solidFill>
-                  <a:schemeClr val="dk1"/>
-                </a:solidFill>
-                <a:latin typeface="+mn-lt"/>
-                <a:ea typeface="+mn-ea"/>
-                <a:cs typeface="+mn-cs"/>
-              </a:defRPr>
-            </a:lvl6pPr>
-            <a:lvl7pPr>
-              <a:defRPr>
-                <a:solidFill>
-                  <a:schemeClr val="dk1"/>
-                </a:solidFill>
-                <a:latin typeface="+mn-lt"/>
-                <a:ea typeface="+mn-ea"/>
-                <a:cs typeface="+mn-cs"/>
-              </a:defRPr>
-            </a:lvl7pPr>
-            <a:lvl8pPr>
-              <a:defRPr>
-                <a:solidFill>
-                  <a:schemeClr val="dk1"/>
-                </a:solidFill>
-                <a:latin typeface="+mn-lt"/>
-                <a:ea typeface="+mn-ea"/>
-                <a:cs typeface="+mn-cs"/>
-              </a:defRPr>
-            </a:lvl8pPr>
-            <a:lvl9pPr>
-              <a:defRPr>
-                <a:solidFill>
-                  <a:schemeClr val="dk1"/>
-                </a:solidFill>
-                <a:latin typeface="+mn-lt"/>
-                <a:ea typeface="+mn-ea"/>
-                <a:cs typeface="+mn-cs"/>
-              </a:defRPr>
-            </a:lvl9pPr>
-          </a:lstStyle>
-          <a:p>
-            <a:pPr algn="ctr"/>
-            <a:r>
-              <a:rPr lang="en-US" sz="3200" b="1" dirty="0">
-                <a:solidFill>
-                  <a:srgbClr val="FFFF00"/>
-                </a:solidFill>
-                <a:effectLst>
-                  <a:outerShdw blurRad="38100" dist="38100" dir="2700000" algn="tl">
-                    <a:srgbClr val="000000">
-                      <a:alpha val="43137"/>
-                    </a:srgbClr>
-                  </a:outerShdw>
-                </a:effectLst>
-              </a:rPr>
-              <a:t>Where the magic begins </a:t>
-            </a:r>
-          </a:p>
-        </p:txBody>
-      </p:sp>
-      <p:sp>
-        <p:nvSpPr>
-          <p:cNvPr id="18" name="TextBox 17">
-            <a:extLst>
-              <a:ext uri="{FF2B5EF4-FFF2-40B4-BE49-F238E27FC236}">
-                <a16:creationId xmlns:a16="http://schemas.microsoft.com/office/drawing/2014/main" id="{4A245642-060C-4469-9A71-AFC0D35FBA02}"/>
-              </a:ext>
-            </a:extLst>
-          </p:cNvPr>
-          <p:cNvSpPr txBox="1"/>
-          <p:nvPr/>
-        </p:nvSpPr>
-        <p:spPr>
-          <a:xfrm>
-            <a:off x="2188920" y="1739561"/>
-            <a:ext cx="444352" cy="707886"/>
-          </a:xfrm>
-          <a:prstGeom prst="rect">
-            <a:avLst/>
-          </a:prstGeom>
-          <a:noFill/>
-        </p:spPr>
-        <p:txBody>
-          <a:bodyPr wrap="none" rtlCol="0">
-            <a:spAutoFit/>
-          </a:bodyPr>
-          <a:lstStyle/>
-          <a:p>
-            <a:r>
-              <a:rPr lang="en-US" sz="4000" dirty="0"/>
-              <a:t>1</a:t>
-            </a:r>
-          </a:p>
-        </p:txBody>
-      </p:sp>
-      <p:sp>
-        <p:nvSpPr>
-          <p:cNvPr id="19" name="TextBox 18">
-            <a:extLst>
-              <a:ext uri="{FF2B5EF4-FFF2-40B4-BE49-F238E27FC236}">
-                <a16:creationId xmlns:a16="http://schemas.microsoft.com/office/drawing/2014/main" id="{C4E6B167-27D3-414D-91BD-8A4B82C1C45F}"/>
-              </a:ext>
-            </a:extLst>
-          </p:cNvPr>
-          <p:cNvSpPr txBox="1"/>
-          <p:nvPr/>
-        </p:nvSpPr>
-        <p:spPr>
-          <a:xfrm>
-            <a:off x="2188918" y="3904874"/>
-            <a:ext cx="444352" cy="707886"/>
-          </a:xfrm>
-          <a:prstGeom prst="rect">
-            <a:avLst/>
-          </a:prstGeom>
-          <a:noFill/>
-        </p:spPr>
-        <p:txBody>
-          <a:bodyPr wrap="none" rtlCol="0">
-            <a:spAutoFit/>
-          </a:bodyPr>
-          <a:lstStyle/>
-          <a:p>
-            <a:r>
-              <a:rPr lang="en-US" sz="4000" dirty="0"/>
-              <a:t>2</a:t>
-            </a:r>
-          </a:p>
-        </p:txBody>
-      </p:sp>
-      <p:sp>
-        <p:nvSpPr>
-          <p:cNvPr id="20" name="TextBox 19">
-            <a:extLst>
-              <a:ext uri="{FF2B5EF4-FFF2-40B4-BE49-F238E27FC236}">
-                <a16:creationId xmlns:a16="http://schemas.microsoft.com/office/drawing/2014/main" id="{599B56F9-BA78-4330-A43B-746BE09C0310}"/>
-              </a:ext>
-            </a:extLst>
-          </p:cNvPr>
-          <p:cNvSpPr txBox="1"/>
-          <p:nvPr/>
-        </p:nvSpPr>
-        <p:spPr>
-          <a:xfrm>
-            <a:off x="2188919" y="6070187"/>
-            <a:ext cx="444352" cy="707886"/>
-          </a:xfrm>
-          <a:prstGeom prst="rect">
-            <a:avLst/>
-          </a:prstGeom>
-          <a:noFill/>
-        </p:spPr>
-        <p:txBody>
-          <a:bodyPr wrap="none" rtlCol="0">
-            <a:spAutoFit/>
-          </a:bodyPr>
-          <a:lstStyle/>
-          <a:p>
-            <a:r>
-              <a:rPr lang="en-US" sz="4000" dirty="0"/>
-              <a:t>3</a:t>
+              <a:t>Chosen Sectors vs. SPDR Index 2020</a:t>
             </a:r>
           </a:p>
         </p:txBody>
       </p:sp>
       <p:pic>
         <p:nvPicPr>
-          <p:cNvPr id="9" name="Picture 8">
+          <p:cNvPr id="16" name="Picture 15" descr="Chart, line chart&#10;&#10;Description automatically generated">
             <a:extLst>
               <a:ext uri="{FF2B5EF4-FFF2-40B4-BE49-F238E27FC236}">
-                <a16:creationId xmlns:a16="http://schemas.microsoft.com/office/drawing/2014/main" id="{3C54E7C9-527E-4CCC-AEFF-0C0FEEFAC8D9}"/>
+                <a16:creationId xmlns:a16="http://schemas.microsoft.com/office/drawing/2014/main" id="{DF30A771-79BA-4A2B-8C55-4C6B1DC357F7}"/>
               </a:ext>
             </a:extLst>
           </p:cNvPr>
@@ -11806,536 +16313,7 @@
           <p:nvPr/>
         </p:nvPicPr>
         <p:blipFill>
-          <a:blip r:embed="rId3" cstate="print">
-            <a:alphaModFix amt="43000"/>
-            <a:extLst>
-              <a:ext uri="{28A0092B-C50C-407E-A947-70E740481C1C}">
-                <a14:useLocalDpi xmlns:a14="http://schemas.microsoft.com/office/drawing/2010/main" val="0"/>
-              </a:ext>
-              <a:ext uri="{837473B0-CC2E-450A-ABE3-18F120FF3D39}">
-                <a1611:picAttrSrcUrl xmlns:a1611="http://schemas.microsoft.com/office/drawing/2016/11/main" r:id="rId4"/>
-              </a:ext>
-            </a:extLst>
-          </a:blip>
-          <a:stretch>
-            <a:fillRect/>
-          </a:stretch>
-        </p:blipFill>
-        <p:spPr>
-          <a:xfrm flipH="1">
-            <a:off x="1352513" y="1436212"/>
-            <a:ext cx="1300407" cy="1301491"/>
-          </a:xfrm>
-          <a:prstGeom prst="rect">
-            <a:avLst/>
-          </a:prstGeom>
-        </p:spPr>
-      </p:pic>
-      <p:sp>
-        <p:nvSpPr>
-          <p:cNvPr id="11" name="TextBox 10">
-            <a:extLst>
-              <a:ext uri="{FF2B5EF4-FFF2-40B4-BE49-F238E27FC236}">
-                <a16:creationId xmlns:a16="http://schemas.microsoft.com/office/drawing/2014/main" id="{9CA18F8E-F85B-43AC-8F75-A19E9A47BAAB}"/>
-              </a:ext>
-            </a:extLst>
-          </p:cNvPr>
-          <p:cNvSpPr txBox="1"/>
-          <p:nvPr/>
-        </p:nvSpPr>
-        <p:spPr>
-          <a:xfrm>
-            <a:off x="2188918" y="3904874"/>
-            <a:ext cx="444352" cy="707886"/>
-          </a:xfrm>
-          <a:prstGeom prst="rect">
-            <a:avLst/>
-          </a:prstGeom>
-          <a:noFill/>
-        </p:spPr>
-        <p:txBody>
-          <a:bodyPr wrap="none" rtlCol="0">
-            <a:spAutoFit/>
-          </a:bodyPr>
-          <a:lstStyle/>
-          <a:p>
-            <a:r>
-              <a:rPr lang="en-US" sz="4000" dirty="0"/>
-              <a:t>2</a:t>
-            </a:r>
-          </a:p>
-        </p:txBody>
-      </p:sp>
-      <p:sp>
-        <p:nvSpPr>
-          <p:cNvPr id="12" name="TextBox 11">
-            <a:extLst>
-              <a:ext uri="{FF2B5EF4-FFF2-40B4-BE49-F238E27FC236}">
-                <a16:creationId xmlns:a16="http://schemas.microsoft.com/office/drawing/2014/main" id="{7400170A-2FE3-4045-9F10-FD5584E87121}"/>
-              </a:ext>
-            </a:extLst>
-          </p:cNvPr>
-          <p:cNvSpPr txBox="1"/>
-          <p:nvPr/>
-        </p:nvSpPr>
-        <p:spPr>
-          <a:xfrm>
-            <a:off x="2188919" y="6070187"/>
-            <a:ext cx="444352" cy="707886"/>
-          </a:xfrm>
-          <a:prstGeom prst="rect">
-            <a:avLst/>
-          </a:prstGeom>
-          <a:noFill/>
-        </p:spPr>
-        <p:txBody>
-          <a:bodyPr wrap="none" rtlCol="0">
-            <a:spAutoFit/>
-          </a:bodyPr>
-          <a:lstStyle/>
-          <a:p>
-            <a:r>
-              <a:rPr lang="en-US" sz="4000" dirty="0"/>
-              <a:t>3</a:t>
-            </a:r>
-          </a:p>
-        </p:txBody>
-      </p:sp>
-      <p:sp>
-        <p:nvSpPr>
-          <p:cNvPr id="14" name="Arrow: Right 13">
-            <a:extLst>
-              <a:ext uri="{FF2B5EF4-FFF2-40B4-BE49-F238E27FC236}">
-                <a16:creationId xmlns:a16="http://schemas.microsoft.com/office/drawing/2014/main" id="{2018654C-F931-4635-924C-9643DEF0FA9A}"/>
-              </a:ext>
-            </a:extLst>
-          </p:cNvPr>
-          <p:cNvSpPr/>
-          <p:nvPr/>
-        </p:nvSpPr>
-        <p:spPr>
-          <a:xfrm>
-            <a:off x="2617925" y="1923383"/>
-            <a:ext cx="444352" cy="340242"/>
-          </a:xfrm>
-          <a:prstGeom prst="rightArrow">
-            <a:avLst/>
-          </a:prstGeom>
-          <a:solidFill>
-            <a:srgbClr val="FF0000"/>
-          </a:solidFill>
-        </p:spPr>
-        <p:style>
-          <a:lnRef idx="1">
-            <a:schemeClr val="dk1"/>
-          </a:lnRef>
-          <a:fillRef idx="2">
-            <a:schemeClr val="dk1"/>
-          </a:fillRef>
-          <a:effectRef idx="1">
-            <a:schemeClr val="dk1"/>
-          </a:effectRef>
-          <a:fontRef idx="minor">
-            <a:schemeClr val="dk1"/>
-          </a:fontRef>
-        </p:style>
-        <p:txBody>
-          <a:bodyPr rtlCol="0" anchor="ctr"/>
-          <a:lstStyle/>
-          <a:p>
-            <a:pPr algn="ctr"/>
-            <a:endParaRPr lang="en-US"/>
-          </a:p>
-        </p:txBody>
-      </p:sp>
-      <p:sp>
-        <p:nvSpPr>
-          <p:cNvPr id="16" name="Arrow: Right 15">
-            <a:extLst>
-              <a:ext uri="{FF2B5EF4-FFF2-40B4-BE49-F238E27FC236}">
-                <a16:creationId xmlns:a16="http://schemas.microsoft.com/office/drawing/2014/main" id="{5737AEB8-380D-489A-BC53-F12EC1B66E8F}"/>
-              </a:ext>
-            </a:extLst>
-          </p:cNvPr>
-          <p:cNvSpPr/>
-          <p:nvPr/>
-        </p:nvSpPr>
-        <p:spPr>
-          <a:xfrm>
-            <a:off x="2633270" y="4095851"/>
-            <a:ext cx="444352" cy="340242"/>
-          </a:xfrm>
-          <a:prstGeom prst="rightArrow">
-            <a:avLst/>
-          </a:prstGeom>
-          <a:solidFill>
-            <a:srgbClr val="FF0000"/>
-          </a:solidFill>
-        </p:spPr>
-        <p:style>
-          <a:lnRef idx="1">
-            <a:schemeClr val="dk1"/>
-          </a:lnRef>
-          <a:fillRef idx="2">
-            <a:schemeClr val="dk1"/>
-          </a:fillRef>
-          <a:effectRef idx="1">
-            <a:schemeClr val="dk1"/>
-          </a:effectRef>
-          <a:fontRef idx="minor">
-            <a:schemeClr val="dk1"/>
-          </a:fontRef>
-        </p:style>
-        <p:txBody>
-          <a:bodyPr rtlCol="0" anchor="ctr"/>
-          <a:lstStyle/>
-          <a:p>
-            <a:pPr algn="ctr"/>
-            <a:endParaRPr lang="en-US"/>
-          </a:p>
-        </p:txBody>
-      </p:sp>
-      <p:sp>
-        <p:nvSpPr>
-          <p:cNvPr id="21" name="Arrow: Right 20">
-            <a:extLst>
-              <a:ext uri="{FF2B5EF4-FFF2-40B4-BE49-F238E27FC236}">
-                <a16:creationId xmlns:a16="http://schemas.microsoft.com/office/drawing/2014/main" id="{D81C32CE-47FA-4455-AEE8-6816FF863C8C}"/>
-              </a:ext>
-            </a:extLst>
-          </p:cNvPr>
-          <p:cNvSpPr/>
-          <p:nvPr/>
-        </p:nvSpPr>
-        <p:spPr>
-          <a:xfrm>
-            <a:off x="2633270" y="6254009"/>
-            <a:ext cx="444352" cy="340242"/>
-          </a:xfrm>
-          <a:prstGeom prst="rightArrow">
-            <a:avLst/>
-          </a:prstGeom>
-          <a:solidFill>
-            <a:srgbClr val="FF0000"/>
-          </a:solidFill>
-        </p:spPr>
-        <p:style>
-          <a:lnRef idx="1">
-            <a:schemeClr val="dk1"/>
-          </a:lnRef>
-          <a:fillRef idx="2">
-            <a:schemeClr val="dk1"/>
-          </a:fillRef>
-          <a:effectRef idx="1">
-            <a:schemeClr val="dk1"/>
-          </a:effectRef>
-          <a:fontRef idx="minor">
-            <a:schemeClr val="dk1"/>
-          </a:fontRef>
-        </p:style>
-        <p:txBody>
-          <a:bodyPr rtlCol="0" anchor="ctr"/>
-          <a:lstStyle/>
-          <a:p>
-            <a:pPr algn="ctr"/>
-            <a:endParaRPr lang="en-US"/>
-          </a:p>
-        </p:txBody>
-      </p:sp>
-      <p:pic>
-        <p:nvPicPr>
-          <p:cNvPr id="22" name="Picture 21">
-            <a:extLst>
-              <a:ext uri="{FF2B5EF4-FFF2-40B4-BE49-F238E27FC236}">
-                <a16:creationId xmlns:a16="http://schemas.microsoft.com/office/drawing/2014/main" id="{8791C5AE-47C0-4ACE-B5F4-38A6E10BAE99}"/>
-              </a:ext>
-            </a:extLst>
-          </p:cNvPr>
-          <p:cNvPicPr>
-            <a:picLocks noChangeAspect="1"/>
-          </p:cNvPicPr>
-          <p:nvPr/>
-        </p:nvPicPr>
-        <p:blipFill>
-          <a:blip r:embed="rId3" cstate="print">
-            <a:alphaModFix amt="43000"/>
-            <a:extLst>
-              <a:ext uri="{28A0092B-C50C-407E-A947-70E740481C1C}">
-                <a14:useLocalDpi xmlns:a14="http://schemas.microsoft.com/office/drawing/2010/main" val="0"/>
-              </a:ext>
-              <a:ext uri="{837473B0-CC2E-450A-ABE3-18F120FF3D39}">
-                <a1611:picAttrSrcUrl xmlns:a1611="http://schemas.microsoft.com/office/drawing/2016/11/main" r:id="rId4"/>
-              </a:ext>
-            </a:extLst>
-          </a:blip>
-          <a:stretch>
-            <a:fillRect/>
-          </a:stretch>
-        </p:blipFill>
-        <p:spPr>
-          <a:xfrm flipH="1">
-            <a:off x="1669807" y="3771106"/>
-            <a:ext cx="963463" cy="964266"/>
-          </a:xfrm>
-          <a:prstGeom prst="rect">
-            <a:avLst/>
-          </a:prstGeom>
-        </p:spPr>
-      </p:pic>
-      <p:pic>
-        <p:nvPicPr>
-          <p:cNvPr id="23" name="Picture 22">
-            <a:extLst>
-              <a:ext uri="{FF2B5EF4-FFF2-40B4-BE49-F238E27FC236}">
-                <a16:creationId xmlns:a16="http://schemas.microsoft.com/office/drawing/2014/main" id="{B894846A-721B-4D9D-AC84-3EFB11C762B9}"/>
-              </a:ext>
-            </a:extLst>
-          </p:cNvPr>
-          <p:cNvPicPr>
-            <a:picLocks noChangeAspect="1"/>
-          </p:cNvPicPr>
-          <p:nvPr/>
-        </p:nvPicPr>
-        <p:blipFill>
-          <a:blip r:embed="rId3" cstate="print">
-            <a:alphaModFix amt="43000"/>
-            <a:extLst>
-              <a:ext uri="{28A0092B-C50C-407E-A947-70E740481C1C}">
-                <a14:useLocalDpi xmlns:a14="http://schemas.microsoft.com/office/drawing/2010/main" val="0"/>
-              </a:ext>
-              <a:ext uri="{837473B0-CC2E-450A-ABE3-18F120FF3D39}">
-                <a1611:picAttrSrcUrl xmlns:a1611="http://schemas.microsoft.com/office/drawing/2016/11/main" r:id="rId4"/>
-              </a:ext>
-            </a:extLst>
-          </a:blip>
-          <a:stretch>
-            <a:fillRect/>
-          </a:stretch>
-        </p:blipFill>
-        <p:spPr>
-          <a:xfrm flipH="1">
-            <a:off x="1901347" y="6032773"/>
-            <a:ext cx="752237" cy="752864"/>
-          </a:xfrm>
-          <a:prstGeom prst="rect">
-            <a:avLst/>
-          </a:prstGeom>
-        </p:spPr>
-      </p:pic>
-    </p:spTree>
-    <p:extLst>
-      <p:ext uri="{BB962C8B-B14F-4D97-AF65-F5344CB8AC3E}">
-        <p14:creationId xmlns:p14="http://schemas.microsoft.com/office/powerpoint/2010/main" val="617502619"/>
-      </p:ext>
-    </p:extLst>
-  </p:cSld>
-  <p:clrMapOvr>
-    <a:masterClrMapping/>
-  </p:clrMapOvr>
-</p:sld>
-</file>
-
-<file path=ppt/slides/slide8.xml><?xml version="1.0" encoding="utf-8"?>
-<p:sld xmlns:a="http://schemas.openxmlformats.org/drawingml/2006/main" xmlns:r="http://schemas.openxmlformats.org/officeDocument/2006/relationships" xmlns:p="http://schemas.openxmlformats.org/presentationml/2006/main">
-  <p:cSld>
-    <p:spTree>
-      <p:nvGrpSpPr>
-        <p:cNvPr id="1" name=""/>
-        <p:cNvGrpSpPr/>
-        <p:nvPr/>
-      </p:nvGrpSpPr>
-      <p:grpSpPr>
-        <a:xfrm>
-          <a:off x="0" y="0"/>
-          <a:ext cx="0" cy="0"/>
-          <a:chOff x="0" y="0"/>
-          <a:chExt cx="0" cy="0"/>
-        </a:xfrm>
-      </p:grpSpPr>
-      <p:sp>
-        <p:nvSpPr>
-          <p:cNvPr id="8" name="Title 3">
-            <a:extLst>
-              <a:ext uri="{FF2B5EF4-FFF2-40B4-BE49-F238E27FC236}">
-                <a16:creationId xmlns:a16="http://schemas.microsoft.com/office/drawing/2014/main" id="{976A8074-0F5F-4DCD-B590-DCEAD096E28D}"/>
-              </a:ext>
-            </a:extLst>
-          </p:cNvPr>
-          <p:cNvSpPr txBox="1">
-            <a:spLocks/>
-          </p:cNvSpPr>
-          <p:nvPr/>
-        </p:nvSpPr>
-        <p:spPr>
-          <a:xfrm>
-            <a:off x="311239" y="248603"/>
-            <a:ext cx="11715356" cy="733426"/>
-          </a:xfrm>
-          <a:prstGeom prst="rect">
-            <a:avLst/>
-          </a:prstGeom>
-          <a:solidFill>
-            <a:schemeClr val="accent3">
-              <a:alpha val="50000"/>
-            </a:schemeClr>
-          </a:solidFill>
-          <a:ln>
-            <a:noFill/>
-          </a:ln>
-        </p:spPr>
-        <p:style>
-          <a:lnRef idx="0">
-            <a:scrgbClr r="0" g="0" b="0"/>
-          </a:lnRef>
-          <a:fillRef idx="0">
-            <a:scrgbClr r="0" g="0" b="0"/>
-          </a:fillRef>
-          <a:effectRef idx="0">
-            <a:scrgbClr r="0" g="0" b="0"/>
-          </a:effectRef>
-          <a:fontRef idx="minor">
-            <a:schemeClr val="lt1"/>
-          </a:fontRef>
-        </p:style>
-        <p:txBody>
-          <a:bodyPr vert="horz" lIns="91440" tIns="45720" rIns="91440" bIns="45720" rtlCol="0" anchor="ctr">
-            <a:noAutofit/>
-          </a:bodyPr>
-          <a:lstStyle>
-            <a:lvl1pPr algn="l" defTabSz="914400" rtl="0" eaLnBrk="1" latinLnBrk="0" hangingPunct="1">
-              <a:lnSpc>
-                <a:spcPct val="90000"/>
-              </a:lnSpc>
-              <a:spcBef>
-                <a:spcPct val="0"/>
-              </a:spcBef>
-              <a:buNone/>
-              <a:defRPr sz="4400" kern="1200">
-                <a:solidFill>
-                  <a:schemeClr val="dk1"/>
-                </a:solidFill>
-                <a:latin typeface="+mn-lt"/>
-                <a:ea typeface="+mn-ea"/>
-                <a:cs typeface="+mn-cs"/>
-              </a:defRPr>
-            </a:lvl1pPr>
-            <a:lvl2pPr>
-              <a:defRPr>
-                <a:solidFill>
-                  <a:schemeClr val="dk1"/>
-                </a:solidFill>
-                <a:latin typeface="+mn-lt"/>
-                <a:ea typeface="+mn-ea"/>
-                <a:cs typeface="+mn-cs"/>
-              </a:defRPr>
-            </a:lvl2pPr>
-            <a:lvl3pPr>
-              <a:defRPr>
-                <a:solidFill>
-                  <a:schemeClr val="dk1"/>
-                </a:solidFill>
-                <a:latin typeface="+mn-lt"/>
-                <a:ea typeface="+mn-ea"/>
-                <a:cs typeface="+mn-cs"/>
-              </a:defRPr>
-            </a:lvl3pPr>
-            <a:lvl4pPr>
-              <a:defRPr>
-                <a:solidFill>
-                  <a:schemeClr val="dk1"/>
-                </a:solidFill>
-                <a:latin typeface="+mn-lt"/>
-                <a:ea typeface="+mn-ea"/>
-                <a:cs typeface="+mn-cs"/>
-              </a:defRPr>
-            </a:lvl4pPr>
-            <a:lvl5pPr>
-              <a:defRPr>
-                <a:solidFill>
-                  <a:schemeClr val="dk1"/>
-                </a:solidFill>
-                <a:latin typeface="+mn-lt"/>
-                <a:ea typeface="+mn-ea"/>
-                <a:cs typeface="+mn-cs"/>
-              </a:defRPr>
-            </a:lvl5pPr>
-            <a:lvl6pPr>
-              <a:defRPr>
-                <a:solidFill>
-                  <a:schemeClr val="dk1"/>
-                </a:solidFill>
-                <a:latin typeface="+mn-lt"/>
-                <a:ea typeface="+mn-ea"/>
-                <a:cs typeface="+mn-cs"/>
-              </a:defRPr>
-            </a:lvl6pPr>
-            <a:lvl7pPr>
-              <a:defRPr>
-                <a:solidFill>
-                  <a:schemeClr val="dk1"/>
-                </a:solidFill>
-                <a:latin typeface="+mn-lt"/>
-                <a:ea typeface="+mn-ea"/>
-                <a:cs typeface="+mn-cs"/>
-              </a:defRPr>
-            </a:lvl7pPr>
-            <a:lvl8pPr>
-              <a:defRPr>
-                <a:solidFill>
-                  <a:schemeClr val="dk1"/>
-                </a:solidFill>
-                <a:latin typeface="+mn-lt"/>
-                <a:ea typeface="+mn-ea"/>
-                <a:cs typeface="+mn-cs"/>
-              </a:defRPr>
-            </a:lvl8pPr>
-            <a:lvl9pPr>
-              <a:defRPr>
-                <a:solidFill>
-                  <a:schemeClr val="dk1"/>
-                </a:solidFill>
-                <a:latin typeface="+mn-lt"/>
-                <a:ea typeface="+mn-ea"/>
-                <a:cs typeface="+mn-cs"/>
-              </a:defRPr>
-            </a:lvl9pPr>
-          </a:lstStyle>
-          <a:p>
-            <a:pPr algn="ctr"/>
-            <a:r>
-              <a:rPr lang="en-US" sz="3600" b="1" dirty="0">
-                <a:solidFill>
-                  <a:srgbClr val="FFFF00"/>
-                </a:solidFill>
-                <a:effectLst>
-                  <a:outerShdw blurRad="38100" dist="38100" dir="2700000" algn="tl">
-                    <a:srgbClr val="000000">
-                      <a:alpha val="43137"/>
-                    </a:srgbClr>
-                  </a:outerShdw>
-                </a:effectLst>
-              </a:rPr>
-              <a:t>Comparison of Stock Prices in the Year 2020</a:t>
-            </a:r>
-          </a:p>
-        </p:txBody>
-      </p:sp>
-      <p:pic>
-        <p:nvPicPr>
-          <p:cNvPr id="16" name="Picture 15" descr="Chart, line chart&#10;&#10;Description automatically generated">
-            <a:extLst>
-              <a:ext uri="{FF2B5EF4-FFF2-40B4-BE49-F238E27FC236}">
-                <a16:creationId xmlns:a16="http://schemas.microsoft.com/office/drawing/2014/main" id="{DF30A771-79BA-4A2B-8C55-4C6B1DC357F7}"/>
-              </a:ext>
-            </a:extLst>
-          </p:cNvPr>
-          <p:cNvPicPr>
-            <a:picLocks noChangeAspect="1"/>
-          </p:cNvPicPr>
-          <p:nvPr/>
-        </p:nvPicPr>
-        <p:blipFill>
-          <a:blip r:embed="rId2">
+          <a:blip r:embed="rId3">
             <a:extLst>
               <a:ext uri="{28A0092B-C50C-407E-A947-70E740481C1C}">
                 <a14:useLocalDpi xmlns:a14="http://schemas.microsoft.com/office/drawing/2010/main" val="0"/>
